--- a/.github/Akıllı Bitki Sulama Projesi.pptx
+++ b/.github/Akıllı Bitki Sulama Projesi.pptx
@@ -1812,6 +1812,10 @@
             <a:rPr lang="tr-TR" sz="1600" b="1" i="0" baseline="0" dirty="0"/>
             <a:t>Sensör Verilerinin Ölçülmesi:</a:t>
           </a:r>
+          <a:r>
+            <a:rPr lang="tr-TR" sz="1600" b="0" i="0" baseline="0" dirty="0"/>
+            <a:t/>
+          </a:r>
           <a:br>
             <a:rPr lang="tr-TR" sz="1600" b="0" i="0" baseline="0" dirty="0"/>
           </a:br>
@@ -1856,6 +1860,10 @@
             <a:rPr lang="tr-TR" sz="1800" b="1" i="0" baseline="0" dirty="0"/>
             <a:t>Veri İşleme:</a:t>
           </a:r>
+          <a:r>
+            <a:rPr lang="tr-TR" sz="1800" b="0" i="0" baseline="0" dirty="0"/>
+            <a:t/>
+          </a:r>
           <a:br>
             <a:rPr lang="tr-TR" sz="1800" b="0" i="0" baseline="0" dirty="0"/>
           </a:br>
@@ -1899,6 +1907,10 @@
           <a:r>
             <a:rPr lang="tr-TR" sz="1800" b="1" i="0" baseline="0" dirty="0"/>
             <a:t>Sulama İşlemi:</a:t>
+          </a:r>
+          <a:r>
+            <a:rPr lang="tr-TR" sz="1800" b="0" i="0" baseline="0" dirty="0"/>
+            <a:t/>
           </a:r>
           <a:br>
             <a:rPr lang="tr-TR" sz="1800" b="0" i="0" baseline="0" dirty="0"/>
@@ -1952,6 +1964,10 @@
             <a:rPr lang="tr-TR" b="1" i="0" baseline="0" dirty="0"/>
             <a:t>Android uygulamaya veri gönderimi</a:t>
           </a:r>
+          <a:r>
+            <a:rPr lang="tr-TR" b="0" i="0" baseline="0" dirty="0"/>
+            <a:t/>
+          </a:r>
           <a:br>
             <a:rPr lang="tr-TR" b="0" i="0" baseline="0" dirty="0"/>
           </a:br>
@@ -1995,6 +2011,10 @@
           <a:r>
             <a:rPr lang="tr-TR" sz="1700" b="1" i="0" baseline="0" dirty="0"/>
             <a:t>Gösterge LED'leri:</a:t>
+          </a:r>
+          <a:r>
+            <a:rPr lang="tr-TR" sz="1700" b="0" i="0" baseline="0" dirty="0"/>
+            <a:t/>
           </a:r>
           <a:br>
             <a:rPr lang="tr-TR" sz="1700" b="0" i="0" baseline="0" dirty="0"/>
@@ -2054,6 +2074,13 @@
         </dgm:presLayoutVars>
       </dgm:prSet>
       <dgm:spPr/>
+      <dgm:t>
+        <a:bodyPr/>
+        <a:lstStyle/>
+        <a:p>
+          <a:endParaRPr lang="tr-TR"/>
+        </a:p>
+      </dgm:t>
     </dgm:pt>
     <dgm:pt modelId="{D69CA3AD-B4B4-46C9-8758-680BCE0B1D99}" type="pres">
       <dgm:prSet presAssocID="{DE933084-A30C-4C86-B8C6-A50B5113FCB1}" presName="node" presStyleLbl="node1" presStyleIdx="0" presStyleCnt="9">
@@ -2062,6 +2089,13 @@
         </dgm:presLayoutVars>
       </dgm:prSet>
       <dgm:spPr/>
+      <dgm:t>
+        <a:bodyPr/>
+        <a:lstStyle/>
+        <a:p>
+          <a:endParaRPr lang="tr-TR"/>
+        </a:p>
+      </dgm:t>
     </dgm:pt>
     <dgm:pt modelId="{4BC98F48-D926-4E91-B485-1C058C8ABB51}" type="pres">
       <dgm:prSet presAssocID="{9CF34EA4-DCA5-467A-9BA2-4CEEE030FAFF}" presName="sibTransSpacerBeforeConnector" presStyleCnt="0"/>
@@ -2070,6 +2104,13 @@
     <dgm:pt modelId="{60051CB3-FFCC-4FFE-8C97-ADB66C42B4C4}" type="pres">
       <dgm:prSet presAssocID="{9CF34EA4-DCA5-467A-9BA2-4CEEE030FAFF}" presName="sibTrans" presStyleLbl="node1" presStyleIdx="1" presStyleCnt="9"/>
       <dgm:spPr/>
+      <dgm:t>
+        <a:bodyPr/>
+        <a:lstStyle/>
+        <a:p>
+          <a:endParaRPr lang="tr-TR"/>
+        </a:p>
+      </dgm:t>
     </dgm:pt>
     <dgm:pt modelId="{D5AB4FD9-923E-4484-BDD5-BF980C694352}" type="pres">
       <dgm:prSet presAssocID="{9CF34EA4-DCA5-467A-9BA2-4CEEE030FAFF}" presName="sibTransSpacerAfterConnector" presStyleCnt="0"/>
@@ -2082,6 +2123,13 @@
         </dgm:presLayoutVars>
       </dgm:prSet>
       <dgm:spPr/>
+      <dgm:t>
+        <a:bodyPr/>
+        <a:lstStyle/>
+        <a:p>
+          <a:endParaRPr lang="tr-TR"/>
+        </a:p>
+      </dgm:t>
     </dgm:pt>
     <dgm:pt modelId="{92B3FB9A-C895-45DF-803B-F84B1C90305D}" type="pres">
       <dgm:prSet presAssocID="{FB30502D-DB86-4A99-B020-FDE730BFE04E}" presName="sibTransSpacerBeforeConnector" presStyleCnt="0"/>
@@ -2090,6 +2138,13 @@
     <dgm:pt modelId="{D2E2DC8B-4C20-475C-9B6C-38079664F9DC}" type="pres">
       <dgm:prSet presAssocID="{FB30502D-DB86-4A99-B020-FDE730BFE04E}" presName="sibTrans" presStyleLbl="node1" presStyleIdx="3" presStyleCnt="9"/>
       <dgm:spPr/>
+      <dgm:t>
+        <a:bodyPr/>
+        <a:lstStyle/>
+        <a:p>
+          <a:endParaRPr lang="tr-TR"/>
+        </a:p>
+      </dgm:t>
     </dgm:pt>
     <dgm:pt modelId="{7EB106F3-37EE-48E9-BFB3-5920E0B40699}" type="pres">
       <dgm:prSet presAssocID="{FB30502D-DB86-4A99-B020-FDE730BFE04E}" presName="sibTransSpacerAfterConnector" presStyleCnt="0"/>
@@ -2102,6 +2157,13 @@
         </dgm:presLayoutVars>
       </dgm:prSet>
       <dgm:spPr/>
+      <dgm:t>
+        <a:bodyPr/>
+        <a:lstStyle/>
+        <a:p>
+          <a:endParaRPr lang="tr-TR"/>
+        </a:p>
+      </dgm:t>
     </dgm:pt>
     <dgm:pt modelId="{5FA3654E-518B-4AA0-8842-5F0B216CF007}" type="pres">
       <dgm:prSet presAssocID="{880258CB-DCEB-4128-855F-E0F31ABBA443}" presName="sibTransSpacerBeforeConnector" presStyleCnt="0"/>
@@ -2110,6 +2172,13 @@
     <dgm:pt modelId="{0B6CF8C9-2A9E-4818-A96F-106E596E9D26}" type="pres">
       <dgm:prSet presAssocID="{880258CB-DCEB-4128-855F-E0F31ABBA443}" presName="sibTrans" presStyleLbl="node1" presStyleIdx="5" presStyleCnt="9"/>
       <dgm:spPr/>
+      <dgm:t>
+        <a:bodyPr/>
+        <a:lstStyle/>
+        <a:p>
+          <a:endParaRPr lang="tr-TR"/>
+        </a:p>
+      </dgm:t>
     </dgm:pt>
     <dgm:pt modelId="{393D9AEC-9D92-4872-A91F-4F5332FAEA00}" type="pres">
       <dgm:prSet presAssocID="{880258CB-DCEB-4128-855F-E0F31ABBA443}" presName="sibTransSpacerAfterConnector" presStyleCnt="0"/>
@@ -2122,6 +2191,13 @@
         </dgm:presLayoutVars>
       </dgm:prSet>
       <dgm:spPr/>
+      <dgm:t>
+        <a:bodyPr/>
+        <a:lstStyle/>
+        <a:p>
+          <a:endParaRPr lang="tr-TR"/>
+        </a:p>
+      </dgm:t>
     </dgm:pt>
     <dgm:pt modelId="{EB5B3436-C2BC-4C13-9CC1-3D6E81038F2C}" type="pres">
       <dgm:prSet presAssocID="{908D4E28-4A8F-46D7-8532-B996796B4D56}" presName="sibTransSpacerBeforeConnector" presStyleCnt="0"/>
@@ -2130,6 +2206,13 @@
     <dgm:pt modelId="{6C247AFC-107D-46AA-98C4-5511172C4221}" type="pres">
       <dgm:prSet presAssocID="{908D4E28-4A8F-46D7-8532-B996796B4D56}" presName="sibTrans" presStyleLbl="node1" presStyleIdx="7" presStyleCnt="9"/>
       <dgm:spPr/>
+      <dgm:t>
+        <a:bodyPr/>
+        <a:lstStyle/>
+        <a:p>
+          <a:endParaRPr lang="tr-TR"/>
+        </a:p>
+      </dgm:t>
     </dgm:pt>
     <dgm:pt modelId="{67FA8880-BC5E-474B-A704-A82B405EBB32}" type="pres">
       <dgm:prSet presAssocID="{908D4E28-4A8F-46D7-8532-B996796B4D56}" presName="sibTransSpacerAfterConnector" presStyleCnt="0"/>
@@ -2142,22 +2225,29 @@
         </dgm:presLayoutVars>
       </dgm:prSet>
       <dgm:spPr/>
+      <dgm:t>
+        <a:bodyPr/>
+        <a:lstStyle/>
+        <a:p>
+          <a:endParaRPr lang="tr-TR"/>
+        </a:p>
+      </dgm:t>
     </dgm:pt>
   </dgm:ptLst>
   <dgm:cxnLst>
+    <dgm:cxn modelId="{6596635F-0467-44E7-A2C8-5B06B6D58BA3}" srcId="{93A36553-B438-47CE-9227-0CDA047E6379}" destId="{ACC78051-8ED2-4B98-977A-4959B8852E74}" srcOrd="1" destOrd="0" parTransId="{2D65B3FD-BD63-4D2C-9870-496A3C1A905A}" sibTransId="{FB30502D-DB86-4A99-B020-FDE730BFE04E}"/>
+    <dgm:cxn modelId="{43F912A5-F474-4DC5-B177-6273CF3F301B}" type="presOf" srcId="{ACC78051-8ED2-4B98-977A-4959B8852E74}" destId="{04F7879C-80E5-4EC3-9A7D-6250C44D4A91}" srcOrd="0" destOrd="0" presId="urn:microsoft.com/office/officeart/2016/7/layout/BasicProcessNew"/>
+    <dgm:cxn modelId="{7E18C491-E19B-4B3C-95A5-0BC002531C2C}" srcId="{93A36553-B438-47CE-9227-0CDA047E6379}" destId="{DE933084-A30C-4C86-B8C6-A50B5113FCB1}" srcOrd="0" destOrd="0" parTransId="{192986AD-375D-4302-8D81-D9D29C81C844}" sibTransId="{9CF34EA4-DCA5-467A-9BA2-4CEEE030FAFF}"/>
+    <dgm:cxn modelId="{A84E2B6C-2804-4907-B7D0-4FADE7464046}" type="presOf" srcId="{908D4E28-4A8F-46D7-8532-B996796B4D56}" destId="{6C247AFC-107D-46AA-98C4-5511172C4221}" srcOrd="0" destOrd="0" presId="urn:microsoft.com/office/officeart/2016/7/layout/BasicProcessNew"/>
+    <dgm:cxn modelId="{03424125-F1CD-4A3B-9416-F3CC64D9B734}" type="presOf" srcId="{93A36553-B438-47CE-9227-0CDA047E6379}" destId="{503A76BD-CD33-4DF9-8A59-543A53245088}" srcOrd="0" destOrd="0" presId="urn:microsoft.com/office/officeart/2016/7/layout/BasicProcessNew"/>
+    <dgm:cxn modelId="{D4C65181-B4F2-44B9-BBE0-1D15E4A00029}" type="presOf" srcId="{6CEAF713-C027-49B1-8720-8B0D9CDBEABD}" destId="{87D665FC-6B0E-4B9B-BA29-05B94475A719}" srcOrd="0" destOrd="0" presId="urn:microsoft.com/office/officeart/2016/7/layout/BasicProcessNew"/>
+    <dgm:cxn modelId="{8AD1215B-3DFB-4371-93F7-6BA5B561CBF7}" srcId="{93A36553-B438-47CE-9227-0CDA047E6379}" destId="{310DCAEE-D84E-44E6-81CB-6CB98B191D0F}" srcOrd="3" destOrd="0" parTransId="{93A56983-2322-411D-9197-AD0AADB42BB0}" sibTransId="{908D4E28-4A8F-46D7-8532-B996796B4D56}"/>
+    <dgm:cxn modelId="{C7A1C288-18BF-4730-B521-535110279407}" type="presOf" srcId="{9CF34EA4-DCA5-467A-9BA2-4CEEE030FAFF}" destId="{60051CB3-FFCC-4FFE-8C97-ADB66C42B4C4}" srcOrd="0" destOrd="0" presId="urn:microsoft.com/office/officeart/2016/7/layout/BasicProcessNew"/>
+    <dgm:cxn modelId="{6B15D261-6734-4120-B315-1AE2D03AF3B8}" type="presOf" srcId="{880258CB-DCEB-4128-855F-E0F31ABBA443}" destId="{0B6CF8C9-2A9E-4818-A96F-106E596E9D26}" srcOrd="0" destOrd="0" presId="urn:microsoft.com/office/officeart/2016/7/layout/BasicProcessNew"/>
+    <dgm:cxn modelId="{E6272210-F20E-4B13-8563-61AB4B52CA9C}" type="presOf" srcId="{310DCAEE-D84E-44E6-81CB-6CB98B191D0F}" destId="{D0704D19-C8F3-4106-BDA3-0E3EA566AA75}" srcOrd="0" destOrd="0" presId="urn:microsoft.com/office/officeart/2016/7/layout/BasicProcessNew"/>
+    <dgm:cxn modelId="{5C909AA3-EF96-468E-A6D6-5A8BFAA021F1}" type="presOf" srcId="{DE933084-A30C-4C86-B8C6-A50B5113FCB1}" destId="{D69CA3AD-B4B4-46C9-8758-680BCE0B1D99}" srcOrd="0" destOrd="0" presId="urn:microsoft.com/office/officeart/2016/7/layout/BasicProcessNew"/>
+    <dgm:cxn modelId="{B2EA6B54-A0D3-4E0D-9A2C-C252F6335B26}" srcId="{93A36553-B438-47CE-9227-0CDA047E6379}" destId="{A9F462BF-ED70-4716-9039-B72E231A370A}" srcOrd="2" destOrd="0" parTransId="{1D5D8E45-C5BB-4884-BC6B-6799E091FE7E}" sibTransId="{880258CB-DCEB-4128-855F-E0F31ABBA443}"/>
     <dgm:cxn modelId="{657D2B0F-6FC0-4D76-A2D4-19B9D03A56B2}" type="presOf" srcId="{FB30502D-DB86-4A99-B020-FDE730BFE04E}" destId="{D2E2DC8B-4C20-475C-9B6C-38079664F9DC}" srcOrd="0" destOrd="0" presId="urn:microsoft.com/office/officeart/2016/7/layout/BasicProcessNew"/>
-    <dgm:cxn modelId="{E6272210-F20E-4B13-8563-61AB4B52CA9C}" type="presOf" srcId="{310DCAEE-D84E-44E6-81CB-6CB98B191D0F}" destId="{D0704D19-C8F3-4106-BDA3-0E3EA566AA75}" srcOrd="0" destOrd="0" presId="urn:microsoft.com/office/officeart/2016/7/layout/BasicProcessNew"/>
-    <dgm:cxn modelId="{03424125-F1CD-4A3B-9416-F3CC64D9B734}" type="presOf" srcId="{93A36553-B438-47CE-9227-0CDA047E6379}" destId="{503A76BD-CD33-4DF9-8A59-543A53245088}" srcOrd="0" destOrd="0" presId="urn:microsoft.com/office/officeart/2016/7/layout/BasicProcessNew"/>
-    <dgm:cxn modelId="{8AD1215B-3DFB-4371-93F7-6BA5B561CBF7}" srcId="{93A36553-B438-47CE-9227-0CDA047E6379}" destId="{310DCAEE-D84E-44E6-81CB-6CB98B191D0F}" srcOrd="3" destOrd="0" parTransId="{93A56983-2322-411D-9197-AD0AADB42BB0}" sibTransId="{908D4E28-4A8F-46D7-8532-B996796B4D56}"/>
-    <dgm:cxn modelId="{6596635F-0467-44E7-A2C8-5B06B6D58BA3}" srcId="{93A36553-B438-47CE-9227-0CDA047E6379}" destId="{ACC78051-8ED2-4B98-977A-4959B8852E74}" srcOrd="1" destOrd="0" parTransId="{2D65B3FD-BD63-4D2C-9870-496A3C1A905A}" sibTransId="{FB30502D-DB86-4A99-B020-FDE730BFE04E}"/>
-    <dgm:cxn modelId="{6B15D261-6734-4120-B315-1AE2D03AF3B8}" type="presOf" srcId="{880258CB-DCEB-4128-855F-E0F31ABBA443}" destId="{0B6CF8C9-2A9E-4818-A96F-106E596E9D26}" srcOrd="0" destOrd="0" presId="urn:microsoft.com/office/officeart/2016/7/layout/BasicProcessNew"/>
-    <dgm:cxn modelId="{A84E2B6C-2804-4907-B7D0-4FADE7464046}" type="presOf" srcId="{908D4E28-4A8F-46D7-8532-B996796B4D56}" destId="{6C247AFC-107D-46AA-98C4-5511172C4221}" srcOrd="0" destOrd="0" presId="urn:microsoft.com/office/officeart/2016/7/layout/BasicProcessNew"/>
-    <dgm:cxn modelId="{B2EA6B54-A0D3-4E0D-9A2C-C252F6335B26}" srcId="{93A36553-B438-47CE-9227-0CDA047E6379}" destId="{A9F462BF-ED70-4716-9039-B72E231A370A}" srcOrd="2" destOrd="0" parTransId="{1D5D8E45-C5BB-4884-BC6B-6799E091FE7E}" sibTransId="{880258CB-DCEB-4128-855F-E0F31ABBA443}"/>
-    <dgm:cxn modelId="{D4C65181-B4F2-44B9-BBE0-1D15E4A00029}" type="presOf" srcId="{6CEAF713-C027-49B1-8720-8B0D9CDBEABD}" destId="{87D665FC-6B0E-4B9B-BA29-05B94475A719}" srcOrd="0" destOrd="0" presId="urn:microsoft.com/office/officeart/2016/7/layout/BasicProcessNew"/>
-    <dgm:cxn modelId="{C7A1C288-18BF-4730-B521-535110279407}" type="presOf" srcId="{9CF34EA4-DCA5-467A-9BA2-4CEEE030FAFF}" destId="{60051CB3-FFCC-4FFE-8C97-ADB66C42B4C4}" srcOrd="0" destOrd="0" presId="urn:microsoft.com/office/officeart/2016/7/layout/BasicProcessNew"/>
-    <dgm:cxn modelId="{7E18C491-E19B-4B3C-95A5-0BC002531C2C}" srcId="{93A36553-B438-47CE-9227-0CDA047E6379}" destId="{DE933084-A30C-4C86-B8C6-A50B5113FCB1}" srcOrd="0" destOrd="0" parTransId="{192986AD-375D-4302-8D81-D9D29C81C844}" sibTransId="{9CF34EA4-DCA5-467A-9BA2-4CEEE030FAFF}"/>
-    <dgm:cxn modelId="{5C909AA3-EF96-468E-A6D6-5A8BFAA021F1}" type="presOf" srcId="{DE933084-A30C-4C86-B8C6-A50B5113FCB1}" destId="{D69CA3AD-B4B4-46C9-8758-680BCE0B1D99}" srcOrd="0" destOrd="0" presId="urn:microsoft.com/office/officeart/2016/7/layout/BasicProcessNew"/>
-    <dgm:cxn modelId="{43F912A5-F474-4DC5-B177-6273CF3F301B}" type="presOf" srcId="{ACC78051-8ED2-4B98-977A-4959B8852E74}" destId="{04F7879C-80E5-4EC3-9A7D-6250C44D4A91}" srcOrd="0" destOrd="0" presId="urn:microsoft.com/office/officeart/2016/7/layout/BasicProcessNew"/>
     <dgm:cxn modelId="{8BF3F3C2-FF8B-4445-A332-6B8476E629A4}" type="presOf" srcId="{A9F462BF-ED70-4716-9039-B72E231A370A}" destId="{3EC7B862-3964-4D6C-86CB-F325DA2693E8}" srcOrd="0" destOrd="0" presId="urn:microsoft.com/office/officeart/2016/7/layout/BasicProcessNew"/>
     <dgm:cxn modelId="{8701B2F2-892B-4A99-A59F-F7435E7F5125}" srcId="{93A36553-B438-47CE-9227-0CDA047E6379}" destId="{6CEAF713-C027-49B1-8720-8B0D9CDBEABD}" srcOrd="4" destOrd="0" parTransId="{C28F7A11-5A87-4DE3-B7C4-0F9393690482}" sibTransId="{7E6A3337-F744-4003-A817-85CA6FDE0B96}"/>
     <dgm:cxn modelId="{6CB070A9-DE58-472F-9EBE-446E35642F52}" type="presParOf" srcId="{503A76BD-CD33-4DF9-8A59-543A53245088}" destId="{D69CA3AD-B4B4-46C9-8758-680BCE0B1D99}" srcOrd="0" destOrd="0" presId="urn:microsoft.com/office/officeart/2016/7/layout/BasicProcessNew"/>
@@ -2218,6 +2308,10 @@
             <a:rPr lang="tr-TR" sz="1600" b="1" i="0" baseline="0" dirty="0"/>
             <a:t>Toprak Nem Seviyesinin Ölçülmesi:</a:t>
           </a:r>
+          <a:r>
+            <a:rPr lang="tr-TR" sz="1600" b="0" i="0" baseline="0" dirty="0"/>
+            <a:t/>
+          </a:r>
           <a:br>
             <a:rPr lang="tr-TR" sz="1600" b="0" i="0" baseline="0" dirty="0"/>
           </a:br>
@@ -2271,6 +2365,10 @@
             <a:rPr lang="tr-TR" sz="1600" b="1" i="0" baseline="0" dirty="0"/>
             <a:t>Ortam Sıcaklığı ve Neminin Ölçülmesi:</a:t>
           </a:r>
+          <a:r>
+            <a:rPr lang="tr-TR" sz="1600" b="0" i="0" baseline="0" dirty="0"/>
+            <a:t/>
+          </a:r>
           <a:br>
             <a:rPr lang="tr-TR" sz="1600" b="0" i="0" baseline="0" dirty="0"/>
           </a:br>
@@ -2316,6 +2414,13 @@
         </dgm:presLayoutVars>
       </dgm:prSet>
       <dgm:spPr/>
+      <dgm:t>
+        <a:bodyPr/>
+        <a:lstStyle/>
+        <a:p>
+          <a:endParaRPr lang="tr-TR"/>
+        </a:p>
+      </dgm:t>
     </dgm:pt>
     <dgm:pt modelId="{56A38D02-33DA-4009-892B-B5DDB9758BCF}" type="pres">
       <dgm:prSet presAssocID="{5BF1E4B0-98E0-4A17-BDBF-8DEBC1D236B4}" presName="compNode" presStyleCnt="0"/>
@@ -2335,7 +2440,7 @@
                 <a14:useLocalDpi xmlns:a14="http://schemas.microsoft.com/office/drawing/2010/main" val="0"/>
               </a:ext>
               <a:ext uri="{96DAC541-7B7A-43D3-8B79-37D633B846F1}">
-                <asvg:svgBlip xmlns:asvg="http://schemas.microsoft.com/office/drawing/2016/SVG/main" r:embed="rId2"/>
+                <asvg:svgBlip xmlns:asvg="http://schemas.microsoft.com/office/drawing/2016/SVG/main" xmlns="" r:embed="rId2"/>
               </a:ext>
             </a:extLst>
           </a:blip>
@@ -2347,6 +2452,13 @@
           <a:noFill/>
         </a:ln>
       </dgm:spPr>
+      <dgm:t>
+        <a:bodyPr/>
+        <a:lstStyle/>
+        <a:p>
+          <a:endParaRPr lang="tr-TR"/>
+        </a:p>
+      </dgm:t>
       <dgm:extLst>
         <a:ext uri="{E40237B7-FDA0-4F09-8148-C483321AD2D9}">
           <dgm14:cNvPr xmlns:dgm14="http://schemas.microsoft.com/office/drawing/2010/diagram" id="0" name="" descr="Bitki"/>
@@ -2365,6 +2477,13 @@
         </dgm:presLayoutVars>
       </dgm:prSet>
       <dgm:spPr/>
+      <dgm:t>
+        <a:bodyPr/>
+        <a:lstStyle/>
+        <a:p>
+          <a:endParaRPr lang="tr-TR"/>
+        </a:p>
+      </dgm:t>
     </dgm:pt>
     <dgm:pt modelId="{60D6FC62-A6FB-4056-AE4F-FB3741B81249}" type="pres">
       <dgm:prSet presAssocID="{4A774625-E7A2-4EB5-9D9F-FCB0550A9600}" presName="sibTrans" presStyleCnt="0"/>
@@ -2388,7 +2507,7 @@
                 <a14:useLocalDpi xmlns:a14="http://schemas.microsoft.com/office/drawing/2010/main" val="0"/>
               </a:ext>
               <a:ext uri="{96DAC541-7B7A-43D3-8B79-37D633B846F1}">
-                <asvg:svgBlip xmlns:asvg="http://schemas.microsoft.com/office/drawing/2016/SVG/main" r:embed="rId4"/>
+                <asvg:svgBlip xmlns:asvg="http://schemas.microsoft.com/office/drawing/2016/SVG/main" xmlns="" r:embed="rId4"/>
               </a:ext>
             </a:extLst>
           </a:blip>
@@ -2400,6 +2519,13 @@
           <a:noFill/>
         </a:ln>
       </dgm:spPr>
+      <dgm:t>
+        <a:bodyPr/>
+        <a:lstStyle/>
+        <a:p>
+          <a:endParaRPr lang="tr-TR"/>
+        </a:p>
+      </dgm:t>
       <dgm:extLst>
         <a:ext uri="{E40237B7-FDA0-4F09-8148-C483321AD2D9}">
           <dgm14:cNvPr xmlns:dgm14="http://schemas.microsoft.com/office/drawing/2010/diagram" id="0" name="" descr="Termometre"/>
@@ -2418,14 +2544,21 @@
         </dgm:presLayoutVars>
       </dgm:prSet>
       <dgm:spPr/>
+      <dgm:t>
+        <a:bodyPr/>
+        <a:lstStyle/>
+        <a:p>
+          <a:endParaRPr lang="tr-TR"/>
+        </a:p>
+      </dgm:t>
     </dgm:pt>
   </dgm:ptLst>
   <dgm:cxnLst>
+    <dgm:cxn modelId="{E24A42E4-FE60-46CA-9F8E-AF811E6FA540}" type="presOf" srcId="{A0C0CFD9-98A1-4E96-80BC-4C45C1A7FEC8}" destId="{F8B351AD-37F0-4AF0-8BE4-FCE41873264F}" srcOrd="0" destOrd="0" presId="urn:microsoft.com/office/officeart/2018/2/layout/IconVerticalSolidList"/>
+    <dgm:cxn modelId="{59662D50-A931-48CB-AE04-DC1F2CB25ACE}" srcId="{A0C0CFD9-98A1-4E96-80BC-4C45C1A7FEC8}" destId="{C95A5DF4-AF38-4861-95AE-1F7375D74B0D}" srcOrd="1" destOrd="0" parTransId="{562EFB82-D51F-4843-8943-FEC1AA7B863B}" sibTransId="{8FE14142-D39D-40CE-A15D-C95F983CF673}"/>
     <dgm:cxn modelId="{8B157821-8360-4CA8-AD7E-ABABD0FC4A3A}" type="presOf" srcId="{C95A5DF4-AF38-4861-95AE-1F7375D74B0D}" destId="{9A8948E1-EE82-4BF1-927C-A1FDF4674D42}" srcOrd="0" destOrd="0" presId="urn:microsoft.com/office/officeart/2018/2/layout/IconVerticalSolidList"/>
+    <dgm:cxn modelId="{7A4F29DF-CA40-4CA0-9733-52533279E570}" srcId="{A0C0CFD9-98A1-4E96-80BC-4C45C1A7FEC8}" destId="{5BF1E4B0-98E0-4A17-BDBF-8DEBC1D236B4}" srcOrd="0" destOrd="0" parTransId="{E7D8E8BD-63B5-4A06-AE99-041E09825828}" sibTransId="{4A774625-E7A2-4EB5-9D9F-FCB0550A9600}"/>
     <dgm:cxn modelId="{797AB442-3542-4E20-BA98-7ABE0B5745F9}" type="presOf" srcId="{5BF1E4B0-98E0-4A17-BDBF-8DEBC1D236B4}" destId="{5145EAA7-AC57-4670-9560-AB64F64D7C52}" srcOrd="0" destOrd="0" presId="urn:microsoft.com/office/officeart/2018/2/layout/IconVerticalSolidList"/>
-    <dgm:cxn modelId="{59662D50-A931-48CB-AE04-DC1F2CB25ACE}" srcId="{A0C0CFD9-98A1-4E96-80BC-4C45C1A7FEC8}" destId="{C95A5DF4-AF38-4861-95AE-1F7375D74B0D}" srcOrd="1" destOrd="0" parTransId="{562EFB82-D51F-4843-8943-FEC1AA7B863B}" sibTransId="{8FE14142-D39D-40CE-A15D-C95F983CF673}"/>
-    <dgm:cxn modelId="{7A4F29DF-CA40-4CA0-9733-52533279E570}" srcId="{A0C0CFD9-98A1-4E96-80BC-4C45C1A7FEC8}" destId="{5BF1E4B0-98E0-4A17-BDBF-8DEBC1D236B4}" srcOrd="0" destOrd="0" parTransId="{E7D8E8BD-63B5-4A06-AE99-041E09825828}" sibTransId="{4A774625-E7A2-4EB5-9D9F-FCB0550A9600}"/>
-    <dgm:cxn modelId="{E24A42E4-FE60-46CA-9F8E-AF811E6FA540}" type="presOf" srcId="{A0C0CFD9-98A1-4E96-80BC-4C45C1A7FEC8}" destId="{F8B351AD-37F0-4AF0-8BE4-FCE41873264F}" srcOrd="0" destOrd="0" presId="urn:microsoft.com/office/officeart/2018/2/layout/IconVerticalSolidList"/>
     <dgm:cxn modelId="{E0556447-9C5F-475C-A6F6-F07645434A08}" type="presParOf" srcId="{F8B351AD-37F0-4AF0-8BE4-FCE41873264F}" destId="{56A38D02-33DA-4009-892B-B5DDB9758BCF}" srcOrd="0" destOrd="0" presId="urn:microsoft.com/office/officeart/2018/2/layout/IconVerticalSolidList"/>
     <dgm:cxn modelId="{B6B260BA-7EF4-4CA6-B7E8-8E7E7E08A6A1}" type="presParOf" srcId="{56A38D02-33DA-4009-892B-B5DDB9758BCF}" destId="{78843ED8-DAAC-49C0-A2B7-0F62C028D775}" srcOrd="0" destOrd="0" presId="urn:microsoft.com/office/officeart/2018/2/layout/IconVerticalSolidList"/>
     <dgm:cxn modelId="{9F996C9F-19C9-4061-9D9B-5D689D050CD7}" type="presParOf" srcId="{56A38D02-33DA-4009-892B-B5DDB9758BCF}" destId="{724F2C78-B939-4791-B47B-E7EF14CEDCD6}" srcOrd="1" destOrd="0" presId="urn:microsoft.com/office/officeart/2018/2/layout/IconVerticalSolidList"/>
@@ -2510,7 +2643,7 @@
         </a:bodyPr>
         <a:lstStyle/>
         <a:p>
-          <a:pPr marL="0" lvl="0" indent="0" algn="ctr" defTabSz="711200">
+          <a:pPr lvl="0" algn="ctr" defTabSz="711200">
             <a:lnSpc>
               <a:spcPct val="90000"/>
             </a:lnSpc>
@@ -2520,11 +2653,14 @@
             <a:spcAft>
               <a:spcPct val="35000"/>
             </a:spcAft>
-            <a:buNone/>
           </a:pPr>
           <a:r>
             <a:rPr lang="tr-TR" sz="1600" b="1" i="0" kern="1200" baseline="0" dirty="0"/>
             <a:t>Sensör Verilerinin Ölçülmesi:</a:t>
+          </a:r>
+          <a:r>
+            <a:rPr lang="tr-TR" sz="1600" b="0" i="0" kern="1200" baseline="0" dirty="0"/>
+            <a:t/>
           </a:r>
           <a:br>
             <a:rPr lang="tr-TR" sz="1600" b="0" i="0" kern="1200" baseline="0" dirty="0"/>
@@ -2647,7 +2783,7 @@
         </a:bodyPr>
         <a:lstStyle/>
         <a:p>
-          <a:pPr marL="0" lvl="0" indent="0" algn="ctr" defTabSz="800100">
+          <a:pPr lvl="0" algn="ctr" defTabSz="800100">
             <a:lnSpc>
               <a:spcPct val="90000"/>
             </a:lnSpc>
@@ -2657,11 +2793,14 @@
             <a:spcAft>
               <a:spcPct val="35000"/>
             </a:spcAft>
-            <a:buNone/>
           </a:pPr>
           <a:r>
             <a:rPr lang="tr-TR" sz="1800" b="1" i="0" kern="1200" baseline="0" dirty="0"/>
             <a:t>Veri İşleme:</a:t>
+          </a:r>
+          <a:r>
+            <a:rPr lang="tr-TR" sz="1800" b="0" i="0" kern="1200" baseline="0" dirty="0"/>
+            <a:t/>
           </a:r>
           <a:br>
             <a:rPr lang="tr-TR" sz="1800" b="0" i="0" kern="1200" baseline="0" dirty="0"/>
@@ -2784,7 +2923,7 @@
         </a:bodyPr>
         <a:lstStyle/>
         <a:p>
-          <a:pPr marL="0" lvl="0" indent="0" algn="ctr" defTabSz="800100">
+          <a:pPr lvl="0" algn="ctr" defTabSz="800100">
             <a:lnSpc>
               <a:spcPct val="90000"/>
             </a:lnSpc>
@@ -2794,11 +2933,14 @@
             <a:spcAft>
               <a:spcPct val="35000"/>
             </a:spcAft>
-            <a:buNone/>
           </a:pPr>
           <a:r>
             <a:rPr lang="tr-TR" sz="1800" b="1" i="0" kern="1200" baseline="0" dirty="0"/>
             <a:t>Sulama İşlemi:</a:t>
+          </a:r>
+          <a:r>
+            <a:rPr lang="tr-TR" sz="1800" b="0" i="0" kern="1200" baseline="0" dirty="0"/>
+            <a:t/>
           </a:r>
           <a:br>
             <a:rPr lang="tr-TR" sz="1800" b="0" i="0" kern="1200" baseline="0" dirty="0"/>
@@ -2929,7 +3071,7 @@
         </a:bodyPr>
         <a:lstStyle/>
         <a:p>
-          <a:pPr marL="0" lvl="0" indent="0" algn="ctr" defTabSz="800100">
+          <a:pPr lvl="0" algn="ctr" defTabSz="800100">
             <a:lnSpc>
               <a:spcPct val="90000"/>
             </a:lnSpc>
@@ -2939,11 +3081,14 @@
             <a:spcAft>
               <a:spcPct val="35000"/>
             </a:spcAft>
-            <a:buNone/>
           </a:pPr>
           <a:r>
             <a:rPr lang="tr-TR" sz="1800" b="1" i="0" kern="1200" baseline="0" dirty="0"/>
             <a:t>Android uygulamaya veri gönderimi</a:t>
+          </a:r>
+          <a:r>
+            <a:rPr lang="tr-TR" sz="1800" b="0" i="0" kern="1200" baseline="0" dirty="0"/>
+            <a:t/>
           </a:r>
           <a:br>
             <a:rPr lang="tr-TR" sz="1800" b="0" i="0" kern="1200" baseline="0" dirty="0"/>
@@ -3066,7 +3211,7 @@
         </a:bodyPr>
         <a:lstStyle/>
         <a:p>
-          <a:pPr marL="0" lvl="0" indent="0" algn="ctr" defTabSz="755650">
+          <a:pPr lvl="0" algn="ctr" defTabSz="755650">
             <a:lnSpc>
               <a:spcPct val="90000"/>
             </a:lnSpc>
@@ -3076,11 +3221,14 @@
             <a:spcAft>
               <a:spcPct val="35000"/>
             </a:spcAft>
-            <a:buNone/>
           </a:pPr>
           <a:r>
             <a:rPr lang="tr-TR" sz="1700" b="1" i="0" kern="1200" baseline="0" dirty="0"/>
             <a:t>Gösterge LED'leri:</a:t>
+          </a:r>
+          <a:r>
+            <a:rPr lang="tr-TR" sz="1700" b="0" i="0" kern="1200" baseline="0" dirty="0"/>
+            <a:t/>
           </a:r>
           <a:br>
             <a:rPr lang="tr-TR" sz="1700" b="0" i="0" kern="1200" baseline="0" dirty="0"/>
@@ -3091,7 +3239,7 @@
           </a:r>
         </a:p>
         <a:p>
-          <a:pPr marL="0" lvl="0" indent="0" algn="ctr" defTabSz="755650">
+          <a:pPr lvl="0" algn="ctr" defTabSz="755650">
             <a:lnSpc>
               <a:spcPct val="90000"/>
             </a:lnSpc>
@@ -3101,7 +3249,6 @@
             <a:spcAft>
               <a:spcPct val="35000"/>
             </a:spcAft>
-            <a:buNone/>
           </a:pPr>
           <a:r>
             <a:rPr lang="tr-TR" sz="1700" kern="1200" dirty="0"/>
@@ -3109,7 +3256,7 @@
           </a:r>
         </a:p>
         <a:p>
-          <a:pPr marL="0" lvl="0" indent="0" algn="ctr" defTabSz="755650">
+          <a:pPr lvl="0" algn="ctr" defTabSz="755650">
             <a:lnSpc>
               <a:spcPct val="90000"/>
             </a:lnSpc>
@@ -3119,7 +3266,6 @@
             <a:spcAft>
               <a:spcPct val="35000"/>
             </a:spcAft>
-            <a:buNone/>
           </a:pPr>
           <a:r>
             <a:rPr lang="tr-TR" sz="1700" kern="1200" dirty="0"/>
@@ -3127,7 +3273,7 @@
           </a:r>
         </a:p>
         <a:p>
-          <a:pPr marL="0" lvl="0" indent="0" algn="ctr" defTabSz="755650">
+          <a:pPr lvl="0" algn="ctr" defTabSz="755650">
             <a:lnSpc>
               <a:spcPct val="90000"/>
             </a:lnSpc>
@@ -3137,7 +3283,6 @@
             <a:spcAft>
               <a:spcPct val="35000"/>
             </a:spcAft>
-            <a:buNone/>
           </a:pPr>
           <a:r>
             <a:rPr lang="tr-TR" sz="1700" kern="1200" dirty="0"/>
@@ -3224,7 +3369,7 @@
                 <a14:useLocalDpi xmlns:a14="http://schemas.microsoft.com/office/drawing/2010/main" val="0"/>
               </a:ext>
               <a:ext uri="{96DAC541-7B7A-43D3-8B79-37D633B846F1}">
-                <asvg:svgBlip xmlns:asvg="http://schemas.microsoft.com/office/drawing/2016/SVG/main" r:embed="rId2"/>
+                <asvg:svgBlip xmlns:asvg="http://schemas.microsoft.com/office/drawing/2016/SVG/main" xmlns="" r:embed="rId2"/>
               </a:ext>
             </a:extLst>
           </a:blip>
@@ -3290,7 +3435,7 @@
         </a:bodyPr>
         <a:lstStyle/>
         <a:p>
-          <a:pPr marL="0" lvl="0" indent="0" algn="l" defTabSz="711200">
+          <a:pPr lvl="0" algn="l" defTabSz="711200">
             <a:lnSpc>
               <a:spcPct val="100000"/>
             </a:lnSpc>
@@ -3300,11 +3445,14 @@
             <a:spcAft>
               <a:spcPct val="35000"/>
             </a:spcAft>
-            <a:buNone/>
           </a:pPr>
           <a:r>
             <a:rPr lang="tr-TR" sz="1600" b="1" i="0" kern="1200" baseline="0" dirty="0"/>
             <a:t>Toprak Nem Seviyesinin Ölçülmesi:</a:t>
+          </a:r>
+          <a:r>
+            <a:rPr lang="tr-TR" sz="1600" b="0" i="0" kern="1200" baseline="0" dirty="0"/>
+            <a:t/>
           </a:r>
           <a:br>
             <a:rPr lang="tr-TR" sz="1600" b="0" i="0" kern="1200" baseline="0" dirty="0"/>
@@ -3387,7 +3535,7 @@
                 <a14:useLocalDpi xmlns:a14="http://schemas.microsoft.com/office/drawing/2010/main" val="0"/>
               </a:ext>
               <a:ext uri="{96DAC541-7B7A-43D3-8B79-37D633B846F1}">
-                <asvg:svgBlip xmlns:asvg="http://schemas.microsoft.com/office/drawing/2016/SVG/main" r:embed="rId4"/>
+                <asvg:svgBlip xmlns:asvg="http://schemas.microsoft.com/office/drawing/2016/SVG/main" xmlns="" r:embed="rId4"/>
               </a:ext>
             </a:extLst>
           </a:blip>
@@ -3453,7 +3601,7 @@
         </a:bodyPr>
         <a:lstStyle/>
         <a:p>
-          <a:pPr marL="0" lvl="0" indent="0" algn="l" defTabSz="711200">
+          <a:pPr lvl="0" algn="l" defTabSz="711200">
             <a:lnSpc>
               <a:spcPct val="100000"/>
             </a:lnSpc>
@@ -3463,11 +3611,14 @@
             <a:spcAft>
               <a:spcPct val="35000"/>
             </a:spcAft>
-            <a:buNone/>
           </a:pPr>
           <a:r>
             <a:rPr lang="tr-TR" sz="1600" b="1" i="0" kern="1200" baseline="0" dirty="0"/>
             <a:t>Ortam Sıcaklığı ve Neminin Ölçülmesi:</a:t>
+          </a:r>
+          <a:r>
+            <a:rPr lang="tr-TR" sz="1600" b="0" i="0" kern="1200" baseline="0" dirty="0"/>
+            <a:t/>
           </a:r>
           <a:br>
             <a:rPr lang="tr-TR" sz="1600" b="0" i="0" kern="1200" baseline="0" dirty="0"/>
@@ -3921,7 +4072,7 @@
   </dgm:layoutNode>
   <dgm:extLst>
     <a:ext uri="{68A01E43-0DF5-4B5B-8FA6-DAF915123BFB}">
-      <dgm1612:lstStyle xmlns:dgm1612="http://schemas.microsoft.com/office/drawing/2016/12/diagram">
+      <dgm1612:lstStyle xmlns:dgm1612="http://schemas.microsoft.com/office/drawing/2016/12/diagram" xmlns="">
         <a:lvl1pPr>
           <a:lnSpc>
             <a:spcPct val="100000"/>
@@ -6235,7 +6386,7 @@
           <a:p>
             <a:fld id="{504FDE7D-3F66-4A83-9EE7-82F5232868F5}" type="datetimeFigureOut">
               <a:rPr lang="tr-TR" smtClean="0"/>
-              <a:t>20.11.2024</a:t>
+              <a:t>17.05.2025</a:t>
             </a:fld>
             <a:endParaRPr lang="tr-TR" dirty="0"/>
           </a:p>
@@ -6569,7 +6720,7 @@
           <a:p>
             <a:fld id="{504FDE7D-3F66-4A83-9EE7-82F5232868F5}" type="datetimeFigureOut">
               <a:rPr lang="tr-TR" smtClean="0"/>
-              <a:t>20.11.2024</a:t>
+              <a:t>17.05.2025</a:t>
             </a:fld>
             <a:endParaRPr lang="tr-TR" dirty="0"/>
           </a:p>
@@ -6847,7 +6998,7 @@
           <a:p>
             <a:fld id="{504FDE7D-3F66-4A83-9EE7-82F5232868F5}" type="datetimeFigureOut">
               <a:rPr lang="tr-TR" smtClean="0"/>
-              <a:t>20.11.2024</a:t>
+              <a:t>17.05.2025</a:t>
             </a:fld>
             <a:endParaRPr lang="tr-TR" dirty="0"/>
           </a:p>
@@ -7415,7 +7566,7 @@
           <a:p>
             <a:fld id="{504FDE7D-3F66-4A83-9EE7-82F5232868F5}" type="datetimeFigureOut">
               <a:rPr lang="tr-TR" smtClean="0"/>
-              <a:t>20.11.2024</a:t>
+              <a:t>17.05.2025</a:t>
             </a:fld>
             <a:endParaRPr lang="tr-TR" dirty="0"/>
           </a:p>
@@ -7693,7 +7844,7 @@
           <a:p>
             <a:fld id="{504FDE7D-3F66-4A83-9EE7-82F5232868F5}" type="datetimeFigureOut">
               <a:rPr lang="tr-TR" smtClean="0"/>
-              <a:t>20.11.2024</a:t>
+              <a:t>17.05.2025</a:t>
             </a:fld>
             <a:endParaRPr lang="tr-TR" dirty="0"/>
           </a:p>
@@ -8255,7 +8406,7 @@
           <a:p>
             <a:fld id="{504FDE7D-3F66-4A83-9EE7-82F5232868F5}" type="datetimeFigureOut">
               <a:rPr lang="tr-TR" smtClean="0"/>
-              <a:t>20.11.2024</a:t>
+              <a:t>17.05.2025</a:t>
             </a:fld>
             <a:endParaRPr lang="tr-TR" dirty="0"/>
           </a:p>
@@ -8582,7 +8733,7 @@
           <a:p>
             <a:fld id="{504FDE7D-3F66-4A83-9EE7-82F5232868F5}" type="datetimeFigureOut">
               <a:rPr lang="tr-TR" smtClean="0"/>
-              <a:t>20.11.2024</a:t>
+              <a:t>17.05.2025</a:t>
             </a:fld>
             <a:endParaRPr lang="tr-TR" dirty="0"/>
           </a:p>
@@ -8787,7 +8938,7 @@
           <a:p>
             <a:fld id="{504FDE7D-3F66-4A83-9EE7-82F5232868F5}" type="datetimeFigureOut">
               <a:rPr lang="tr-TR" smtClean="0"/>
-              <a:t>20.11.2024</a:t>
+              <a:t>17.05.2025</a:t>
             </a:fld>
             <a:endParaRPr lang="tr-TR" dirty="0"/>
           </a:p>
@@ -8997,7 +9148,7 @@
           <a:p>
             <a:fld id="{504FDE7D-3F66-4A83-9EE7-82F5232868F5}" type="datetimeFigureOut">
               <a:rPr lang="tr-TR" smtClean="0"/>
-              <a:t>20.11.2024</a:t>
+              <a:t>17.05.2025</a:t>
             </a:fld>
             <a:endParaRPr lang="tr-TR" dirty="0"/>
           </a:p>
@@ -9197,7 +9348,7 @@
           <a:p>
             <a:fld id="{504FDE7D-3F66-4A83-9EE7-82F5232868F5}" type="datetimeFigureOut">
               <a:rPr lang="tr-TR" smtClean="0"/>
-              <a:t>20.11.2024</a:t>
+              <a:t>17.05.2025</a:t>
             </a:fld>
             <a:endParaRPr lang="tr-TR" dirty="0"/>
           </a:p>
@@ -9473,7 +9624,7 @@
           <a:p>
             <a:fld id="{504FDE7D-3F66-4A83-9EE7-82F5232868F5}" type="datetimeFigureOut">
               <a:rPr lang="tr-TR" smtClean="0"/>
-              <a:t>20.11.2024</a:t>
+              <a:t>17.05.2025</a:t>
             </a:fld>
             <a:endParaRPr lang="tr-TR" dirty="0"/>
           </a:p>
@@ -9739,7 +9890,7 @@
           <a:p>
             <a:fld id="{504FDE7D-3F66-4A83-9EE7-82F5232868F5}" type="datetimeFigureOut">
               <a:rPr lang="tr-TR" smtClean="0"/>
-              <a:t>20.11.2024</a:t>
+              <a:t>17.05.2025</a:t>
             </a:fld>
             <a:endParaRPr lang="tr-TR" dirty="0"/>
           </a:p>
@@ -10113,7 +10264,7 @@
           <a:p>
             <a:fld id="{504FDE7D-3F66-4A83-9EE7-82F5232868F5}" type="datetimeFigureOut">
               <a:rPr lang="tr-TR" smtClean="0"/>
-              <a:t>20.11.2024</a:t>
+              <a:t>17.05.2025</a:t>
             </a:fld>
             <a:endParaRPr lang="tr-TR" dirty="0"/>
           </a:p>
@@ -10261,7 +10412,7 @@
           <a:p>
             <a:fld id="{504FDE7D-3F66-4A83-9EE7-82F5232868F5}" type="datetimeFigureOut">
               <a:rPr lang="tr-TR" smtClean="0"/>
-              <a:t>20.11.2024</a:t>
+              <a:t>17.05.2025</a:t>
             </a:fld>
             <a:endParaRPr lang="tr-TR" dirty="0"/>
           </a:p>
@@ -10386,7 +10537,7 @@
           <a:p>
             <a:fld id="{504FDE7D-3F66-4A83-9EE7-82F5232868F5}" type="datetimeFigureOut">
               <a:rPr lang="tr-TR" smtClean="0"/>
-              <a:t>20.11.2024</a:t>
+              <a:t>17.05.2025</a:t>
             </a:fld>
             <a:endParaRPr lang="tr-TR" dirty="0"/>
           </a:p>
@@ -10671,7 +10822,7 @@
           <a:p>
             <a:fld id="{504FDE7D-3F66-4A83-9EE7-82F5232868F5}" type="datetimeFigureOut">
               <a:rPr lang="tr-TR" smtClean="0"/>
-              <a:t>20.11.2024</a:t>
+              <a:t>17.05.2025</a:t>
             </a:fld>
             <a:endParaRPr lang="tr-TR" dirty="0"/>
           </a:p>
@@ -10995,7 +11146,7 @@
           <a:p>
             <a:fld id="{504FDE7D-3F66-4A83-9EE7-82F5232868F5}" type="datetimeFigureOut">
               <a:rPr lang="tr-TR" smtClean="0"/>
-              <a:t>20.11.2024</a:t>
+              <a:t>17.05.2025</a:t>
             </a:fld>
             <a:endParaRPr lang="tr-TR" dirty="0"/>
           </a:p>
@@ -11209,7 +11360,7 @@
           <a:p>
             <a:fld id="{504FDE7D-3F66-4A83-9EE7-82F5232868F5}" type="datetimeFigureOut">
               <a:rPr lang="tr-TR" smtClean="0"/>
-              <a:t>20.11.2024</a:t>
+              <a:t>17.05.2025</a:t>
             </a:fld>
             <a:endParaRPr lang="tr-TR" dirty="0"/>
           </a:p>
@@ -11779,57 +11930,14 @@
               </a:rPr>
               <a:t>AKILLI BİTKİ SULAMA SİSTEMİ</a:t>
             </a:r>
+            <a:r>
+              <a:rPr lang="tr-TR" dirty="0"/>
+              <a:t/>
+            </a:r>
             <a:br>
               <a:rPr lang="tr-TR" dirty="0"/>
             </a:br>
             <a:endParaRPr lang="tr-TR" dirty="0"/>
-          </a:p>
-        </p:txBody>
-      </p:sp>
-      <p:sp>
-        <p:nvSpPr>
-          <p:cNvPr id="3" name="Alt Başlık 2">
-            <a:extLst>
-              <a:ext uri="{FF2B5EF4-FFF2-40B4-BE49-F238E27FC236}">
-                <a16:creationId xmlns:a16="http://schemas.microsoft.com/office/drawing/2014/main" id="{283691AF-C0AD-2011-6935-FA8738F382A7}"/>
-              </a:ext>
-            </a:extLst>
-          </p:cNvPr>
-          <p:cNvSpPr>
-            <a:spLocks noGrp="1"/>
-          </p:cNvSpPr>
-          <p:nvPr>
-            <p:ph type="subTitle" idx="1"/>
-          </p:nvPr>
-        </p:nvSpPr>
-        <p:spPr>
-          <a:xfrm>
-            <a:off x="643464" y="4734232"/>
-            <a:ext cx="4813437" cy="1489587"/>
-          </a:xfrm>
-        </p:spPr>
-        <p:txBody>
-          <a:bodyPr>
-            <a:normAutofit/>
-          </a:bodyPr>
-          <a:lstStyle/>
-          <a:p>
-            <a:r>
-              <a:rPr lang="tr-TR" dirty="0"/>
-              <a:t>Adem yağız yormaz</a:t>
-            </a:r>
-          </a:p>
-          <a:p>
-            <a:r>
-              <a:rPr lang="tr-TR" dirty="0"/>
-              <a:t>Ali salih topak</a:t>
-            </a:r>
-          </a:p>
-          <a:p>
-            <a:r>
-              <a:rPr lang="tr-TR" dirty="0"/>
-              <a:t>Yunus emre imrağ </a:t>
-            </a:r>
           </a:p>
         </p:txBody>
       </p:sp>
@@ -11854,7 +11962,7 @@
                 <a14:useLocalDpi xmlns:a14="http://schemas.microsoft.com/office/drawing/2010/main" val="0"/>
               </a:ext>
               <a:ext uri="{96DAC541-7B7A-43D3-8B79-37D633B846F1}">
-                <asvg:svgBlip xmlns:asvg="http://schemas.microsoft.com/office/drawing/2016/SVG/main" r:embed="rId4"/>
+                <asvg:svgBlip xmlns:asvg="http://schemas.microsoft.com/office/drawing/2016/SVG/main" xmlns="" r:embed="rId4"/>
               </a:ext>
             </a:extLst>
           </a:blip>
@@ -11900,6 +12008,88 @@
           </a:effectLst>
         </p:spPr>
       </p:pic>
+      <p:sp>
+        <p:nvSpPr>
+          <p:cNvPr id="5" name="Metin kutusu 4"/>
+          <p:cNvSpPr txBox="1"/>
+          <p:nvPr/>
+        </p:nvSpPr>
+        <p:spPr>
+          <a:xfrm>
+            <a:off x="3468030" y="5762670"/>
+            <a:ext cx="2286000" cy="400110"/>
+          </a:xfrm>
+          <a:prstGeom prst="rect">
+            <a:avLst/>
+          </a:prstGeom>
+          <a:noFill/>
+        </p:spPr>
+        <p:txBody>
+          <a:bodyPr wrap="square" rtlCol="0">
+            <a:spAutoFit/>
+          </a:bodyPr>
+          <a:lstStyle/>
+          <a:p>
+            <a:r>
+              <a:rPr lang="tr-TR" sz="2000" b="1" i="1" dirty="0" err="1" smtClean="0">
+                <a:solidFill>
+                  <a:schemeClr val="bg1"/>
+                </a:solidFill>
+                <a:effectLst>
+                  <a:outerShdw blurRad="38100" dist="38100" dir="2700000" algn="tl">
+                    <a:srgbClr val="000000">
+                      <a:alpha val="43137"/>
+                    </a:srgbClr>
+                  </a:outerShdw>
+                </a:effectLst>
+              </a:rPr>
+              <a:t>gnd_salih</a:t>
+            </a:r>
+            <a:r>
+              <a:rPr lang="tr-TR" sz="2000" b="1" i="1" dirty="0" smtClean="0">
+                <a:solidFill>
+                  <a:schemeClr val="bg1"/>
+                </a:solidFill>
+                <a:effectLst>
+                  <a:outerShdw blurRad="38100" dist="38100" dir="2700000" algn="tl">
+                    <a:srgbClr val="000000">
+                      <a:alpha val="43137"/>
+                    </a:srgbClr>
+                  </a:outerShdw>
+                </a:effectLst>
+              </a:rPr>
+              <a:t> ve </a:t>
+            </a:r>
+            <a:r>
+              <a:rPr lang="tr-TR" sz="2000" b="1" i="1" dirty="0" err="1" smtClean="0">
+                <a:solidFill>
+                  <a:schemeClr val="bg1"/>
+                </a:solidFill>
+                <a:effectLst>
+                  <a:outerShdw blurRad="38100" dist="38100" dir="2700000" algn="tl">
+                    <a:srgbClr val="000000">
+                      <a:alpha val="43137"/>
+                    </a:srgbClr>
+                  </a:outerShdw>
+                </a:effectLst>
+              </a:rPr>
+              <a:t>nyaex</a:t>
+            </a:r>
+            <a:endParaRPr lang="tr-TR" sz="2000" b="1" i="1" dirty="0" smtClean="0">
+              <a:solidFill>
+                <a:schemeClr val="bg1"/>
+              </a:solidFill>
+              <a:effectLst>
+                <a:outerShdw blurRad="38100" dist="38100" dir="2700000" algn="tl">
+                  <a:srgbClr val="000000">
+                    <a:alpha val="43137"/>
+                  </a:srgbClr>
+                </a:outerShdw>
+              </a:effectLst>
+            </a:endParaRPr>
+          </a:p>
+        </p:txBody>
+      </p:sp>
     </p:spTree>
     <p:extLst>
       <p:ext uri="{BB962C8B-B14F-4D97-AF65-F5344CB8AC3E}">
@@ -12102,7 +12292,7 @@
                 <a16:creationId xmlns:a16="http://schemas.microsoft.com/office/drawing/2014/main" id="{4432DA31-8308-4F44-87C4-068169AA4DCA}"/>
               </a:ext>
               <a:ext uri="{C183D7F6-B498-43B3-948B-1728B52AA6E4}">
-                <adec:decorative xmlns:adec="http://schemas.microsoft.com/office/drawing/2017/decorative" val="1"/>
+                <adec:decorative xmlns:adec="http://schemas.microsoft.com/office/drawing/2017/decorative" xmlns="" val="1"/>
               </a:ext>
             </a:extLst>
           </p:cNvPr>
@@ -12530,7 +12720,7 @@
                 <a16:creationId xmlns:a16="http://schemas.microsoft.com/office/drawing/2014/main" id="{056AA6D6-1643-44BA-A877-4F4CA45ABA00}"/>
               </a:ext>
               <a:ext uri="{C183D7F6-B498-43B3-948B-1728B52AA6E4}">
-                <adec:decorative xmlns:adec="http://schemas.microsoft.com/office/drawing/2017/decorative" val="1"/>
+                <adec:decorative xmlns:adec="http://schemas.microsoft.com/office/drawing/2017/decorative" xmlns="" val="1"/>
               </a:ext>
             </a:extLst>
           </p:cNvPr>
@@ -12561,7 +12751,7 @@
                   <a16:creationId xmlns:a16="http://schemas.microsoft.com/office/drawing/2014/main" id="{EB05E0E6-8DE5-449F-B92B-38CE020BF3DF}"/>
                 </a:ext>
                 <a:ext uri="{C183D7F6-B498-43B3-948B-1728B52AA6E4}">
-                  <adec:decorative xmlns:adec="http://schemas.microsoft.com/office/drawing/2017/decorative" val="1"/>
+                  <adec:decorative xmlns:adec="http://schemas.microsoft.com/office/drawing/2017/decorative" xmlns="" val="1"/>
                 </a:ext>
               </a:extLst>
             </p:cNvPr>
@@ -12751,7 +12941,7 @@
                   <a16:creationId xmlns:a16="http://schemas.microsoft.com/office/drawing/2014/main" id="{B5A6AF8B-7A85-4AB7-8305-001C69FAFD6B}"/>
                 </a:ext>
                 <a:ext uri="{C183D7F6-B498-43B3-948B-1728B52AA6E4}">
-                  <adec:decorative xmlns:adec="http://schemas.microsoft.com/office/drawing/2017/decorative" val="1"/>
+                  <adec:decorative xmlns:adec="http://schemas.microsoft.com/office/drawing/2017/decorative" xmlns="" val="1"/>
                 </a:ext>
               </a:extLst>
             </p:cNvPr>
@@ -12780,7 +12970,7 @@
                     <a16:creationId xmlns:a16="http://schemas.microsoft.com/office/drawing/2014/main" id="{C1E5E0CD-C8EF-4741-ADB0-196B2BDA848C}"/>
                   </a:ext>
                   <a:ext uri="{C183D7F6-B498-43B3-948B-1728B52AA6E4}">
-                    <adec:decorative xmlns:adec="http://schemas.microsoft.com/office/drawing/2017/decorative" val="1"/>
+                    <adec:decorative xmlns:adec="http://schemas.microsoft.com/office/drawing/2017/decorative" xmlns="" val="1"/>
                   </a:ext>
                 </a:extLst>
               </p:cNvPr>
@@ -12832,7 +13022,7 @@
                     <a16:creationId xmlns:a16="http://schemas.microsoft.com/office/drawing/2014/main" id="{BF3F22C5-6042-4720-B42B-57B67D07FA77}"/>
                   </a:ext>
                   <a:ext uri="{C183D7F6-B498-43B3-948B-1728B52AA6E4}">
-                    <adec:decorative xmlns:adec="http://schemas.microsoft.com/office/drawing/2017/decorative" val="1"/>
+                    <adec:decorative xmlns:adec="http://schemas.microsoft.com/office/drawing/2017/decorative" xmlns="" val="1"/>
                   </a:ext>
                 </a:extLst>
               </p:cNvPr>
@@ -12884,7 +13074,7 @@
                     <a16:creationId xmlns:a16="http://schemas.microsoft.com/office/drawing/2014/main" id="{E4A619AA-5C5E-485C-A637-DB844D457670}"/>
                   </a:ext>
                   <a:ext uri="{C183D7F6-B498-43B3-948B-1728B52AA6E4}">
-                    <adec:decorative xmlns:adec="http://schemas.microsoft.com/office/drawing/2017/decorative" val="1"/>
+                    <adec:decorative xmlns:adec="http://schemas.microsoft.com/office/drawing/2017/decorative" xmlns="" val="1"/>
                   </a:ext>
                 </a:extLst>
               </p:cNvPr>
@@ -12936,7 +13126,7 @@
                     <a16:creationId xmlns:a16="http://schemas.microsoft.com/office/drawing/2014/main" id="{8217A0CA-EAAA-415C-886C-DE3918CA9B1E}"/>
                   </a:ext>
                   <a:ext uri="{C183D7F6-B498-43B3-948B-1728B52AA6E4}">
-                    <adec:decorative xmlns:adec="http://schemas.microsoft.com/office/drawing/2017/decorative" val="1"/>
+                    <adec:decorative xmlns:adec="http://schemas.microsoft.com/office/drawing/2017/decorative" xmlns="" val="1"/>
                   </a:ext>
                 </a:extLst>
               </p:cNvPr>
@@ -12988,7 +13178,7 @@
                     <a16:creationId xmlns:a16="http://schemas.microsoft.com/office/drawing/2014/main" id="{14E5C0A1-DF8B-46D3-A4A6-0BC5E84F685A}"/>
                   </a:ext>
                   <a:ext uri="{C183D7F6-B498-43B3-948B-1728B52AA6E4}">
-                    <adec:decorative xmlns:adec="http://schemas.microsoft.com/office/drawing/2017/decorative" val="1"/>
+                    <adec:decorative xmlns:adec="http://schemas.microsoft.com/office/drawing/2017/decorative" xmlns="" val="1"/>
                   </a:ext>
                 </a:extLst>
               </p:cNvPr>
@@ -13040,7 +13230,7 @@
                     <a16:creationId xmlns:a16="http://schemas.microsoft.com/office/drawing/2014/main" id="{CACDB08A-379C-426D-AAC2-1C3D6DC324CD}"/>
                   </a:ext>
                   <a:ext uri="{C183D7F6-B498-43B3-948B-1728B52AA6E4}">
-                    <adec:decorative xmlns:adec="http://schemas.microsoft.com/office/drawing/2017/decorative" val="1"/>
+                    <adec:decorative xmlns:adec="http://schemas.microsoft.com/office/drawing/2017/decorative" xmlns="" val="1"/>
                   </a:ext>
                 </a:extLst>
               </p:cNvPr>
@@ -13092,7 +13282,7 @@
                     <a16:creationId xmlns:a16="http://schemas.microsoft.com/office/drawing/2014/main" id="{65ED02F8-D527-4ECD-B25D-7C737B0E81E3}"/>
                   </a:ext>
                   <a:ext uri="{C183D7F6-B498-43B3-948B-1728B52AA6E4}">
-                    <adec:decorative xmlns:adec="http://schemas.microsoft.com/office/drawing/2017/decorative" val="1"/>
+                    <adec:decorative xmlns:adec="http://schemas.microsoft.com/office/drawing/2017/decorative" xmlns="" val="1"/>
                   </a:ext>
                 </a:extLst>
               </p:cNvPr>
@@ -13144,7 +13334,7 @@
                     <a16:creationId xmlns:a16="http://schemas.microsoft.com/office/drawing/2014/main" id="{2345C3E9-1C38-4197-8F23-E1C54B7B00A4}"/>
                   </a:ext>
                   <a:ext uri="{C183D7F6-B498-43B3-948B-1728B52AA6E4}">
-                    <adec:decorative xmlns:adec="http://schemas.microsoft.com/office/drawing/2017/decorative" val="1"/>
+                    <adec:decorative xmlns:adec="http://schemas.microsoft.com/office/drawing/2017/decorative" xmlns="" val="1"/>
                   </a:ext>
                 </a:extLst>
               </p:cNvPr>
@@ -13196,7 +13386,7 @@
                     <a16:creationId xmlns:a16="http://schemas.microsoft.com/office/drawing/2014/main" id="{0FA98670-1FEB-44BD-8F33-BA68BA3B8004}"/>
                   </a:ext>
                   <a:ext uri="{C183D7F6-B498-43B3-948B-1728B52AA6E4}">
-                    <adec:decorative xmlns:adec="http://schemas.microsoft.com/office/drawing/2017/decorative" val="1"/>
+                    <adec:decorative xmlns:adec="http://schemas.microsoft.com/office/drawing/2017/decorative" xmlns="" val="1"/>
                   </a:ext>
                 </a:extLst>
               </p:cNvPr>
@@ -13248,7 +13438,7 @@
                     <a16:creationId xmlns:a16="http://schemas.microsoft.com/office/drawing/2014/main" id="{7C05A2E6-6095-4BBD-A7BF-CD269EF3861B}"/>
                   </a:ext>
                   <a:ext uri="{C183D7F6-B498-43B3-948B-1728B52AA6E4}">
-                    <adec:decorative xmlns:adec="http://schemas.microsoft.com/office/drawing/2017/decorative" val="1"/>
+                    <adec:decorative xmlns:adec="http://schemas.microsoft.com/office/drawing/2017/decorative" xmlns="" val="1"/>
                   </a:ext>
                 </a:extLst>
               </p:cNvPr>
@@ -13300,7 +13490,7 @@
                     <a16:creationId xmlns:a16="http://schemas.microsoft.com/office/drawing/2014/main" id="{76BEE80D-3DDD-4092-B235-958EBDDBAFCB}"/>
                   </a:ext>
                   <a:ext uri="{C183D7F6-B498-43B3-948B-1728B52AA6E4}">
-                    <adec:decorative xmlns:adec="http://schemas.microsoft.com/office/drawing/2017/decorative" val="1"/>
+                    <adec:decorative xmlns:adec="http://schemas.microsoft.com/office/drawing/2017/decorative" xmlns="" val="1"/>
                   </a:ext>
                 </a:extLst>
               </p:cNvPr>
@@ -13352,7 +13542,7 @@
                     <a16:creationId xmlns:a16="http://schemas.microsoft.com/office/drawing/2014/main" id="{3DEF509A-19D5-4196-B027-A6B26AD52AB8}"/>
                   </a:ext>
                   <a:ext uri="{C183D7F6-B498-43B3-948B-1728B52AA6E4}">
-                    <adec:decorative xmlns:adec="http://schemas.microsoft.com/office/drawing/2017/decorative" val="1"/>
+                    <adec:decorative xmlns:adec="http://schemas.microsoft.com/office/drawing/2017/decorative" xmlns="" val="1"/>
                   </a:ext>
                 </a:extLst>
               </p:cNvPr>
@@ -13404,7 +13594,7 @@
                     <a16:creationId xmlns:a16="http://schemas.microsoft.com/office/drawing/2014/main" id="{789B3C1A-6296-4B4A-829B-4A78F8BF3999}"/>
                   </a:ext>
                   <a:ext uri="{C183D7F6-B498-43B3-948B-1728B52AA6E4}">
-                    <adec:decorative xmlns:adec="http://schemas.microsoft.com/office/drawing/2017/decorative" val="1"/>
+                    <adec:decorative xmlns:adec="http://schemas.microsoft.com/office/drawing/2017/decorative" xmlns="" val="1"/>
                   </a:ext>
                 </a:extLst>
               </p:cNvPr>
@@ -13456,7 +13646,7 @@
                     <a16:creationId xmlns:a16="http://schemas.microsoft.com/office/drawing/2014/main" id="{E81C9B4D-BE99-409E-A5EB-2F58FFC10E38}"/>
                   </a:ext>
                   <a:ext uri="{C183D7F6-B498-43B3-948B-1728B52AA6E4}">
-                    <adec:decorative xmlns:adec="http://schemas.microsoft.com/office/drawing/2017/decorative" val="1"/>
+                    <adec:decorative xmlns:adec="http://schemas.microsoft.com/office/drawing/2017/decorative" xmlns="" val="1"/>
                   </a:ext>
                 </a:extLst>
               </p:cNvPr>
@@ -13508,7 +13698,7 @@
                     <a16:creationId xmlns:a16="http://schemas.microsoft.com/office/drawing/2014/main" id="{1E9863E5-0368-4A3C-A977-306FE08AE548}"/>
                   </a:ext>
                   <a:ext uri="{C183D7F6-B498-43B3-948B-1728B52AA6E4}">
-                    <adec:decorative xmlns:adec="http://schemas.microsoft.com/office/drawing/2017/decorative" val="1"/>
+                    <adec:decorative xmlns:adec="http://schemas.microsoft.com/office/drawing/2017/decorative" xmlns="" val="1"/>
                   </a:ext>
                 </a:extLst>
               </p:cNvPr>
@@ -13560,7 +13750,7 @@
                     <a16:creationId xmlns:a16="http://schemas.microsoft.com/office/drawing/2014/main" id="{33CBBF6B-3798-4F18-BDA9-C6D5F97C30C5}"/>
                   </a:ext>
                   <a:ext uri="{C183D7F6-B498-43B3-948B-1728B52AA6E4}">
-                    <adec:decorative xmlns:adec="http://schemas.microsoft.com/office/drawing/2017/decorative" val="1"/>
+                    <adec:decorative xmlns:adec="http://schemas.microsoft.com/office/drawing/2017/decorative" xmlns="" val="1"/>
                   </a:ext>
                 </a:extLst>
               </p:cNvPr>
@@ -13612,7 +13802,7 @@
                     <a16:creationId xmlns:a16="http://schemas.microsoft.com/office/drawing/2014/main" id="{74FFB692-413A-4CE6-A462-0C4306417EB2}"/>
                   </a:ext>
                   <a:ext uri="{C183D7F6-B498-43B3-948B-1728B52AA6E4}">
-                    <adec:decorative xmlns:adec="http://schemas.microsoft.com/office/drawing/2017/decorative" val="1"/>
+                    <adec:decorative xmlns:adec="http://schemas.microsoft.com/office/drawing/2017/decorative" xmlns="" val="1"/>
                   </a:ext>
                 </a:extLst>
               </p:cNvPr>
@@ -13664,7 +13854,7 @@
                     <a16:creationId xmlns:a16="http://schemas.microsoft.com/office/drawing/2014/main" id="{F50E3350-1C5C-4B7F-A7C8-D2FC6B0274DB}"/>
                   </a:ext>
                   <a:ext uri="{C183D7F6-B498-43B3-948B-1728B52AA6E4}">
-                    <adec:decorative xmlns:adec="http://schemas.microsoft.com/office/drawing/2017/decorative" val="1"/>
+                    <adec:decorative xmlns:adec="http://schemas.microsoft.com/office/drawing/2017/decorative" xmlns="" val="1"/>
                   </a:ext>
                 </a:extLst>
               </p:cNvPr>
@@ -13716,7 +13906,7 @@
                     <a16:creationId xmlns:a16="http://schemas.microsoft.com/office/drawing/2014/main" id="{8069DB81-44D7-4348-90E5-5B5F253B354D}"/>
                   </a:ext>
                   <a:ext uri="{C183D7F6-B498-43B3-948B-1728B52AA6E4}">
-                    <adec:decorative xmlns:adec="http://schemas.microsoft.com/office/drawing/2017/decorative" val="1"/>
+                    <adec:decorative xmlns:adec="http://schemas.microsoft.com/office/drawing/2017/decorative" xmlns="" val="1"/>
                   </a:ext>
                 </a:extLst>
               </p:cNvPr>
@@ -13768,7 +13958,7 @@
                     <a16:creationId xmlns:a16="http://schemas.microsoft.com/office/drawing/2014/main" id="{F5F34B78-9ED7-445D-9E2E-641CF2DE56B4}"/>
                   </a:ext>
                   <a:ext uri="{C183D7F6-B498-43B3-948B-1728B52AA6E4}">
-                    <adec:decorative xmlns:adec="http://schemas.microsoft.com/office/drawing/2017/decorative" val="1"/>
+                    <adec:decorative xmlns:adec="http://schemas.microsoft.com/office/drawing/2017/decorative" xmlns="" val="1"/>
                   </a:ext>
                 </a:extLst>
               </p:cNvPr>
@@ -13820,7 +14010,7 @@
                     <a16:creationId xmlns:a16="http://schemas.microsoft.com/office/drawing/2014/main" id="{4EE58818-717F-42AA-ABA3-030DB6D2EB42}"/>
                   </a:ext>
                   <a:ext uri="{C183D7F6-B498-43B3-948B-1728B52AA6E4}">
-                    <adec:decorative xmlns:adec="http://schemas.microsoft.com/office/drawing/2017/decorative" val="1"/>
+                    <adec:decorative xmlns:adec="http://schemas.microsoft.com/office/drawing/2017/decorative" xmlns="" val="1"/>
                   </a:ext>
                 </a:extLst>
               </p:cNvPr>
@@ -13872,7 +14062,7 @@
                     <a16:creationId xmlns:a16="http://schemas.microsoft.com/office/drawing/2014/main" id="{1544C6B7-9877-4EDA-B169-94EE18F164F9}"/>
                   </a:ext>
                   <a:ext uri="{C183D7F6-B498-43B3-948B-1728B52AA6E4}">
-                    <adec:decorative xmlns:adec="http://schemas.microsoft.com/office/drawing/2017/decorative" val="1"/>
+                    <adec:decorative xmlns:adec="http://schemas.microsoft.com/office/drawing/2017/decorative" xmlns="" val="1"/>
                   </a:ext>
                 </a:extLst>
               </p:cNvPr>
@@ -13924,7 +14114,7 @@
                     <a16:creationId xmlns:a16="http://schemas.microsoft.com/office/drawing/2014/main" id="{CEFC35AD-5598-4B97-968F-778AFC835A85}"/>
                   </a:ext>
                   <a:ext uri="{C183D7F6-B498-43B3-948B-1728B52AA6E4}">
-                    <adec:decorative xmlns:adec="http://schemas.microsoft.com/office/drawing/2017/decorative" val="1"/>
+                    <adec:decorative xmlns:adec="http://schemas.microsoft.com/office/drawing/2017/decorative" xmlns="" val="1"/>
                   </a:ext>
                 </a:extLst>
               </p:cNvPr>
@@ -13976,7 +14166,7 @@
                     <a16:creationId xmlns:a16="http://schemas.microsoft.com/office/drawing/2014/main" id="{476DD974-5A70-4E69-9A01-2738FE55FC2E}"/>
                   </a:ext>
                   <a:ext uri="{C183D7F6-B498-43B3-948B-1728B52AA6E4}">
-                    <adec:decorative xmlns:adec="http://schemas.microsoft.com/office/drawing/2017/decorative" val="1"/>
+                    <adec:decorative xmlns:adec="http://schemas.microsoft.com/office/drawing/2017/decorative" xmlns="" val="1"/>
                   </a:ext>
                 </a:extLst>
               </p:cNvPr>
@@ -14028,7 +14218,7 @@
                     <a16:creationId xmlns:a16="http://schemas.microsoft.com/office/drawing/2014/main" id="{106F0A81-E1FF-4FF8-A7CB-5AA0023E6C77}"/>
                   </a:ext>
                   <a:ext uri="{C183D7F6-B498-43B3-948B-1728B52AA6E4}">
-                    <adec:decorative xmlns:adec="http://schemas.microsoft.com/office/drawing/2017/decorative" val="1"/>
+                    <adec:decorative xmlns:adec="http://schemas.microsoft.com/office/drawing/2017/decorative" xmlns="" val="1"/>
                   </a:ext>
                 </a:extLst>
               </p:cNvPr>
@@ -14080,7 +14270,7 @@
                     <a16:creationId xmlns:a16="http://schemas.microsoft.com/office/drawing/2014/main" id="{4FE3AC23-26C0-42DE-83F7-609E1A97A5FD}"/>
                   </a:ext>
                   <a:ext uri="{C183D7F6-B498-43B3-948B-1728B52AA6E4}">
-                    <adec:decorative xmlns:adec="http://schemas.microsoft.com/office/drawing/2017/decorative" val="1"/>
+                    <adec:decorative xmlns:adec="http://schemas.microsoft.com/office/drawing/2017/decorative" xmlns="" val="1"/>
                   </a:ext>
                 </a:extLst>
               </p:cNvPr>
@@ -14132,7 +14322,7 @@
                     <a16:creationId xmlns:a16="http://schemas.microsoft.com/office/drawing/2014/main" id="{9CE73B47-BF44-491C-8C03-1662B0B396A1}"/>
                   </a:ext>
                   <a:ext uri="{C183D7F6-B498-43B3-948B-1728B52AA6E4}">
-                    <adec:decorative xmlns:adec="http://schemas.microsoft.com/office/drawing/2017/decorative" val="1"/>
+                    <adec:decorative xmlns:adec="http://schemas.microsoft.com/office/drawing/2017/decorative" xmlns="" val="1"/>
                   </a:ext>
                 </a:extLst>
               </p:cNvPr>
@@ -14184,7 +14374,7 @@
                     <a16:creationId xmlns:a16="http://schemas.microsoft.com/office/drawing/2014/main" id="{188CD3EB-439A-479C-A55C-E230135E5F00}"/>
                   </a:ext>
                   <a:ext uri="{C183D7F6-B498-43B3-948B-1728B52AA6E4}">
-                    <adec:decorative xmlns:adec="http://schemas.microsoft.com/office/drawing/2017/decorative" val="1"/>
+                    <adec:decorative xmlns:adec="http://schemas.microsoft.com/office/drawing/2017/decorative" xmlns="" val="1"/>
                   </a:ext>
                 </a:extLst>
               </p:cNvPr>
@@ -14236,7 +14426,7 @@
                     <a16:creationId xmlns:a16="http://schemas.microsoft.com/office/drawing/2014/main" id="{8CF8CF5D-E313-4A3C-AB85-65E824272722}"/>
                   </a:ext>
                   <a:ext uri="{C183D7F6-B498-43B3-948B-1728B52AA6E4}">
-                    <adec:decorative xmlns:adec="http://schemas.microsoft.com/office/drawing/2017/decorative" val="1"/>
+                    <adec:decorative xmlns:adec="http://schemas.microsoft.com/office/drawing/2017/decorative" xmlns="" val="1"/>
                   </a:ext>
                 </a:extLst>
               </p:cNvPr>
@@ -14288,7 +14478,7 @@
                     <a16:creationId xmlns:a16="http://schemas.microsoft.com/office/drawing/2014/main" id="{E20EAF0F-DE0F-4BCF-BC77-C0CB893A5064}"/>
                   </a:ext>
                   <a:ext uri="{C183D7F6-B498-43B3-948B-1728B52AA6E4}">
-                    <adec:decorative xmlns:adec="http://schemas.microsoft.com/office/drawing/2017/decorative" val="1"/>
+                    <adec:decorative xmlns:adec="http://schemas.microsoft.com/office/drawing/2017/decorative" xmlns="" val="1"/>
                   </a:ext>
                 </a:extLst>
               </p:cNvPr>
@@ -14340,7 +14530,7 @@
                     <a16:creationId xmlns:a16="http://schemas.microsoft.com/office/drawing/2014/main" id="{A74CDA3D-3B1C-4403-92D7-8B0BF227587E}"/>
                   </a:ext>
                   <a:ext uri="{C183D7F6-B498-43B3-948B-1728B52AA6E4}">
-                    <adec:decorative xmlns:adec="http://schemas.microsoft.com/office/drawing/2017/decorative" val="1"/>
+                    <adec:decorative xmlns:adec="http://schemas.microsoft.com/office/drawing/2017/decorative" xmlns="" val="1"/>
                   </a:ext>
                 </a:extLst>
               </p:cNvPr>
@@ -14392,7 +14582,7 @@
                     <a16:creationId xmlns:a16="http://schemas.microsoft.com/office/drawing/2014/main" id="{48DB9EBA-FA7C-454E-95A2-D9C646B390C5}"/>
                   </a:ext>
                   <a:ext uri="{C183D7F6-B498-43B3-948B-1728B52AA6E4}">
-                    <adec:decorative xmlns:adec="http://schemas.microsoft.com/office/drawing/2017/decorative" val="1"/>
+                    <adec:decorative xmlns:adec="http://schemas.microsoft.com/office/drawing/2017/decorative" xmlns="" val="1"/>
                   </a:ext>
                 </a:extLst>
               </p:cNvPr>
@@ -14444,7 +14634,7 @@
                     <a16:creationId xmlns:a16="http://schemas.microsoft.com/office/drawing/2014/main" id="{943CB40B-8089-4BD3-8E5F-F3EAFC25F513}"/>
                   </a:ext>
                   <a:ext uri="{C183D7F6-B498-43B3-948B-1728B52AA6E4}">
-                    <adec:decorative xmlns:adec="http://schemas.microsoft.com/office/drawing/2017/decorative" val="1"/>
+                    <adec:decorative xmlns:adec="http://schemas.microsoft.com/office/drawing/2017/decorative" xmlns="" val="1"/>
                   </a:ext>
                 </a:extLst>
               </p:cNvPr>
@@ -14496,7 +14686,7 @@
                     <a16:creationId xmlns:a16="http://schemas.microsoft.com/office/drawing/2014/main" id="{78C9E2EB-DBBE-4860-A052-3D6C653656E0}"/>
                   </a:ext>
                   <a:ext uri="{C183D7F6-B498-43B3-948B-1728B52AA6E4}">
-                    <adec:decorative xmlns:adec="http://schemas.microsoft.com/office/drawing/2017/decorative" val="1"/>
+                    <adec:decorative xmlns:adec="http://schemas.microsoft.com/office/drawing/2017/decorative" xmlns="" val="1"/>
                   </a:ext>
                 </a:extLst>
               </p:cNvPr>
@@ -14548,7 +14738,7 @@
                     <a16:creationId xmlns:a16="http://schemas.microsoft.com/office/drawing/2014/main" id="{5B4462FC-F753-4DDF-AF55-56CF1C45AC28}"/>
                   </a:ext>
                   <a:ext uri="{C183D7F6-B498-43B3-948B-1728B52AA6E4}">
-                    <adec:decorative xmlns:adec="http://schemas.microsoft.com/office/drawing/2017/decorative" val="1"/>
+                    <adec:decorative xmlns:adec="http://schemas.microsoft.com/office/drawing/2017/decorative" xmlns="" val="1"/>
                   </a:ext>
                 </a:extLst>
               </p:cNvPr>
@@ -14600,7 +14790,7 @@
                     <a16:creationId xmlns:a16="http://schemas.microsoft.com/office/drawing/2014/main" id="{44187A2E-F386-4CE1-8E82-14E81704A10F}"/>
                   </a:ext>
                   <a:ext uri="{C183D7F6-B498-43B3-948B-1728B52AA6E4}">
-                    <adec:decorative xmlns:adec="http://schemas.microsoft.com/office/drawing/2017/decorative" val="1"/>
+                    <adec:decorative xmlns:adec="http://schemas.microsoft.com/office/drawing/2017/decorative" xmlns="" val="1"/>
                   </a:ext>
                 </a:extLst>
               </p:cNvPr>
@@ -14652,7 +14842,7 @@
                     <a16:creationId xmlns:a16="http://schemas.microsoft.com/office/drawing/2014/main" id="{16584B90-DCE9-4A1F-8027-F622FC7433E2}"/>
                   </a:ext>
                   <a:ext uri="{C183D7F6-B498-43B3-948B-1728B52AA6E4}">
-                    <adec:decorative xmlns:adec="http://schemas.microsoft.com/office/drawing/2017/decorative" val="1"/>
+                    <adec:decorative xmlns:adec="http://schemas.microsoft.com/office/drawing/2017/decorative" xmlns="" val="1"/>
                   </a:ext>
                 </a:extLst>
               </p:cNvPr>
@@ -14704,7 +14894,7 @@
                     <a16:creationId xmlns:a16="http://schemas.microsoft.com/office/drawing/2014/main" id="{8C9978CA-58C3-4A80-B7A7-5959134E2747}"/>
                   </a:ext>
                   <a:ext uri="{C183D7F6-B498-43B3-948B-1728B52AA6E4}">
-                    <adec:decorative xmlns:adec="http://schemas.microsoft.com/office/drawing/2017/decorative" val="1"/>
+                    <adec:decorative xmlns:adec="http://schemas.microsoft.com/office/drawing/2017/decorative" xmlns="" val="1"/>
                   </a:ext>
                 </a:extLst>
               </p:cNvPr>
@@ -14756,7 +14946,7 @@
                     <a16:creationId xmlns:a16="http://schemas.microsoft.com/office/drawing/2014/main" id="{C35892F3-AAAB-43C8-B14E-9C99E21F0783}"/>
                   </a:ext>
                   <a:ext uri="{C183D7F6-B498-43B3-948B-1728B52AA6E4}">
-                    <adec:decorative xmlns:adec="http://schemas.microsoft.com/office/drawing/2017/decorative" val="1"/>
+                    <adec:decorative xmlns:adec="http://schemas.microsoft.com/office/drawing/2017/decorative" xmlns="" val="1"/>
                   </a:ext>
                 </a:extLst>
               </p:cNvPr>
@@ -14808,7 +14998,7 @@
                     <a16:creationId xmlns:a16="http://schemas.microsoft.com/office/drawing/2014/main" id="{2E2DF269-639E-46A8-8AD0-D5FEFC435356}"/>
                   </a:ext>
                   <a:ext uri="{C183D7F6-B498-43B3-948B-1728B52AA6E4}">
-                    <adec:decorative xmlns:adec="http://schemas.microsoft.com/office/drawing/2017/decorative" val="1"/>
+                    <adec:decorative xmlns:adec="http://schemas.microsoft.com/office/drawing/2017/decorative" xmlns="" val="1"/>
                   </a:ext>
                 </a:extLst>
               </p:cNvPr>
@@ -14860,7 +15050,7 @@
                     <a16:creationId xmlns:a16="http://schemas.microsoft.com/office/drawing/2014/main" id="{AFBE15EF-878D-4855-8175-CD7595E8E507}"/>
                   </a:ext>
                   <a:ext uri="{C183D7F6-B498-43B3-948B-1728B52AA6E4}">
-                    <adec:decorative xmlns:adec="http://schemas.microsoft.com/office/drawing/2017/decorative" val="1"/>
+                    <adec:decorative xmlns:adec="http://schemas.microsoft.com/office/drawing/2017/decorative" xmlns="" val="1"/>
                   </a:ext>
                 </a:extLst>
               </p:cNvPr>
@@ -14912,7 +15102,7 @@
                     <a16:creationId xmlns:a16="http://schemas.microsoft.com/office/drawing/2014/main" id="{5A221730-D520-4233-8B68-65B51B1CD6BD}"/>
                   </a:ext>
                   <a:ext uri="{C183D7F6-B498-43B3-948B-1728B52AA6E4}">
-                    <adec:decorative xmlns:adec="http://schemas.microsoft.com/office/drawing/2017/decorative" val="1"/>
+                    <adec:decorative xmlns:adec="http://schemas.microsoft.com/office/drawing/2017/decorative" xmlns="" val="1"/>
                   </a:ext>
                 </a:extLst>
               </p:cNvPr>
@@ -14964,7 +15154,7 @@
                     <a16:creationId xmlns:a16="http://schemas.microsoft.com/office/drawing/2014/main" id="{8AF1ABD0-247F-4C6C-9FE0-E7C78E296718}"/>
                   </a:ext>
                   <a:ext uri="{C183D7F6-B498-43B3-948B-1728B52AA6E4}">
-                    <adec:decorative xmlns:adec="http://schemas.microsoft.com/office/drawing/2017/decorative" val="1"/>
+                    <adec:decorative xmlns:adec="http://schemas.microsoft.com/office/drawing/2017/decorative" xmlns="" val="1"/>
                   </a:ext>
                 </a:extLst>
               </p:cNvPr>
@@ -15016,7 +15206,7 @@
                     <a16:creationId xmlns:a16="http://schemas.microsoft.com/office/drawing/2014/main" id="{65ECA1D9-3147-483B-9BE4-84C03E8A3891}"/>
                   </a:ext>
                   <a:ext uri="{C183D7F6-B498-43B3-948B-1728B52AA6E4}">
-                    <adec:decorative xmlns:adec="http://schemas.microsoft.com/office/drawing/2017/decorative" val="1"/>
+                    <adec:decorative xmlns:adec="http://schemas.microsoft.com/office/drawing/2017/decorative" xmlns="" val="1"/>
                   </a:ext>
                 </a:extLst>
               </p:cNvPr>
@@ -15068,7 +15258,7 @@
                     <a16:creationId xmlns:a16="http://schemas.microsoft.com/office/drawing/2014/main" id="{81EDE254-4D75-413B-A783-6EAE3482BC3D}"/>
                   </a:ext>
                   <a:ext uri="{C183D7F6-B498-43B3-948B-1728B52AA6E4}">
-                    <adec:decorative xmlns:adec="http://schemas.microsoft.com/office/drawing/2017/decorative" val="1"/>
+                    <adec:decorative xmlns:adec="http://schemas.microsoft.com/office/drawing/2017/decorative" xmlns="" val="1"/>
                   </a:ext>
                 </a:extLst>
               </p:cNvPr>
@@ -15120,7 +15310,7 @@
                     <a16:creationId xmlns:a16="http://schemas.microsoft.com/office/drawing/2014/main" id="{732D9008-CC75-44A0-AB2D-040A2819F2A4}"/>
                   </a:ext>
                   <a:ext uri="{C183D7F6-B498-43B3-948B-1728B52AA6E4}">
-                    <adec:decorative xmlns:adec="http://schemas.microsoft.com/office/drawing/2017/decorative" val="1"/>
+                    <adec:decorative xmlns:adec="http://schemas.microsoft.com/office/drawing/2017/decorative" xmlns="" val="1"/>
                   </a:ext>
                 </a:extLst>
               </p:cNvPr>
@@ -15172,7 +15362,7 @@
                     <a16:creationId xmlns:a16="http://schemas.microsoft.com/office/drawing/2014/main" id="{7887061E-9ADA-488E-A9CE-F6D6075CA21E}"/>
                   </a:ext>
                   <a:ext uri="{C183D7F6-B498-43B3-948B-1728B52AA6E4}">
-                    <adec:decorative xmlns:adec="http://schemas.microsoft.com/office/drawing/2017/decorative" val="1"/>
+                    <adec:decorative xmlns:adec="http://schemas.microsoft.com/office/drawing/2017/decorative" xmlns="" val="1"/>
                   </a:ext>
                 </a:extLst>
               </p:cNvPr>
@@ -15224,7 +15414,7 @@
                     <a16:creationId xmlns:a16="http://schemas.microsoft.com/office/drawing/2014/main" id="{5543C8FB-2345-4D4F-9DD5-5B5E2F7529B0}"/>
                   </a:ext>
                   <a:ext uri="{C183D7F6-B498-43B3-948B-1728B52AA6E4}">
-                    <adec:decorative xmlns:adec="http://schemas.microsoft.com/office/drawing/2017/decorative" val="1"/>
+                    <adec:decorative xmlns:adec="http://schemas.microsoft.com/office/drawing/2017/decorative" xmlns="" val="1"/>
                   </a:ext>
                 </a:extLst>
               </p:cNvPr>
@@ -15276,7 +15466,7 @@
                     <a16:creationId xmlns:a16="http://schemas.microsoft.com/office/drawing/2014/main" id="{9928EF7F-C9D2-4FF7-968B-AB0AA827BDB5}"/>
                   </a:ext>
                   <a:ext uri="{C183D7F6-B498-43B3-948B-1728B52AA6E4}">
-                    <adec:decorative xmlns:adec="http://schemas.microsoft.com/office/drawing/2017/decorative" val="1"/>
+                    <adec:decorative xmlns:adec="http://schemas.microsoft.com/office/drawing/2017/decorative" xmlns="" val="1"/>
                   </a:ext>
                 </a:extLst>
               </p:cNvPr>
@@ -15328,7 +15518,7 @@
                     <a16:creationId xmlns:a16="http://schemas.microsoft.com/office/drawing/2014/main" id="{693FDB05-86C5-49D9-A7AA-74F9DBCD39EF}"/>
                   </a:ext>
                   <a:ext uri="{C183D7F6-B498-43B3-948B-1728B52AA6E4}">
-                    <adec:decorative xmlns:adec="http://schemas.microsoft.com/office/drawing/2017/decorative" val="1"/>
+                    <adec:decorative xmlns:adec="http://schemas.microsoft.com/office/drawing/2017/decorative" xmlns="" val="1"/>
                   </a:ext>
                 </a:extLst>
               </p:cNvPr>
@@ -15380,7 +15570,7 @@
                     <a16:creationId xmlns:a16="http://schemas.microsoft.com/office/drawing/2014/main" id="{74DE9B38-5845-4424-8B03-820F0734938A}"/>
                   </a:ext>
                   <a:ext uri="{C183D7F6-B498-43B3-948B-1728B52AA6E4}">
-                    <adec:decorative xmlns:adec="http://schemas.microsoft.com/office/drawing/2017/decorative" val="1"/>
+                    <adec:decorative xmlns:adec="http://schemas.microsoft.com/office/drawing/2017/decorative" xmlns="" val="1"/>
                   </a:ext>
                 </a:extLst>
               </p:cNvPr>
@@ -15432,7 +15622,7 @@
                     <a16:creationId xmlns:a16="http://schemas.microsoft.com/office/drawing/2014/main" id="{0C9FB5EA-E865-4531-9803-0A8E0DAAF531}"/>
                   </a:ext>
                   <a:ext uri="{C183D7F6-B498-43B3-948B-1728B52AA6E4}">
-                    <adec:decorative xmlns:adec="http://schemas.microsoft.com/office/drawing/2017/decorative" val="1"/>
+                    <adec:decorative xmlns:adec="http://schemas.microsoft.com/office/drawing/2017/decorative" xmlns="" val="1"/>
                   </a:ext>
                 </a:extLst>
               </p:cNvPr>
@@ -15484,7 +15674,7 @@
                     <a16:creationId xmlns:a16="http://schemas.microsoft.com/office/drawing/2014/main" id="{1CDB9DF2-7C35-456C-809D-02246246A5B5}"/>
                   </a:ext>
                   <a:ext uri="{C183D7F6-B498-43B3-948B-1728B52AA6E4}">
-                    <adec:decorative xmlns:adec="http://schemas.microsoft.com/office/drawing/2017/decorative" val="1"/>
+                    <adec:decorative xmlns:adec="http://schemas.microsoft.com/office/drawing/2017/decorative" xmlns="" val="1"/>
                   </a:ext>
                 </a:extLst>
               </p:cNvPr>
@@ -15536,7 +15726,7 @@
                     <a16:creationId xmlns:a16="http://schemas.microsoft.com/office/drawing/2014/main" id="{403F6D0A-92AC-4B8D-B4B3-AB199B502F11}"/>
                   </a:ext>
                   <a:ext uri="{C183D7F6-B498-43B3-948B-1728B52AA6E4}">
-                    <adec:decorative xmlns:adec="http://schemas.microsoft.com/office/drawing/2017/decorative" val="1"/>
+                    <adec:decorative xmlns:adec="http://schemas.microsoft.com/office/drawing/2017/decorative" xmlns="" val="1"/>
                   </a:ext>
                 </a:extLst>
               </p:cNvPr>
@@ -15588,7 +15778,7 @@
                     <a16:creationId xmlns:a16="http://schemas.microsoft.com/office/drawing/2014/main" id="{0FB0C44F-8962-4F5C-97D4-2EB1EE5639D3}"/>
                   </a:ext>
                   <a:ext uri="{C183D7F6-B498-43B3-948B-1728B52AA6E4}">
-                    <adec:decorative xmlns:adec="http://schemas.microsoft.com/office/drawing/2017/decorative" val="1"/>
+                    <adec:decorative xmlns:adec="http://schemas.microsoft.com/office/drawing/2017/decorative" xmlns="" val="1"/>
                   </a:ext>
                 </a:extLst>
               </p:cNvPr>
@@ -15640,7 +15830,7 @@
                     <a16:creationId xmlns:a16="http://schemas.microsoft.com/office/drawing/2014/main" id="{C1CFD3EA-DF90-47B1-8D55-8791CBB54483}"/>
                   </a:ext>
                   <a:ext uri="{C183D7F6-B498-43B3-948B-1728B52AA6E4}">
-                    <adec:decorative xmlns:adec="http://schemas.microsoft.com/office/drawing/2017/decorative" val="1"/>
+                    <adec:decorative xmlns:adec="http://schemas.microsoft.com/office/drawing/2017/decorative" xmlns="" val="1"/>
                   </a:ext>
                 </a:extLst>
               </p:cNvPr>
@@ -15692,7 +15882,7 @@
                     <a16:creationId xmlns:a16="http://schemas.microsoft.com/office/drawing/2014/main" id="{093392F0-568E-41F5-9B8C-77725759B67C}"/>
                   </a:ext>
                   <a:ext uri="{C183D7F6-B498-43B3-948B-1728B52AA6E4}">
-                    <adec:decorative xmlns:adec="http://schemas.microsoft.com/office/drawing/2017/decorative" val="1"/>
+                    <adec:decorative xmlns:adec="http://schemas.microsoft.com/office/drawing/2017/decorative" xmlns="" val="1"/>
                   </a:ext>
                 </a:extLst>
               </p:cNvPr>
@@ -15744,7 +15934,7 @@
                     <a16:creationId xmlns:a16="http://schemas.microsoft.com/office/drawing/2014/main" id="{945F0702-F164-4151-87CC-BDC1D7A54AE0}"/>
                   </a:ext>
                   <a:ext uri="{C183D7F6-B498-43B3-948B-1728B52AA6E4}">
-                    <adec:decorative xmlns:adec="http://schemas.microsoft.com/office/drawing/2017/decorative" val="1"/>
+                    <adec:decorative xmlns:adec="http://schemas.microsoft.com/office/drawing/2017/decorative" xmlns="" val="1"/>
                   </a:ext>
                 </a:extLst>
               </p:cNvPr>
@@ -15796,7 +15986,7 @@
                     <a16:creationId xmlns:a16="http://schemas.microsoft.com/office/drawing/2014/main" id="{08743D70-8AFA-4E91-A2EF-794132871F1E}"/>
                   </a:ext>
                   <a:ext uri="{C183D7F6-B498-43B3-948B-1728B52AA6E4}">
-                    <adec:decorative xmlns:adec="http://schemas.microsoft.com/office/drawing/2017/decorative" val="1"/>
+                    <adec:decorative xmlns:adec="http://schemas.microsoft.com/office/drawing/2017/decorative" xmlns="" val="1"/>
                   </a:ext>
                 </a:extLst>
               </p:cNvPr>
@@ -15848,7 +16038,7 @@
                     <a16:creationId xmlns:a16="http://schemas.microsoft.com/office/drawing/2014/main" id="{4713367C-DDF7-4CCA-8CED-50FCD2284232}"/>
                   </a:ext>
                   <a:ext uri="{C183D7F6-B498-43B3-948B-1728B52AA6E4}">
-                    <adec:decorative xmlns:adec="http://schemas.microsoft.com/office/drawing/2017/decorative" val="1"/>
+                    <adec:decorative xmlns:adec="http://schemas.microsoft.com/office/drawing/2017/decorative" xmlns="" val="1"/>
                   </a:ext>
                 </a:extLst>
               </p:cNvPr>
@@ -15900,7 +16090,7 @@
                     <a16:creationId xmlns:a16="http://schemas.microsoft.com/office/drawing/2014/main" id="{C77298F9-6D40-467F-9C09-BC5AE3FE916D}"/>
                   </a:ext>
                   <a:ext uri="{C183D7F6-B498-43B3-948B-1728B52AA6E4}">
-                    <adec:decorative xmlns:adec="http://schemas.microsoft.com/office/drawing/2017/decorative" val="1"/>
+                    <adec:decorative xmlns:adec="http://schemas.microsoft.com/office/drawing/2017/decorative" xmlns="" val="1"/>
                   </a:ext>
                 </a:extLst>
               </p:cNvPr>
@@ -15952,7 +16142,7 @@
                     <a16:creationId xmlns:a16="http://schemas.microsoft.com/office/drawing/2014/main" id="{70EEA3E3-BB78-45D4-BAFF-C518F5F7537A}"/>
                   </a:ext>
                   <a:ext uri="{C183D7F6-B498-43B3-948B-1728B52AA6E4}">
-                    <adec:decorative xmlns:adec="http://schemas.microsoft.com/office/drawing/2017/decorative" val="1"/>
+                    <adec:decorative xmlns:adec="http://schemas.microsoft.com/office/drawing/2017/decorative" xmlns="" val="1"/>
                   </a:ext>
                 </a:extLst>
               </p:cNvPr>
@@ -16004,7 +16194,7 @@
                     <a16:creationId xmlns:a16="http://schemas.microsoft.com/office/drawing/2014/main" id="{21798955-6FF3-423E-BB60-CD0B1D18045D}"/>
                   </a:ext>
                   <a:ext uri="{C183D7F6-B498-43B3-948B-1728B52AA6E4}">
-                    <adec:decorative xmlns:adec="http://schemas.microsoft.com/office/drawing/2017/decorative" val="1"/>
+                    <adec:decorative xmlns:adec="http://schemas.microsoft.com/office/drawing/2017/decorative" xmlns="" val="1"/>
                   </a:ext>
                 </a:extLst>
               </p:cNvPr>
@@ -16056,7 +16246,7 @@
                     <a16:creationId xmlns:a16="http://schemas.microsoft.com/office/drawing/2014/main" id="{678EDA70-8326-4092-B6EE-7AA5E729DEEA}"/>
                   </a:ext>
                   <a:ext uri="{C183D7F6-B498-43B3-948B-1728B52AA6E4}">
-                    <adec:decorative xmlns:adec="http://schemas.microsoft.com/office/drawing/2017/decorative" val="1"/>
+                    <adec:decorative xmlns:adec="http://schemas.microsoft.com/office/drawing/2017/decorative" xmlns="" val="1"/>
                   </a:ext>
                 </a:extLst>
               </p:cNvPr>
@@ -16108,7 +16298,7 @@
                     <a16:creationId xmlns:a16="http://schemas.microsoft.com/office/drawing/2014/main" id="{9B359338-483D-400B-97D0-D78FD767DB45}"/>
                   </a:ext>
                   <a:ext uri="{C183D7F6-B498-43B3-948B-1728B52AA6E4}">
-                    <adec:decorative xmlns:adec="http://schemas.microsoft.com/office/drawing/2017/decorative" val="1"/>
+                    <adec:decorative xmlns:adec="http://schemas.microsoft.com/office/drawing/2017/decorative" xmlns="" val="1"/>
                   </a:ext>
                 </a:extLst>
               </p:cNvPr>
@@ -16160,7 +16350,7 @@
                     <a16:creationId xmlns:a16="http://schemas.microsoft.com/office/drawing/2014/main" id="{FC83602B-B1DD-4B40-8F56-85F3F17B58A6}"/>
                   </a:ext>
                   <a:ext uri="{C183D7F6-B498-43B3-948B-1728B52AA6E4}">
-                    <adec:decorative xmlns:adec="http://schemas.microsoft.com/office/drawing/2017/decorative" val="1"/>
+                    <adec:decorative xmlns:adec="http://schemas.microsoft.com/office/drawing/2017/decorative" xmlns="" val="1"/>
                   </a:ext>
                 </a:extLst>
               </p:cNvPr>
@@ -16212,7 +16402,7 @@
                     <a16:creationId xmlns:a16="http://schemas.microsoft.com/office/drawing/2014/main" id="{303D5316-B177-4774-8FA4-6DB342951B79}"/>
                   </a:ext>
                   <a:ext uri="{C183D7F6-B498-43B3-948B-1728B52AA6E4}">
-                    <adec:decorative xmlns:adec="http://schemas.microsoft.com/office/drawing/2017/decorative" val="1"/>
+                    <adec:decorative xmlns:adec="http://schemas.microsoft.com/office/drawing/2017/decorative" xmlns="" val="1"/>
                   </a:ext>
                 </a:extLst>
               </p:cNvPr>
@@ -16264,7 +16454,7 @@
                     <a16:creationId xmlns:a16="http://schemas.microsoft.com/office/drawing/2014/main" id="{D46A48B8-72F4-4A10-BD28-5034372F6B2B}"/>
                   </a:ext>
                   <a:ext uri="{C183D7F6-B498-43B3-948B-1728B52AA6E4}">
-                    <adec:decorative xmlns:adec="http://schemas.microsoft.com/office/drawing/2017/decorative" val="1"/>
+                    <adec:decorative xmlns:adec="http://schemas.microsoft.com/office/drawing/2017/decorative" xmlns="" val="1"/>
                   </a:ext>
                 </a:extLst>
               </p:cNvPr>
@@ -16316,7 +16506,7 @@
                     <a16:creationId xmlns:a16="http://schemas.microsoft.com/office/drawing/2014/main" id="{2FDC8A8E-ED0A-43B9-A63E-A2ABB78334AD}"/>
                   </a:ext>
                   <a:ext uri="{C183D7F6-B498-43B3-948B-1728B52AA6E4}">
-                    <adec:decorative xmlns:adec="http://schemas.microsoft.com/office/drawing/2017/decorative" val="1"/>
+                    <adec:decorative xmlns:adec="http://schemas.microsoft.com/office/drawing/2017/decorative" xmlns="" val="1"/>
                   </a:ext>
                 </a:extLst>
               </p:cNvPr>
@@ -16368,7 +16558,7 @@
                     <a16:creationId xmlns:a16="http://schemas.microsoft.com/office/drawing/2014/main" id="{10EFC5D7-A723-46CC-A70F-9305E73F815B}"/>
                   </a:ext>
                   <a:ext uri="{C183D7F6-B498-43B3-948B-1728B52AA6E4}">
-                    <adec:decorative xmlns:adec="http://schemas.microsoft.com/office/drawing/2017/decorative" val="1"/>
+                    <adec:decorative xmlns:adec="http://schemas.microsoft.com/office/drawing/2017/decorative" xmlns="" val="1"/>
                   </a:ext>
                 </a:extLst>
               </p:cNvPr>
@@ -16420,7 +16610,7 @@
                     <a16:creationId xmlns:a16="http://schemas.microsoft.com/office/drawing/2014/main" id="{57582486-B463-4836-94D3-374428A77C4B}"/>
                   </a:ext>
                   <a:ext uri="{C183D7F6-B498-43B3-948B-1728B52AA6E4}">
-                    <adec:decorative xmlns:adec="http://schemas.microsoft.com/office/drawing/2017/decorative" val="1"/>
+                    <adec:decorative xmlns:adec="http://schemas.microsoft.com/office/drawing/2017/decorative" xmlns="" val="1"/>
                   </a:ext>
                 </a:extLst>
               </p:cNvPr>
@@ -16472,7 +16662,7 @@
                     <a16:creationId xmlns:a16="http://schemas.microsoft.com/office/drawing/2014/main" id="{05810FAD-85A8-4B10-B8C7-B8F486C128DD}"/>
                   </a:ext>
                   <a:ext uri="{C183D7F6-B498-43B3-948B-1728B52AA6E4}">
-                    <adec:decorative xmlns:adec="http://schemas.microsoft.com/office/drawing/2017/decorative" val="1"/>
+                    <adec:decorative xmlns:adec="http://schemas.microsoft.com/office/drawing/2017/decorative" xmlns="" val="1"/>
                   </a:ext>
                 </a:extLst>
               </p:cNvPr>
@@ -16524,7 +16714,7 @@
                     <a16:creationId xmlns:a16="http://schemas.microsoft.com/office/drawing/2014/main" id="{2C1D8A25-AAC9-4F67-9E36-1F916AD9216B}"/>
                   </a:ext>
                   <a:ext uri="{C183D7F6-B498-43B3-948B-1728B52AA6E4}">
-                    <adec:decorative xmlns:adec="http://schemas.microsoft.com/office/drawing/2017/decorative" val="1"/>
+                    <adec:decorative xmlns:adec="http://schemas.microsoft.com/office/drawing/2017/decorative" xmlns="" val="1"/>
                   </a:ext>
                 </a:extLst>
               </p:cNvPr>
@@ -16576,7 +16766,7 @@
                     <a16:creationId xmlns:a16="http://schemas.microsoft.com/office/drawing/2014/main" id="{39CD1FF3-9A57-4AC0-B6A4-AF40B6F6906B}"/>
                   </a:ext>
                   <a:ext uri="{C183D7F6-B498-43B3-948B-1728B52AA6E4}">
-                    <adec:decorative xmlns:adec="http://schemas.microsoft.com/office/drawing/2017/decorative" val="1"/>
+                    <adec:decorative xmlns:adec="http://schemas.microsoft.com/office/drawing/2017/decorative" xmlns="" val="1"/>
                   </a:ext>
                 </a:extLst>
               </p:cNvPr>
@@ -16628,7 +16818,7 @@
                     <a16:creationId xmlns:a16="http://schemas.microsoft.com/office/drawing/2014/main" id="{2876D95D-E8E9-4C4B-97F4-BFA6B8B1DD2D}"/>
                   </a:ext>
                   <a:ext uri="{C183D7F6-B498-43B3-948B-1728B52AA6E4}">
-                    <adec:decorative xmlns:adec="http://schemas.microsoft.com/office/drawing/2017/decorative" val="1"/>
+                    <adec:decorative xmlns:adec="http://schemas.microsoft.com/office/drawing/2017/decorative" xmlns="" val="1"/>
                   </a:ext>
                 </a:extLst>
               </p:cNvPr>
@@ -16680,7 +16870,7 @@
                     <a16:creationId xmlns:a16="http://schemas.microsoft.com/office/drawing/2014/main" id="{E3E386B8-4AB7-4522-8BFB-098A89FF6314}"/>
                   </a:ext>
                   <a:ext uri="{C183D7F6-B498-43B3-948B-1728B52AA6E4}">
-                    <adec:decorative xmlns:adec="http://schemas.microsoft.com/office/drawing/2017/decorative" val="1"/>
+                    <adec:decorative xmlns:adec="http://schemas.microsoft.com/office/drawing/2017/decorative" xmlns="" val="1"/>
                   </a:ext>
                 </a:extLst>
               </p:cNvPr>
@@ -16732,7 +16922,7 @@
                     <a16:creationId xmlns:a16="http://schemas.microsoft.com/office/drawing/2014/main" id="{08F168C9-990C-4F28-B573-6776F8DABDEF}"/>
                   </a:ext>
                   <a:ext uri="{C183D7F6-B498-43B3-948B-1728B52AA6E4}">
-                    <adec:decorative xmlns:adec="http://schemas.microsoft.com/office/drawing/2017/decorative" val="1"/>
+                    <adec:decorative xmlns:adec="http://schemas.microsoft.com/office/drawing/2017/decorative" xmlns="" val="1"/>
                   </a:ext>
                 </a:extLst>
               </p:cNvPr>
@@ -16784,7 +16974,7 @@
                     <a16:creationId xmlns:a16="http://schemas.microsoft.com/office/drawing/2014/main" id="{33F1B77C-79FE-4D12-9EE5-39DFE99308A2}"/>
                   </a:ext>
                   <a:ext uri="{C183D7F6-B498-43B3-948B-1728B52AA6E4}">
-                    <adec:decorative xmlns:adec="http://schemas.microsoft.com/office/drawing/2017/decorative" val="1"/>
+                    <adec:decorative xmlns:adec="http://schemas.microsoft.com/office/drawing/2017/decorative" xmlns="" val="1"/>
                   </a:ext>
                 </a:extLst>
               </p:cNvPr>
@@ -16838,7 +17028,7 @@
                 <a16:creationId xmlns:a16="http://schemas.microsoft.com/office/drawing/2014/main" id="{D282CB72-2CDB-42BC-A8ED-72831BCCDA2B}"/>
               </a:ext>
               <a:ext uri="{C183D7F6-B498-43B3-948B-1728B52AA6E4}">
-                <adec:decorative xmlns:adec="http://schemas.microsoft.com/office/drawing/2017/decorative" val="1"/>
+                <adec:decorative xmlns:adec="http://schemas.microsoft.com/office/drawing/2017/decorative" xmlns="" val="1"/>
               </a:ext>
             </a:extLst>
           </p:cNvPr>
@@ -16869,7 +17059,7 @@
                   <a16:creationId xmlns:a16="http://schemas.microsoft.com/office/drawing/2014/main" id="{6AE46DE4-215D-40F9-8FEE-251D0E353CAA}"/>
                 </a:ext>
                 <a:ext uri="{C183D7F6-B498-43B3-948B-1728B52AA6E4}">
-                  <adec:decorative xmlns:adec="http://schemas.microsoft.com/office/drawing/2017/decorative" val="1"/>
+                  <adec:decorative xmlns:adec="http://schemas.microsoft.com/office/drawing/2017/decorative" xmlns="" val="1"/>
                 </a:ext>
               </a:extLst>
             </p:cNvPr>
@@ -17059,7 +17249,7 @@
                   <a16:creationId xmlns:a16="http://schemas.microsoft.com/office/drawing/2014/main" id="{B36A511B-6F39-4378-BFE0-85909D1F8C0F}"/>
                 </a:ext>
                 <a:ext uri="{C183D7F6-B498-43B3-948B-1728B52AA6E4}">
-                  <adec:decorative xmlns:adec="http://schemas.microsoft.com/office/drawing/2017/decorative" val="1"/>
+                  <adec:decorative xmlns:adec="http://schemas.microsoft.com/office/drawing/2017/decorative" xmlns="" val="1"/>
                 </a:ext>
               </a:extLst>
             </p:cNvPr>
@@ -17088,7 +17278,7 @@
                     <a16:creationId xmlns:a16="http://schemas.microsoft.com/office/drawing/2014/main" id="{C4363B20-537C-4060-B84C-0597212F6CC9}"/>
                   </a:ext>
                   <a:ext uri="{C183D7F6-B498-43B3-948B-1728B52AA6E4}">
-                    <adec:decorative xmlns:adec="http://schemas.microsoft.com/office/drawing/2017/decorative" val="1"/>
+                    <adec:decorative xmlns:adec="http://schemas.microsoft.com/office/drawing/2017/decorative" xmlns="" val="1"/>
                   </a:ext>
                 </a:extLst>
               </p:cNvPr>
@@ -17140,7 +17330,7 @@
                     <a16:creationId xmlns:a16="http://schemas.microsoft.com/office/drawing/2014/main" id="{3C9CF70A-424F-4E03-B267-FC1757B70653}"/>
                   </a:ext>
                   <a:ext uri="{C183D7F6-B498-43B3-948B-1728B52AA6E4}">
-                    <adec:decorative xmlns:adec="http://schemas.microsoft.com/office/drawing/2017/decorative" val="1"/>
+                    <adec:decorative xmlns:adec="http://schemas.microsoft.com/office/drawing/2017/decorative" xmlns="" val="1"/>
                   </a:ext>
                 </a:extLst>
               </p:cNvPr>
@@ -17192,7 +17382,7 @@
                     <a16:creationId xmlns:a16="http://schemas.microsoft.com/office/drawing/2014/main" id="{499FF88E-7E40-42AE-BF4B-9775C7CE04EC}"/>
                   </a:ext>
                   <a:ext uri="{C183D7F6-B498-43B3-948B-1728B52AA6E4}">
-                    <adec:decorative xmlns:adec="http://schemas.microsoft.com/office/drawing/2017/decorative" val="1"/>
+                    <adec:decorative xmlns:adec="http://schemas.microsoft.com/office/drawing/2017/decorative" xmlns="" val="1"/>
                   </a:ext>
                 </a:extLst>
               </p:cNvPr>
@@ -17244,7 +17434,7 @@
                     <a16:creationId xmlns:a16="http://schemas.microsoft.com/office/drawing/2014/main" id="{B2DE5F9B-DD17-4FB1-A4EE-7133EB2A653B}"/>
                   </a:ext>
                   <a:ext uri="{C183D7F6-B498-43B3-948B-1728B52AA6E4}">
-                    <adec:decorative xmlns:adec="http://schemas.microsoft.com/office/drawing/2017/decorative" val="1"/>
+                    <adec:decorative xmlns:adec="http://schemas.microsoft.com/office/drawing/2017/decorative" xmlns="" val="1"/>
                   </a:ext>
                 </a:extLst>
               </p:cNvPr>
@@ -17296,7 +17486,7 @@
                     <a16:creationId xmlns:a16="http://schemas.microsoft.com/office/drawing/2014/main" id="{A35C0419-8339-4116-A4A9-C200E666928A}"/>
                   </a:ext>
                   <a:ext uri="{C183D7F6-B498-43B3-948B-1728B52AA6E4}">
-                    <adec:decorative xmlns:adec="http://schemas.microsoft.com/office/drawing/2017/decorative" val="1"/>
+                    <adec:decorative xmlns:adec="http://schemas.microsoft.com/office/drawing/2017/decorative" xmlns="" val="1"/>
                   </a:ext>
                 </a:extLst>
               </p:cNvPr>
@@ -17348,7 +17538,7 @@
                     <a16:creationId xmlns:a16="http://schemas.microsoft.com/office/drawing/2014/main" id="{C9493C3D-700E-4D22-882C-689161274504}"/>
                   </a:ext>
                   <a:ext uri="{C183D7F6-B498-43B3-948B-1728B52AA6E4}">
-                    <adec:decorative xmlns:adec="http://schemas.microsoft.com/office/drawing/2017/decorative" val="1"/>
+                    <adec:decorative xmlns:adec="http://schemas.microsoft.com/office/drawing/2017/decorative" xmlns="" val="1"/>
                   </a:ext>
                 </a:extLst>
               </p:cNvPr>
@@ -17400,7 +17590,7 @@
                     <a16:creationId xmlns:a16="http://schemas.microsoft.com/office/drawing/2014/main" id="{89F2605A-D03A-408D-BD09-2977D7569034}"/>
                   </a:ext>
                   <a:ext uri="{C183D7F6-B498-43B3-948B-1728B52AA6E4}">
-                    <adec:decorative xmlns:adec="http://schemas.microsoft.com/office/drawing/2017/decorative" val="1"/>
+                    <adec:decorative xmlns:adec="http://schemas.microsoft.com/office/drawing/2017/decorative" xmlns="" val="1"/>
                   </a:ext>
                 </a:extLst>
               </p:cNvPr>
@@ -17452,7 +17642,7 @@
                     <a16:creationId xmlns:a16="http://schemas.microsoft.com/office/drawing/2014/main" id="{261DF287-58DB-4C3D-9733-FDF74398993D}"/>
                   </a:ext>
                   <a:ext uri="{C183D7F6-B498-43B3-948B-1728B52AA6E4}">
-                    <adec:decorative xmlns:adec="http://schemas.microsoft.com/office/drawing/2017/decorative" val="1"/>
+                    <adec:decorative xmlns:adec="http://schemas.microsoft.com/office/drawing/2017/decorative" xmlns="" val="1"/>
                   </a:ext>
                 </a:extLst>
               </p:cNvPr>
@@ -17504,7 +17694,7 @@
                     <a16:creationId xmlns:a16="http://schemas.microsoft.com/office/drawing/2014/main" id="{7853230B-D26C-4EB2-A2A0-62316B4572B4}"/>
                   </a:ext>
                   <a:ext uri="{C183D7F6-B498-43B3-948B-1728B52AA6E4}">
-                    <adec:decorative xmlns:adec="http://schemas.microsoft.com/office/drawing/2017/decorative" val="1"/>
+                    <adec:decorative xmlns:adec="http://schemas.microsoft.com/office/drawing/2017/decorative" xmlns="" val="1"/>
                   </a:ext>
                 </a:extLst>
               </p:cNvPr>
@@ -17556,7 +17746,7 @@
                     <a16:creationId xmlns:a16="http://schemas.microsoft.com/office/drawing/2014/main" id="{44462623-FE75-4CD8-AF9B-22DE645890AD}"/>
                   </a:ext>
                   <a:ext uri="{C183D7F6-B498-43B3-948B-1728B52AA6E4}">
-                    <adec:decorative xmlns:adec="http://schemas.microsoft.com/office/drawing/2017/decorative" val="1"/>
+                    <adec:decorative xmlns:adec="http://schemas.microsoft.com/office/drawing/2017/decorative" xmlns="" val="1"/>
                   </a:ext>
                 </a:extLst>
               </p:cNvPr>
@@ -17608,7 +17798,7 @@
                     <a16:creationId xmlns:a16="http://schemas.microsoft.com/office/drawing/2014/main" id="{C438A4B8-39EA-46D8-8218-317E1FC8B088}"/>
                   </a:ext>
                   <a:ext uri="{C183D7F6-B498-43B3-948B-1728B52AA6E4}">
-                    <adec:decorative xmlns:adec="http://schemas.microsoft.com/office/drawing/2017/decorative" val="1"/>
+                    <adec:decorative xmlns:adec="http://schemas.microsoft.com/office/drawing/2017/decorative" xmlns="" val="1"/>
                   </a:ext>
                 </a:extLst>
               </p:cNvPr>
@@ -17660,7 +17850,7 @@
                     <a16:creationId xmlns:a16="http://schemas.microsoft.com/office/drawing/2014/main" id="{FA24B522-3D1F-4BA3-A954-6E53DEFAD8E0}"/>
                   </a:ext>
                   <a:ext uri="{C183D7F6-B498-43B3-948B-1728B52AA6E4}">
-                    <adec:decorative xmlns:adec="http://schemas.microsoft.com/office/drawing/2017/decorative" val="1"/>
+                    <adec:decorative xmlns:adec="http://schemas.microsoft.com/office/drawing/2017/decorative" xmlns="" val="1"/>
                   </a:ext>
                 </a:extLst>
               </p:cNvPr>
@@ -17712,7 +17902,7 @@
                     <a16:creationId xmlns:a16="http://schemas.microsoft.com/office/drawing/2014/main" id="{B95C6EDD-AA61-43F6-AC00-AF5F37AA2A7C}"/>
                   </a:ext>
                   <a:ext uri="{C183D7F6-B498-43B3-948B-1728B52AA6E4}">
-                    <adec:decorative xmlns:adec="http://schemas.microsoft.com/office/drawing/2017/decorative" val="1"/>
+                    <adec:decorative xmlns:adec="http://schemas.microsoft.com/office/drawing/2017/decorative" xmlns="" val="1"/>
                   </a:ext>
                 </a:extLst>
               </p:cNvPr>
@@ -17764,7 +17954,7 @@
                     <a16:creationId xmlns:a16="http://schemas.microsoft.com/office/drawing/2014/main" id="{87C4D6C9-79C4-4F6C-88BD-E143E4EE67A5}"/>
                   </a:ext>
                   <a:ext uri="{C183D7F6-B498-43B3-948B-1728B52AA6E4}">
-                    <adec:decorative xmlns:adec="http://schemas.microsoft.com/office/drawing/2017/decorative" val="1"/>
+                    <adec:decorative xmlns:adec="http://schemas.microsoft.com/office/drawing/2017/decorative" xmlns="" val="1"/>
                   </a:ext>
                 </a:extLst>
               </p:cNvPr>
@@ -17816,7 +18006,7 @@
                     <a16:creationId xmlns:a16="http://schemas.microsoft.com/office/drawing/2014/main" id="{7412E279-820F-434F-9739-1EA3FACEE640}"/>
                   </a:ext>
                   <a:ext uri="{C183D7F6-B498-43B3-948B-1728B52AA6E4}">
-                    <adec:decorative xmlns:adec="http://schemas.microsoft.com/office/drawing/2017/decorative" val="1"/>
+                    <adec:decorative xmlns:adec="http://schemas.microsoft.com/office/drawing/2017/decorative" xmlns="" val="1"/>
                   </a:ext>
                 </a:extLst>
               </p:cNvPr>
@@ -17868,7 +18058,7 @@
                     <a16:creationId xmlns:a16="http://schemas.microsoft.com/office/drawing/2014/main" id="{F6D3E205-79C6-4C93-8DDB-A63D7C351270}"/>
                   </a:ext>
                   <a:ext uri="{C183D7F6-B498-43B3-948B-1728B52AA6E4}">
-                    <adec:decorative xmlns:adec="http://schemas.microsoft.com/office/drawing/2017/decorative" val="1"/>
+                    <adec:decorative xmlns:adec="http://schemas.microsoft.com/office/drawing/2017/decorative" xmlns="" val="1"/>
                   </a:ext>
                 </a:extLst>
               </p:cNvPr>
@@ -17920,7 +18110,7 @@
                     <a16:creationId xmlns:a16="http://schemas.microsoft.com/office/drawing/2014/main" id="{11072693-5C4B-4CE5-A5AD-CFF9A859B43F}"/>
                   </a:ext>
                   <a:ext uri="{C183D7F6-B498-43B3-948B-1728B52AA6E4}">
-                    <adec:decorative xmlns:adec="http://schemas.microsoft.com/office/drawing/2017/decorative" val="1"/>
+                    <adec:decorative xmlns:adec="http://schemas.microsoft.com/office/drawing/2017/decorative" xmlns="" val="1"/>
                   </a:ext>
                 </a:extLst>
               </p:cNvPr>
@@ -17972,7 +18162,7 @@
                     <a16:creationId xmlns:a16="http://schemas.microsoft.com/office/drawing/2014/main" id="{A871115B-BFCB-4C8F-AC06-E56654B44657}"/>
                   </a:ext>
                   <a:ext uri="{C183D7F6-B498-43B3-948B-1728B52AA6E4}">
-                    <adec:decorative xmlns:adec="http://schemas.microsoft.com/office/drawing/2017/decorative" val="1"/>
+                    <adec:decorative xmlns:adec="http://schemas.microsoft.com/office/drawing/2017/decorative" xmlns="" val="1"/>
                   </a:ext>
                 </a:extLst>
               </p:cNvPr>
@@ -18024,7 +18214,7 @@
                     <a16:creationId xmlns:a16="http://schemas.microsoft.com/office/drawing/2014/main" id="{F5D1448B-DA87-400E-B9EB-F841E40FCAB6}"/>
                   </a:ext>
                   <a:ext uri="{C183D7F6-B498-43B3-948B-1728B52AA6E4}">
-                    <adec:decorative xmlns:adec="http://schemas.microsoft.com/office/drawing/2017/decorative" val="1"/>
+                    <adec:decorative xmlns:adec="http://schemas.microsoft.com/office/drawing/2017/decorative" xmlns="" val="1"/>
                   </a:ext>
                 </a:extLst>
               </p:cNvPr>
@@ -18076,7 +18266,7 @@
                     <a16:creationId xmlns:a16="http://schemas.microsoft.com/office/drawing/2014/main" id="{3DB02678-AFD8-4298-832C-1FAAC15E7697}"/>
                   </a:ext>
                   <a:ext uri="{C183D7F6-B498-43B3-948B-1728B52AA6E4}">
-                    <adec:decorative xmlns:adec="http://schemas.microsoft.com/office/drawing/2017/decorative" val="1"/>
+                    <adec:decorative xmlns:adec="http://schemas.microsoft.com/office/drawing/2017/decorative" xmlns="" val="1"/>
                   </a:ext>
                 </a:extLst>
               </p:cNvPr>
@@ -18128,7 +18318,7 @@
                     <a16:creationId xmlns:a16="http://schemas.microsoft.com/office/drawing/2014/main" id="{E3448AB8-7DE3-4030-A07E-B6DAD7924E05}"/>
                   </a:ext>
                   <a:ext uri="{C183D7F6-B498-43B3-948B-1728B52AA6E4}">
-                    <adec:decorative xmlns:adec="http://schemas.microsoft.com/office/drawing/2017/decorative" val="1"/>
+                    <adec:decorative xmlns:adec="http://schemas.microsoft.com/office/drawing/2017/decorative" xmlns="" val="1"/>
                   </a:ext>
                 </a:extLst>
               </p:cNvPr>
@@ -18180,7 +18370,7 @@
                     <a16:creationId xmlns:a16="http://schemas.microsoft.com/office/drawing/2014/main" id="{AEA76B4A-2ADA-46F0-BF22-FA5FD6AF67DC}"/>
                   </a:ext>
                   <a:ext uri="{C183D7F6-B498-43B3-948B-1728B52AA6E4}">
-                    <adec:decorative xmlns:adec="http://schemas.microsoft.com/office/drawing/2017/decorative" val="1"/>
+                    <adec:decorative xmlns:adec="http://schemas.microsoft.com/office/drawing/2017/decorative" xmlns="" val="1"/>
                   </a:ext>
                 </a:extLst>
               </p:cNvPr>
@@ -18232,7 +18422,7 @@
                     <a16:creationId xmlns:a16="http://schemas.microsoft.com/office/drawing/2014/main" id="{77604E79-5CE5-4492-B068-BF3E6AA0FA2C}"/>
                   </a:ext>
                   <a:ext uri="{C183D7F6-B498-43B3-948B-1728B52AA6E4}">
-                    <adec:decorative xmlns:adec="http://schemas.microsoft.com/office/drawing/2017/decorative" val="1"/>
+                    <adec:decorative xmlns:adec="http://schemas.microsoft.com/office/drawing/2017/decorative" xmlns="" val="1"/>
                   </a:ext>
                 </a:extLst>
               </p:cNvPr>
@@ -18284,7 +18474,7 @@
                     <a16:creationId xmlns:a16="http://schemas.microsoft.com/office/drawing/2014/main" id="{5BCF3B64-C3BC-4B1D-AD14-A5316CFC0E3A}"/>
                   </a:ext>
                   <a:ext uri="{C183D7F6-B498-43B3-948B-1728B52AA6E4}">
-                    <adec:decorative xmlns:adec="http://schemas.microsoft.com/office/drawing/2017/decorative" val="1"/>
+                    <adec:decorative xmlns:adec="http://schemas.microsoft.com/office/drawing/2017/decorative" xmlns="" val="1"/>
                   </a:ext>
                 </a:extLst>
               </p:cNvPr>
@@ -18336,7 +18526,7 @@
                     <a16:creationId xmlns:a16="http://schemas.microsoft.com/office/drawing/2014/main" id="{0B0529B2-3997-448F-9B09-6164F7711762}"/>
                   </a:ext>
                   <a:ext uri="{C183D7F6-B498-43B3-948B-1728B52AA6E4}">
-                    <adec:decorative xmlns:adec="http://schemas.microsoft.com/office/drawing/2017/decorative" val="1"/>
+                    <adec:decorative xmlns:adec="http://schemas.microsoft.com/office/drawing/2017/decorative" xmlns="" val="1"/>
                   </a:ext>
                 </a:extLst>
               </p:cNvPr>
@@ -18388,7 +18578,7 @@
                     <a16:creationId xmlns:a16="http://schemas.microsoft.com/office/drawing/2014/main" id="{69CB6E0C-BBB7-4D3C-947D-C6AB56622DEB}"/>
                   </a:ext>
                   <a:ext uri="{C183D7F6-B498-43B3-948B-1728B52AA6E4}">
-                    <adec:decorative xmlns:adec="http://schemas.microsoft.com/office/drawing/2017/decorative" val="1"/>
+                    <adec:decorative xmlns:adec="http://schemas.microsoft.com/office/drawing/2017/decorative" xmlns="" val="1"/>
                   </a:ext>
                 </a:extLst>
               </p:cNvPr>
@@ -18440,7 +18630,7 @@
                     <a16:creationId xmlns:a16="http://schemas.microsoft.com/office/drawing/2014/main" id="{251DC9A1-E549-47AA-8058-B43C08DDA1B8}"/>
                   </a:ext>
                   <a:ext uri="{C183D7F6-B498-43B3-948B-1728B52AA6E4}">
-                    <adec:decorative xmlns:adec="http://schemas.microsoft.com/office/drawing/2017/decorative" val="1"/>
+                    <adec:decorative xmlns:adec="http://schemas.microsoft.com/office/drawing/2017/decorative" xmlns="" val="1"/>
                   </a:ext>
                 </a:extLst>
               </p:cNvPr>
@@ -18492,7 +18682,7 @@
                     <a16:creationId xmlns:a16="http://schemas.microsoft.com/office/drawing/2014/main" id="{BD5DC895-4B0E-43F0-AEF8-63CF985EB5E9}"/>
                   </a:ext>
                   <a:ext uri="{C183D7F6-B498-43B3-948B-1728B52AA6E4}">
-                    <adec:decorative xmlns:adec="http://schemas.microsoft.com/office/drawing/2017/decorative" val="1"/>
+                    <adec:decorative xmlns:adec="http://schemas.microsoft.com/office/drawing/2017/decorative" xmlns="" val="1"/>
                   </a:ext>
                 </a:extLst>
               </p:cNvPr>
@@ -18544,7 +18734,7 @@
                     <a16:creationId xmlns:a16="http://schemas.microsoft.com/office/drawing/2014/main" id="{E128213C-AFBB-461D-AF47-FB6E94259F2B}"/>
                   </a:ext>
                   <a:ext uri="{C183D7F6-B498-43B3-948B-1728B52AA6E4}">
-                    <adec:decorative xmlns:adec="http://schemas.microsoft.com/office/drawing/2017/decorative" val="1"/>
+                    <adec:decorative xmlns:adec="http://schemas.microsoft.com/office/drawing/2017/decorative" xmlns="" val="1"/>
                   </a:ext>
                 </a:extLst>
               </p:cNvPr>
@@ -18596,7 +18786,7 @@
                     <a16:creationId xmlns:a16="http://schemas.microsoft.com/office/drawing/2014/main" id="{DF1CE852-FB44-4D3E-93E9-A2DB024CAD68}"/>
                   </a:ext>
                   <a:ext uri="{C183D7F6-B498-43B3-948B-1728B52AA6E4}">
-                    <adec:decorative xmlns:adec="http://schemas.microsoft.com/office/drawing/2017/decorative" val="1"/>
+                    <adec:decorative xmlns:adec="http://schemas.microsoft.com/office/drawing/2017/decorative" xmlns="" val="1"/>
                   </a:ext>
                 </a:extLst>
               </p:cNvPr>
@@ -18648,7 +18838,7 @@
                     <a16:creationId xmlns:a16="http://schemas.microsoft.com/office/drawing/2014/main" id="{DC08A973-DDD5-4B20-A9D9-35D0F40BE229}"/>
                   </a:ext>
                   <a:ext uri="{C183D7F6-B498-43B3-948B-1728B52AA6E4}">
-                    <adec:decorative xmlns:adec="http://schemas.microsoft.com/office/drawing/2017/decorative" val="1"/>
+                    <adec:decorative xmlns:adec="http://schemas.microsoft.com/office/drawing/2017/decorative" xmlns="" val="1"/>
                   </a:ext>
                 </a:extLst>
               </p:cNvPr>
@@ -18700,7 +18890,7 @@
                     <a16:creationId xmlns:a16="http://schemas.microsoft.com/office/drawing/2014/main" id="{DEAA7EBB-2741-4198-9B4A-E33C7485A9D1}"/>
                   </a:ext>
                   <a:ext uri="{C183D7F6-B498-43B3-948B-1728B52AA6E4}">
-                    <adec:decorative xmlns:adec="http://schemas.microsoft.com/office/drawing/2017/decorative" val="1"/>
+                    <adec:decorative xmlns:adec="http://schemas.microsoft.com/office/drawing/2017/decorative" xmlns="" val="1"/>
                   </a:ext>
                 </a:extLst>
               </p:cNvPr>
@@ -18752,7 +18942,7 @@
                     <a16:creationId xmlns:a16="http://schemas.microsoft.com/office/drawing/2014/main" id="{DF04A650-3F5A-40D7-8B49-386FA8EB21AB}"/>
                   </a:ext>
                   <a:ext uri="{C183D7F6-B498-43B3-948B-1728B52AA6E4}">
-                    <adec:decorative xmlns:adec="http://schemas.microsoft.com/office/drawing/2017/decorative" val="1"/>
+                    <adec:decorative xmlns:adec="http://schemas.microsoft.com/office/drawing/2017/decorative" xmlns="" val="1"/>
                   </a:ext>
                 </a:extLst>
               </p:cNvPr>
@@ -18804,7 +18994,7 @@
                     <a16:creationId xmlns:a16="http://schemas.microsoft.com/office/drawing/2014/main" id="{6B73B1BC-20E0-4D78-8E73-BE8E84D7C3DF}"/>
                   </a:ext>
                   <a:ext uri="{C183D7F6-B498-43B3-948B-1728B52AA6E4}">
-                    <adec:decorative xmlns:adec="http://schemas.microsoft.com/office/drawing/2017/decorative" val="1"/>
+                    <adec:decorative xmlns:adec="http://schemas.microsoft.com/office/drawing/2017/decorative" xmlns="" val="1"/>
                   </a:ext>
                 </a:extLst>
               </p:cNvPr>
@@ -18856,7 +19046,7 @@
                     <a16:creationId xmlns:a16="http://schemas.microsoft.com/office/drawing/2014/main" id="{456CDDE9-95A3-46F5-9CBE-38B93DAC421E}"/>
                   </a:ext>
                   <a:ext uri="{C183D7F6-B498-43B3-948B-1728B52AA6E4}">
-                    <adec:decorative xmlns:adec="http://schemas.microsoft.com/office/drawing/2017/decorative" val="1"/>
+                    <adec:decorative xmlns:adec="http://schemas.microsoft.com/office/drawing/2017/decorative" xmlns="" val="1"/>
                   </a:ext>
                 </a:extLst>
               </p:cNvPr>
@@ -18908,7 +19098,7 @@
                     <a16:creationId xmlns:a16="http://schemas.microsoft.com/office/drawing/2014/main" id="{9E20E263-DEE1-4EF6-A99A-5CF2572C0B06}"/>
                   </a:ext>
                   <a:ext uri="{C183D7F6-B498-43B3-948B-1728B52AA6E4}">
-                    <adec:decorative xmlns:adec="http://schemas.microsoft.com/office/drawing/2017/decorative" val="1"/>
+                    <adec:decorative xmlns:adec="http://schemas.microsoft.com/office/drawing/2017/decorative" xmlns="" val="1"/>
                   </a:ext>
                 </a:extLst>
               </p:cNvPr>
@@ -18960,7 +19150,7 @@
                     <a16:creationId xmlns:a16="http://schemas.microsoft.com/office/drawing/2014/main" id="{936E6B4B-6E9E-495C-B812-607D15F97172}"/>
                   </a:ext>
                   <a:ext uri="{C183D7F6-B498-43B3-948B-1728B52AA6E4}">
-                    <adec:decorative xmlns:adec="http://schemas.microsoft.com/office/drawing/2017/decorative" val="1"/>
+                    <adec:decorative xmlns:adec="http://schemas.microsoft.com/office/drawing/2017/decorative" xmlns="" val="1"/>
                   </a:ext>
                 </a:extLst>
               </p:cNvPr>
@@ -19012,7 +19202,7 @@
                     <a16:creationId xmlns:a16="http://schemas.microsoft.com/office/drawing/2014/main" id="{1BEA991A-5BBD-4A99-BFED-2F06A8C1E750}"/>
                   </a:ext>
                   <a:ext uri="{C183D7F6-B498-43B3-948B-1728B52AA6E4}">
-                    <adec:decorative xmlns:adec="http://schemas.microsoft.com/office/drawing/2017/decorative" val="1"/>
+                    <adec:decorative xmlns:adec="http://schemas.microsoft.com/office/drawing/2017/decorative" xmlns="" val="1"/>
                   </a:ext>
                 </a:extLst>
               </p:cNvPr>
@@ -19064,7 +19254,7 @@
                     <a16:creationId xmlns:a16="http://schemas.microsoft.com/office/drawing/2014/main" id="{70234511-FFD7-4073-8E37-EDDF78658D94}"/>
                   </a:ext>
                   <a:ext uri="{C183D7F6-B498-43B3-948B-1728B52AA6E4}">
-                    <adec:decorative xmlns:adec="http://schemas.microsoft.com/office/drawing/2017/decorative" val="1"/>
+                    <adec:decorative xmlns:adec="http://schemas.microsoft.com/office/drawing/2017/decorative" xmlns="" val="1"/>
                   </a:ext>
                 </a:extLst>
               </p:cNvPr>
@@ -19116,7 +19306,7 @@
                     <a16:creationId xmlns:a16="http://schemas.microsoft.com/office/drawing/2014/main" id="{2AB0903C-C4BA-4EE0-9C37-4035884439E5}"/>
                   </a:ext>
                   <a:ext uri="{C183D7F6-B498-43B3-948B-1728B52AA6E4}">
-                    <adec:decorative xmlns:adec="http://schemas.microsoft.com/office/drawing/2017/decorative" val="1"/>
+                    <adec:decorative xmlns:adec="http://schemas.microsoft.com/office/drawing/2017/decorative" xmlns="" val="1"/>
                   </a:ext>
                 </a:extLst>
               </p:cNvPr>
@@ -19168,7 +19358,7 @@
                     <a16:creationId xmlns:a16="http://schemas.microsoft.com/office/drawing/2014/main" id="{8FE78380-3995-4976-8CBC-E0D9D17E726D}"/>
                   </a:ext>
                   <a:ext uri="{C183D7F6-B498-43B3-948B-1728B52AA6E4}">
-                    <adec:decorative xmlns:adec="http://schemas.microsoft.com/office/drawing/2017/decorative" val="1"/>
+                    <adec:decorative xmlns:adec="http://schemas.microsoft.com/office/drawing/2017/decorative" xmlns="" val="1"/>
                   </a:ext>
                 </a:extLst>
               </p:cNvPr>
@@ -19220,7 +19410,7 @@
                     <a16:creationId xmlns:a16="http://schemas.microsoft.com/office/drawing/2014/main" id="{AC79C12A-3B41-422A-9080-DC278B9283AB}"/>
                   </a:ext>
                   <a:ext uri="{C183D7F6-B498-43B3-948B-1728B52AA6E4}">
-                    <adec:decorative xmlns:adec="http://schemas.microsoft.com/office/drawing/2017/decorative" val="1"/>
+                    <adec:decorative xmlns:adec="http://schemas.microsoft.com/office/drawing/2017/decorative" xmlns="" val="1"/>
                   </a:ext>
                 </a:extLst>
               </p:cNvPr>
@@ -19272,7 +19462,7 @@
                     <a16:creationId xmlns:a16="http://schemas.microsoft.com/office/drawing/2014/main" id="{79EAC6D6-1793-43CF-AD89-2C34BEBCA027}"/>
                   </a:ext>
                   <a:ext uri="{C183D7F6-B498-43B3-948B-1728B52AA6E4}">
-                    <adec:decorative xmlns:adec="http://schemas.microsoft.com/office/drawing/2017/decorative" val="1"/>
+                    <adec:decorative xmlns:adec="http://schemas.microsoft.com/office/drawing/2017/decorative" xmlns="" val="1"/>
                   </a:ext>
                 </a:extLst>
               </p:cNvPr>
@@ -19324,7 +19514,7 @@
                     <a16:creationId xmlns:a16="http://schemas.microsoft.com/office/drawing/2014/main" id="{9E5122D9-168D-42C8-A7B1-D15347817CFF}"/>
                   </a:ext>
                   <a:ext uri="{C183D7F6-B498-43B3-948B-1728B52AA6E4}">
-                    <adec:decorative xmlns:adec="http://schemas.microsoft.com/office/drawing/2017/decorative" val="1"/>
+                    <adec:decorative xmlns:adec="http://schemas.microsoft.com/office/drawing/2017/decorative" xmlns="" val="1"/>
                   </a:ext>
                 </a:extLst>
               </p:cNvPr>
@@ -19376,7 +19566,7 @@
                     <a16:creationId xmlns:a16="http://schemas.microsoft.com/office/drawing/2014/main" id="{6D15531C-A1FE-40E8-A595-516EECD14F93}"/>
                   </a:ext>
                   <a:ext uri="{C183D7F6-B498-43B3-948B-1728B52AA6E4}">
-                    <adec:decorative xmlns:adec="http://schemas.microsoft.com/office/drawing/2017/decorative" val="1"/>
+                    <adec:decorative xmlns:adec="http://schemas.microsoft.com/office/drawing/2017/decorative" xmlns="" val="1"/>
                   </a:ext>
                 </a:extLst>
               </p:cNvPr>
@@ -19428,7 +19618,7 @@
                     <a16:creationId xmlns:a16="http://schemas.microsoft.com/office/drawing/2014/main" id="{C269AE19-E6E0-41F7-AD0E-84C55FC8FEA6}"/>
                   </a:ext>
                   <a:ext uri="{C183D7F6-B498-43B3-948B-1728B52AA6E4}">
-                    <adec:decorative xmlns:adec="http://schemas.microsoft.com/office/drawing/2017/decorative" val="1"/>
+                    <adec:decorative xmlns:adec="http://schemas.microsoft.com/office/drawing/2017/decorative" xmlns="" val="1"/>
                   </a:ext>
                 </a:extLst>
               </p:cNvPr>
@@ -19480,7 +19670,7 @@
                     <a16:creationId xmlns:a16="http://schemas.microsoft.com/office/drawing/2014/main" id="{2B3DFCCD-2308-4A84-9CCE-78DE111657AB}"/>
                   </a:ext>
                   <a:ext uri="{C183D7F6-B498-43B3-948B-1728B52AA6E4}">
-                    <adec:decorative xmlns:adec="http://schemas.microsoft.com/office/drawing/2017/decorative" val="1"/>
+                    <adec:decorative xmlns:adec="http://schemas.microsoft.com/office/drawing/2017/decorative" xmlns="" val="1"/>
                   </a:ext>
                 </a:extLst>
               </p:cNvPr>
@@ -19532,7 +19722,7 @@
                     <a16:creationId xmlns:a16="http://schemas.microsoft.com/office/drawing/2014/main" id="{4BF66770-F407-4C79-84B7-23B2F78A26BD}"/>
                   </a:ext>
                   <a:ext uri="{C183D7F6-B498-43B3-948B-1728B52AA6E4}">
-                    <adec:decorative xmlns:adec="http://schemas.microsoft.com/office/drawing/2017/decorative" val="1"/>
+                    <adec:decorative xmlns:adec="http://schemas.microsoft.com/office/drawing/2017/decorative" xmlns="" val="1"/>
                   </a:ext>
                 </a:extLst>
               </p:cNvPr>
@@ -19584,7 +19774,7 @@
                     <a16:creationId xmlns:a16="http://schemas.microsoft.com/office/drawing/2014/main" id="{46BBE3F7-4F6E-4EDC-A055-C55FCF97D33F}"/>
                   </a:ext>
                   <a:ext uri="{C183D7F6-B498-43B3-948B-1728B52AA6E4}">
-                    <adec:decorative xmlns:adec="http://schemas.microsoft.com/office/drawing/2017/decorative" val="1"/>
+                    <adec:decorative xmlns:adec="http://schemas.microsoft.com/office/drawing/2017/decorative" xmlns="" val="1"/>
                   </a:ext>
                 </a:extLst>
               </p:cNvPr>
@@ -19636,7 +19826,7 @@
                     <a16:creationId xmlns:a16="http://schemas.microsoft.com/office/drawing/2014/main" id="{68CA2FA0-8608-4F60-886F-58C8955B3971}"/>
                   </a:ext>
                   <a:ext uri="{C183D7F6-B498-43B3-948B-1728B52AA6E4}">
-                    <adec:decorative xmlns:adec="http://schemas.microsoft.com/office/drawing/2017/decorative" val="1"/>
+                    <adec:decorative xmlns:adec="http://schemas.microsoft.com/office/drawing/2017/decorative" xmlns="" val="1"/>
                   </a:ext>
                 </a:extLst>
               </p:cNvPr>
@@ -19688,7 +19878,7 @@
                     <a16:creationId xmlns:a16="http://schemas.microsoft.com/office/drawing/2014/main" id="{657C750F-CD4B-436E-8E41-8452ECA90893}"/>
                   </a:ext>
                   <a:ext uri="{C183D7F6-B498-43B3-948B-1728B52AA6E4}">
-                    <adec:decorative xmlns:adec="http://schemas.microsoft.com/office/drawing/2017/decorative" val="1"/>
+                    <adec:decorative xmlns:adec="http://schemas.microsoft.com/office/drawing/2017/decorative" xmlns="" val="1"/>
                   </a:ext>
                 </a:extLst>
               </p:cNvPr>
@@ -19740,7 +19930,7 @@
                     <a16:creationId xmlns:a16="http://schemas.microsoft.com/office/drawing/2014/main" id="{7C503172-0406-49D1-A974-0464F77DEA09}"/>
                   </a:ext>
                   <a:ext uri="{C183D7F6-B498-43B3-948B-1728B52AA6E4}">
-                    <adec:decorative xmlns:adec="http://schemas.microsoft.com/office/drawing/2017/decorative" val="1"/>
+                    <adec:decorative xmlns:adec="http://schemas.microsoft.com/office/drawing/2017/decorative" xmlns="" val="1"/>
                   </a:ext>
                 </a:extLst>
               </p:cNvPr>
@@ -19792,7 +19982,7 @@
                     <a16:creationId xmlns:a16="http://schemas.microsoft.com/office/drawing/2014/main" id="{E97B3CD0-1E51-4EC2-8ED4-9B9BAD622FF8}"/>
                   </a:ext>
                   <a:ext uri="{C183D7F6-B498-43B3-948B-1728B52AA6E4}">
-                    <adec:decorative xmlns:adec="http://schemas.microsoft.com/office/drawing/2017/decorative" val="1"/>
+                    <adec:decorative xmlns:adec="http://schemas.microsoft.com/office/drawing/2017/decorative" xmlns="" val="1"/>
                   </a:ext>
                 </a:extLst>
               </p:cNvPr>
@@ -19844,7 +20034,7 @@
                     <a16:creationId xmlns:a16="http://schemas.microsoft.com/office/drawing/2014/main" id="{A6FAE85F-159C-4B60-8A08-A3ACDBD2D7DE}"/>
                   </a:ext>
                   <a:ext uri="{C183D7F6-B498-43B3-948B-1728B52AA6E4}">
-                    <adec:decorative xmlns:adec="http://schemas.microsoft.com/office/drawing/2017/decorative" val="1"/>
+                    <adec:decorative xmlns:adec="http://schemas.microsoft.com/office/drawing/2017/decorative" xmlns="" val="1"/>
                   </a:ext>
                 </a:extLst>
               </p:cNvPr>
@@ -19896,7 +20086,7 @@
                     <a16:creationId xmlns:a16="http://schemas.microsoft.com/office/drawing/2014/main" id="{FB3349D3-C2DA-45BE-9717-A776BC6B7E5F}"/>
                   </a:ext>
                   <a:ext uri="{C183D7F6-B498-43B3-948B-1728B52AA6E4}">
-                    <adec:decorative xmlns:adec="http://schemas.microsoft.com/office/drawing/2017/decorative" val="1"/>
+                    <adec:decorative xmlns:adec="http://schemas.microsoft.com/office/drawing/2017/decorative" xmlns="" val="1"/>
                   </a:ext>
                 </a:extLst>
               </p:cNvPr>
@@ -19948,7 +20138,7 @@
                     <a16:creationId xmlns:a16="http://schemas.microsoft.com/office/drawing/2014/main" id="{781870DA-2192-46EB-B76E-EB1AAFA6D2C4}"/>
                   </a:ext>
                   <a:ext uri="{C183D7F6-B498-43B3-948B-1728B52AA6E4}">
-                    <adec:decorative xmlns:adec="http://schemas.microsoft.com/office/drawing/2017/decorative" val="1"/>
+                    <adec:decorative xmlns:adec="http://schemas.microsoft.com/office/drawing/2017/decorative" xmlns="" val="1"/>
                   </a:ext>
                 </a:extLst>
               </p:cNvPr>
@@ -20000,7 +20190,7 @@
                     <a16:creationId xmlns:a16="http://schemas.microsoft.com/office/drawing/2014/main" id="{F83A305A-F7F0-46D2-B0E6-E906A123BB36}"/>
                   </a:ext>
                   <a:ext uri="{C183D7F6-B498-43B3-948B-1728B52AA6E4}">
-                    <adec:decorative xmlns:adec="http://schemas.microsoft.com/office/drawing/2017/decorative" val="1"/>
+                    <adec:decorative xmlns:adec="http://schemas.microsoft.com/office/drawing/2017/decorative" xmlns="" val="1"/>
                   </a:ext>
                 </a:extLst>
               </p:cNvPr>
@@ -20052,7 +20242,7 @@
                     <a16:creationId xmlns:a16="http://schemas.microsoft.com/office/drawing/2014/main" id="{3F4BB300-3986-4043-B060-27240D0CDC7B}"/>
                   </a:ext>
                   <a:ext uri="{C183D7F6-B498-43B3-948B-1728B52AA6E4}">
-                    <adec:decorative xmlns:adec="http://schemas.microsoft.com/office/drawing/2017/decorative" val="1"/>
+                    <adec:decorative xmlns:adec="http://schemas.microsoft.com/office/drawing/2017/decorative" xmlns="" val="1"/>
                   </a:ext>
                 </a:extLst>
               </p:cNvPr>
@@ -20104,7 +20294,7 @@
                     <a16:creationId xmlns:a16="http://schemas.microsoft.com/office/drawing/2014/main" id="{95745E93-345E-432F-AD52-FCD5FF59F054}"/>
                   </a:ext>
                   <a:ext uri="{C183D7F6-B498-43B3-948B-1728B52AA6E4}">
-                    <adec:decorative xmlns:adec="http://schemas.microsoft.com/office/drawing/2017/decorative" val="1"/>
+                    <adec:decorative xmlns:adec="http://schemas.microsoft.com/office/drawing/2017/decorative" xmlns="" val="1"/>
                   </a:ext>
                 </a:extLst>
               </p:cNvPr>
@@ -20156,7 +20346,7 @@
                     <a16:creationId xmlns:a16="http://schemas.microsoft.com/office/drawing/2014/main" id="{7E2891DD-5BA2-4B74-9434-FD271E58D04F}"/>
                   </a:ext>
                   <a:ext uri="{C183D7F6-B498-43B3-948B-1728B52AA6E4}">
-                    <adec:decorative xmlns:adec="http://schemas.microsoft.com/office/drawing/2017/decorative" val="1"/>
+                    <adec:decorative xmlns:adec="http://schemas.microsoft.com/office/drawing/2017/decorative" xmlns="" val="1"/>
                   </a:ext>
                 </a:extLst>
               </p:cNvPr>
@@ -20208,7 +20398,7 @@
                     <a16:creationId xmlns:a16="http://schemas.microsoft.com/office/drawing/2014/main" id="{7373AA69-CBF2-43B3-A665-D2C77305E20E}"/>
                   </a:ext>
                   <a:ext uri="{C183D7F6-B498-43B3-948B-1728B52AA6E4}">
-                    <adec:decorative xmlns:adec="http://schemas.microsoft.com/office/drawing/2017/decorative" val="1"/>
+                    <adec:decorative xmlns:adec="http://schemas.microsoft.com/office/drawing/2017/decorative" xmlns="" val="1"/>
                   </a:ext>
                 </a:extLst>
               </p:cNvPr>
@@ -20260,7 +20450,7 @@
                     <a16:creationId xmlns:a16="http://schemas.microsoft.com/office/drawing/2014/main" id="{96107AD0-2EFD-479C-8FA1-61DF7326C6AE}"/>
                   </a:ext>
                   <a:ext uri="{C183D7F6-B498-43B3-948B-1728B52AA6E4}">
-                    <adec:decorative xmlns:adec="http://schemas.microsoft.com/office/drawing/2017/decorative" val="1"/>
+                    <adec:decorative xmlns:adec="http://schemas.microsoft.com/office/drawing/2017/decorative" xmlns="" val="1"/>
                   </a:ext>
                 </a:extLst>
               </p:cNvPr>
@@ -20312,7 +20502,7 @@
                     <a16:creationId xmlns:a16="http://schemas.microsoft.com/office/drawing/2014/main" id="{4A9B72EB-A254-4582-BE69-9300E40BADF9}"/>
                   </a:ext>
                   <a:ext uri="{C183D7F6-B498-43B3-948B-1728B52AA6E4}">
-                    <adec:decorative xmlns:adec="http://schemas.microsoft.com/office/drawing/2017/decorative" val="1"/>
+                    <adec:decorative xmlns:adec="http://schemas.microsoft.com/office/drawing/2017/decorative" xmlns="" val="1"/>
                   </a:ext>
                 </a:extLst>
               </p:cNvPr>
@@ -20364,7 +20554,7 @@
                     <a16:creationId xmlns:a16="http://schemas.microsoft.com/office/drawing/2014/main" id="{5506B7E6-DABF-4E81-941B-FE26029FE8DB}"/>
                   </a:ext>
                   <a:ext uri="{C183D7F6-B498-43B3-948B-1728B52AA6E4}">
-                    <adec:decorative xmlns:adec="http://schemas.microsoft.com/office/drawing/2017/decorative" val="1"/>
+                    <adec:decorative xmlns:adec="http://schemas.microsoft.com/office/drawing/2017/decorative" xmlns="" val="1"/>
                   </a:ext>
                 </a:extLst>
               </p:cNvPr>
@@ -20416,7 +20606,7 @@
                     <a16:creationId xmlns:a16="http://schemas.microsoft.com/office/drawing/2014/main" id="{103DA953-47EE-4530-A284-E47FB9AF1645}"/>
                   </a:ext>
                   <a:ext uri="{C183D7F6-B498-43B3-948B-1728B52AA6E4}">
-                    <adec:decorative xmlns:adec="http://schemas.microsoft.com/office/drawing/2017/decorative" val="1"/>
+                    <adec:decorative xmlns:adec="http://schemas.microsoft.com/office/drawing/2017/decorative" xmlns="" val="1"/>
                   </a:ext>
                 </a:extLst>
               </p:cNvPr>
@@ -20468,7 +20658,7 @@
                     <a16:creationId xmlns:a16="http://schemas.microsoft.com/office/drawing/2014/main" id="{DE9762B8-668D-4A3C-B600-57EA2C7440EC}"/>
                   </a:ext>
                   <a:ext uri="{C183D7F6-B498-43B3-948B-1728B52AA6E4}">
-                    <adec:decorative xmlns:adec="http://schemas.microsoft.com/office/drawing/2017/decorative" val="1"/>
+                    <adec:decorative xmlns:adec="http://schemas.microsoft.com/office/drawing/2017/decorative" xmlns="" val="1"/>
                   </a:ext>
                 </a:extLst>
               </p:cNvPr>
@@ -20520,7 +20710,7 @@
                     <a16:creationId xmlns:a16="http://schemas.microsoft.com/office/drawing/2014/main" id="{43D041AC-6FF5-4DE6-9342-E5364FE6804D}"/>
                   </a:ext>
                   <a:ext uri="{C183D7F6-B498-43B3-948B-1728B52AA6E4}">
-                    <adec:decorative xmlns:adec="http://schemas.microsoft.com/office/drawing/2017/decorative" val="1"/>
+                    <adec:decorative xmlns:adec="http://schemas.microsoft.com/office/drawing/2017/decorative" xmlns="" val="1"/>
                   </a:ext>
                 </a:extLst>
               </p:cNvPr>
@@ -20572,7 +20762,7 @@
                     <a16:creationId xmlns:a16="http://schemas.microsoft.com/office/drawing/2014/main" id="{1FFF888A-DED6-4D8F-9D88-E039A4B87520}"/>
                   </a:ext>
                   <a:ext uri="{C183D7F6-B498-43B3-948B-1728B52AA6E4}">
-                    <adec:decorative xmlns:adec="http://schemas.microsoft.com/office/drawing/2017/decorative" val="1"/>
+                    <adec:decorative xmlns:adec="http://schemas.microsoft.com/office/drawing/2017/decorative" xmlns="" val="1"/>
                   </a:ext>
                 </a:extLst>
               </p:cNvPr>
@@ -20624,7 +20814,7 @@
                     <a16:creationId xmlns:a16="http://schemas.microsoft.com/office/drawing/2014/main" id="{A3B474AA-3B97-4813-89DE-216F7E72A490}"/>
                   </a:ext>
                   <a:ext uri="{C183D7F6-B498-43B3-948B-1728B52AA6E4}">
-                    <adec:decorative xmlns:adec="http://schemas.microsoft.com/office/drawing/2017/decorative" val="1"/>
+                    <adec:decorative xmlns:adec="http://schemas.microsoft.com/office/drawing/2017/decorative" xmlns="" val="1"/>
                   </a:ext>
                 </a:extLst>
               </p:cNvPr>
@@ -20676,7 +20866,7 @@
                     <a16:creationId xmlns:a16="http://schemas.microsoft.com/office/drawing/2014/main" id="{C1988317-8AAE-4C96-8E2D-545E216AF7EB}"/>
                   </a:ext>
                   <a:ext uri="{C183D7F6-B498-43B3-948B-1728B52AA6E4}">
-                    <adec:decorative xmlns:adec="http://schemas.microsoft.com/office/drawing/2017/decorative" val="1"/>
+                    <adec:decorative xmlns:adec="http://schemas.microsoft.com/office/drawing/2017/decorative" xmlns="" val="1"/>
                   </a:ext>
                 </a:extLst>
               </p:cNvPr>
@@ -20728,7 +20918,7 @@
                     <a16:creationId xmlns:a16="http://schemas.microsoft.com/office/drawing/2014/main" id="{141ACB58-E543-45BC-8106-729CAF7048A3}"/>
                   </a:ext>
                   <a:ext uri="{C183D7F6-B498-43B3-948B-1728B52AA6E4}">
-                    <adec:decorative xmlns:adec="http://schemas.microsoft.com/office/drawing/2017/decorative" val="1"/>
+                    <adec:decorative xmlns:adec="http://schemas.microsoft.com/office/drawing/2017/decorative" xmlns="" val="1"/>
                   </a:ext>
                 </a:extLst>
               </p:cNvPr>
@@ -20780,7 +20970,7 @@
                     <a16:creationId xmlns:a16="http://schemas.microsoft.com/office/drawing/2014/main" id="{FE33889B-CE49-4EBC-822C-BDCF171C994C}"/>
                   </a:ext>
                   <a:ext uri="{C183D7F6-B498-43B3-948B-1728B52AA6E4}">
-                    <adec:decorative xmlns:adec="http://schemas.microsoft.com/office/drawing/2017/decorative" val="1"/>
+                    <adec:decorative xmlns:adec="http://schemas.microsoft.com/office/drawing/2017/decorative" xmlns="" val="1"/>
                   </a:ext>
                 </a:extLst>
               </p:cNvPr>
@@ -20832,7 +21022,7 @@
                     <a16:creationId xmlns:a16="http://schemas.microsoft.com/office/drawing/2014/main" id="{AA6C5E1C-8526-432D-8CF0-6FAECD651CB7}"/>
                   </a:ext>
                   <a:ext uri="{C183D7F6-B498-43B3-948B-1728B52AA6E4}">
-                    <adec:decorative xmlns:adec="http://schemas.microsoft.com/office/drawing/2017/decorative" val="1"/>
+                    <adec:decorative xmlns:adec="http://schemas.microsoft.com/office/drawing/2017/decorative" xmlns="" val="1"/>
                   </a:ext>
                 </a:extLst>
               </p:cNvPr>
@@ -20884,7 +21074,7 @@
                     <a16:creationId xmlns:a16="http://schemas.microsoft.com/office/drawing/2014/main" id="{8C272B23-69A2-4EE2-9C62-DDEBD1DB2BBC}"/>
                   </a:ext>
                   <a:ext uri="{C183D7F6-B498-43B3-948B-1728B52AA6E4}">
-                    <adec:decorative xmlns:adec="http://schemas.microsoft.com/office/drawing/2017/decorative" val="1"/>
+                    <adec:decorative xmlns:adec="http://schemas.microsoft.com/office/drawing/2017/decorative" xmlns="" val="1"/>
                   </a:ext>
                 </a:extLst>
               </p:cNvPr>
@@ -20936,7 +21126,7 @@
                     <a16:creationId xmlns:a16="http://schemas.microsoft.com/office/drawing/2014/main" id="{98410610-AE50-4599-AB0D-6A20E889A4BE}"/>
                   </a:ext>
                   <a:ext uri="{C183D7F6-B498-43B3-948B-1728B52AA6E4}">
-                    <adec:decorative xmlns:adec="http://schemas.microsoft.com/office/drawing/2017/decorative" val="1"/>
+                    <adec:decorative xmlns:adec="http://schemas.microsoft.com/office/drawing/2017/decorative" xmlns="" val="1"/>
                   </a:ext>
                 </a:extLst>
               </p:cNvPr>
@@ -20988,7 +21178,7 @@
                     <a16:creationId xmlns:a16="http://schemas.microsoft.com/office/drawing/2014/main" id="{8CC4DA32-48D0-4DD7-A41B-1C5EB0257011}"/>
                   </a:ext>
                   <a:ext uri="{C183D7F6-B498-43B3-948B-1728B52AA6E4}">
-                    <adec:decorative xmlns:adec="http://schemas.microsoft.com/office/drawing/2017/decorative" val="1"/>
+                    <adec:decorative xmlns:adec="http://schemas.microsoft.com/office/drawing/2017/decorative" xmlns="" val="1"/>
                   </a:ext>
                 </a:extLst>
               </p:cNvPr>
@@ -21040,7 +21230,7 @@
                     <a16:creationId xmlns:a16="http://schemas.microsoft.com/office/drawing/2014/main" id="{5E49FDE3-835E-40E6-B182-DA35A1F451D9}"/>
                   </a:ext>
                   <a:ext uri="{C183D7F6-B498-43B3-948B-1728B52AA6E4}">
-                    <adec:decorative xmlns:adec="http://schemas.microsoft.com/office/drawing/2017/decorative" val="1"/>
+                    <adec:decorative xmlns:adec="http://schemas.microsoft.com/office/drawing/2017/decorative" xmlns="" val="1"/>
                   </a:ext>
                 </a:extLst>
               </p:cNvPr>
@@ -21092,7 +21282,7 @@
                     <a16:creationId xmlns:a16="http://schemas.microsoft.com/office/drawing/2014/main" id="{BE4C2F0B-066A-4085-847C-EE3969244F76}"/>
                   </a:ext>
                   <a:ext uri="{C183D7F6-B498-43B3-948B-1728B52AA6E4}">
-                    <adec:decorative xmlns:adec="http://schemas.microsoft.com/office/drawing/2017/decorative" val="1"/>
+                    <adec:decorative xmlns:adec="http://schemas.microsoft.com/office/drawing/2017/decorative" xmlns="" val="1"/>
                   </a:ext>
                 </a:extLst>
               </p:cNvPr>
@@ -21739,7 +21929,7 @@
                 <a16:creationId xmlns:a16="http://schemas.microsoft.com/office/drawing/2014/main" id="{056AA6D6-1643-44BA-A877-4F4CA45ABA00}"/>
               </a:ext>
               <a:ext uri="{C183D7F6-B498-43B3-948B-1728B52AA6E4}">
-                <adec:decorative xmlns:adec="http://schemas.microsoft.com/office/drawing/2017/decorative" val="1"/>
+                <adec:decorative xmlns:adec="http://schemas.microsoft.com/office/drawing/2017/decorative" xmlns="" val="1"/>
               </a:ext>
             </a:extLst>
           </p:cNvPr>
@@ -21770,7 +21960,7 @@
                   <a16:creationId xmlns:a16="http://schemas.microsoft.com/office/drawing/2014/main" id="{EB05E0E6-8DE5-449F-B92B-38CE020BF3DF}"/>
                 </a:ext>
                 <a:ext uri="{C183D7F6-B498-43B3-948B-1728B52AA6E4}">
-                  <adec:decorative xmlns:adec="http://schemas.microsoft.com/office/drawing/2017/decorative" val="1"/>
+                  <adec:decorative xmlns:adec="http://schemas.microsoft.com/office/drawing/2017/decorative" xmlns="" val="1"/>
                 </a:ext>
               </a:extLst>
             </p:cNvPr>
@@ -21960,7 +22150,7 @@
                   <a16:creationId xmlns:a16="http://schemas.microsoft.com/office/drawing/2014/main" id="{B5A6AF8B-7A85-4AB7-8305-001C69FAFD6B}"/>
                 </a:ext>
                 <a:ext uri="{C183D7F6-B498-43B3-948B-1728B52AA6E4}">
-                  <adec:decorative xmlns:adec="http://schemas.microsoft.com/office/drawing/2017/decorative" val="1"/>
+                  <adec:decorative xmlns:adec="http://schemas.microsoft.com/office/drawing/2017/decorative" xmlns="" val="1"/>
                 </a:ext>
               </a:extLst>
             </p:cNvPr>
@@ -21989,7 +22179,7 @@
                     <a16:creationId xmlns:a16="http://schemas.microsoft.com/office/drawing/2014/main" id="{C1E5E0CD-C8EF-4741-ADB0-196B2BDA848C}"/>
                   </a:ext>
                   <a:ext uri="{C183D7F6-B498-43B3-948B-1728B52AA6E4}">
-                    <adec:decorative xmlns:adec="http://schemas.microsoft.com/office/drawing/2017/decorative" val="1"/>
+                    <adec:decorative xmlns:adec="http://schemas.microsoft.com/office/drawing/2017/decorative" xmlns="" val="1"/>
                   </a:ext>
                 </a:extLst>
               </p:cNvPr>
@@ -22041,7 +22231,7 @@
                     <a16:creationId xmlns:a16="http://schemas.microsoft.com/office/drawing/2014/main" id="{BF3F22C5-6042-4720-B42B-57B67D07FA77}"/>
                   </a:ext>
                   <a:ext uri="{C183D7F6-B498-43B3-948B-1728B52AA6E4}">
-                    <adec:decorative xmlns:adec="http://schemas.microsoft.com/office/drawing/2017/decorative" val="1"/>
+                    <adec:decorative xmlns:adec="http://schemas.microsoft.com/office/drawing/2017/decorative" xmlns="" val="1"/>
                   </a:ext>
                 </a:extLst>
               </p:cNvPr>
@@ -22093,7 +22283,7 @@
                     <a16:creationId xmlns:a16="http://schemas.microsoft.com/office/drawing/2014/main" id="{E4A619AA-5C5E-485C-A637-DB844D457670}"/>
                   </a:ext>
                   <a:ext uri="{C183D7F6-B498-43B3-948B-1728B52AA6E4}">
-                    <adec:decorative xmlns:adec="http://schemas.microsoft.com/office/drawing/2017/decorative" val="1"/>
+                    <adec:decorative xmlns:adec="http://schemas.microsoft.com/office/drawing/2017/decorative" xmlns="" val="1"/>
                   </a:ext>
                 </a:extLst>
               </p:cNvPr>
@@ -22145,7 +22335,7 @@
                     <a16:creationId xmlns:a16="http://schemas.microsoft.com/office/drawing/2014/main" id="{8217A0CA-EAAA-415C-886C-DE3918CA9B1E}"/>
                   </a:ext>
                   <a:ext uri="{C183D7F6-B498-43B3-948B-1728B52AA6E4}">
-                    <adec:decorative xmlns:adec="http://schemas.microsoft.com/office/drawing/2017/decorative" val="1"/>
+                    <adec:decorative xmlns:adec="http://schemas.microsoft.com/office/drawing/2017/decorative" xmlns="" val="1"/>
                   </a:ext>
                 </a:extLst>
               </p:cNvPr>
@@ -22197,7 +22387,7 @@
                     <a16:creationId xmlns:a16="http://schemas.microsoft.com/office/drawing/2014/main" id="{14E5C0A1-DF8B-46D3-A4A6-0BC5E84F685A}"/>
                   </a:ext>
                   <a:ext uri="{C183D7F6-B498-43B3-948B-1728B52AA6E4}">
-                    <adec:decorative xmlns:adec="http://schemas.microsoft.com/office/drawing/2017/decorative" val="1"/>
+                    <adec:decorative xmlns:adec="http://schemas.microsoft.com/office/drawing/2017/decorative" xmlns="" val="1"/>
                   </a:ext>
                 </a:extLst>
               </p:cNvPr>
@@ -22249,7 +22439,7 @@
                     <a16:creationId xmlns:a16="http://schemas.microsoft.com/office/drawing/2014/main" id="{CACDB08A-379C-426D-AAC2-1C3D6DC324CD}"/>
                   </a:ext>
                   <a:ext uri="{C183D7F6-B498-43B3-948B-1728B52AA6E4}">
-                    <adec:decorative xmlns:adec="http://schemas.microsoft.com/office/drawing/2017/decorative" val="1"/>
+                    <adec:decorative xmlns:adec="http://schemas.microsoft.com/office/drawing/2017/decorative" xmlns="" val="1"/>
                   </a:ext>
                 </a:extLst>
               </p:cNvPr>
@@ -22301,7 +22491,7 @@
                     <a16:creationId xmlns:a16="http://schemas.microsoft.com/office/drawing/2014/main" id="{65ED02F8-D527-4ECD-B25D-7C737B0E81E3}"/>
                   </a:ext>
                   <a:ext uri="{C183D7F6-B498-43B3-948B-1728B52AA6E4}">
-                    <adec:decorative xmlns:adec="http://schemas.microsoft.com/office/drawing/2017/decorative" val="1"/>
+                    <adec:decorative xmlns:adec="http://schemas.microsoft.com/office/drawing/2017/decorative" xmlns="" val="1"/>
                   </a:ext>
                 </a:extLst>
               </p:cNvPr>
@@ -22353,7 +22543,7 @@
                     <a16:creationId xmlns:a16="http://schemas.microsoft.com/office/drawing/2014/main" id="{2345C3E9-1C38-4197-8F23-E1C54B7B00A4}"/>
                   </a:ext>
                   <a:ext uri="{C183D7F6-B498-43B3-948B-1728B52AA6E4}">
-                    <adec:decorative xmlns:adec="http://schemas.microsoft.com/office/drawing/2017/decorative" val="1"/>
+                    <adec:decorative xmlns:adec="http://schemas.microsoft.com/office/drawing/2017/decorative" xmlns="" val="1"/>
                   </a:ext>
                 </a:extLst>
               </p:cNvPr>
@@ -22405,7 +22595,7 @@
                     <a16:creationId xmlns:a16="http://schemas.microsoft.com/office/drawing/2014/main" id="{0FA98670-1FEB-44BD-8F33-BA68BA3B8004}"/>
                   </a:ext>
                   <a:ext uri="{C183D7F6-B498-43B3-948B-1728B52AA6E4}">
-                    <adec:decorative xmlns:adec="http://schemas.microsoft.com/office/drawing/2017/decorative" val="1"/>
+                    <adec:decorative xmlns:adec="http://schemas.microsoft.com/office/drawing/2017/decorative" xmlns="" val="1"/>
                   </a:ext>
                 </a:extLst>
               </p:cNvPr>
@@ -22457,7 +22647,7 @@
                     <a16:creationId xmlns:a16="http://schemas.microsoft.com/office/drawing/2014/main" id="{7C05A2E6-6095-4BBD-A7BF-CD269EF3861B}"/>
                   </a:ext>
                   <a:ext uri="{C183D7F6-B498-43B3-948B-1728B52AA6E4}">
-                    <adec:decorative xmlns:adec="http://schemas.microsoft.com/office/drawing/2017/decorative" val="1"/>
+                    <adec:decorative xmlns:adec="http://schemas.microsoft.com/office/drawing/2017/decorative" xmlns="" val="1"/>
                   </a:ext>
                 </a:extLst>
               </p:cNvPr>
@@ -22509,7 +22699,7 @@
                     <a16:creationId xmlns:a16="http://schemas.microsoft.com/office/drawing/2014/main" id="{76BEE80D-3DDD-4092-B235-958EBDDBAFCB}"/>
                   </a:ext>
                   <a:ext uri="{C183D7F6-B498-43B3-948B-1728B52AA6E4}">
-                    <adec:decorative xmlns:adec="http://schemas.microsoft.com/office/drawing/2017/decorative" val="1"/>
+                    <adec:decorative xmlns:adec="http://schemas.microsoft.com/office/drawing/2017/decorative" xmlns="" val="1"/>
                   </a:ext>
                 </a:extLst>
               </p:cNvPr>
@@ -22561,7 +22751,7 @@
                     <a16:creationId xmlns:a16="http://schemas.microsoft.com/office/drawing/2014/main" id="{3DEF509A-19D5-4196-B027-A6B26AD52AB8}"/>
                   </a:ext>
                   <a:ext uri="{C183D7F6-B498-43B3-948B-1728B52AA6E4}">
-                    <adec:decorative xmlns:adec="http://schemas.microsoft.com/office/drawing/2017/decorative" val="1"/>
+                    <adec:decorative xmlns:adec="http://schemas.microsoft.com/office/drawing/2017/decorative" xmlns="" val="1"/>
                   </a:ext>
                 </a:extLst>
               </p:cNvPr>
@@ -22613,7 +22803,7 @@
                     <a16:creationId xmlns:a16="http://schemas.microsoft.com/office/drawing/2014/main" id="{789B3C1A-6296-4B4A-829B-4A78F8BF3999}"/>
                   </a:ext>
                   <a:ext uri="{C183D7F6-B498-43B3-948B-1728B52AA6E4}">
-                    <adec:decorative xmlns:adec="http://schemas.microsoft.com/office/drawing/2017/decorative" val="1"/>
+                    <adec:decorative xmlns:adec="http://schemas.microsoft.com/office/drawing/2017/decorative" xmlns="" val="1"/>
                   </a:ext>
                 </a:extLst>
               </p:cNvPr>
@@ -22665,7 +22855,7 @@
                     <a16:creationId xmlns:a16="http://schemas.microsoft.com/office/drawing/2014/main" id="{E81C9B4D-BE99-409E-A5EB-2F58FFC10E38}"/>
                   </a:ext>
                   <a:ext uri="{C183D7F6-B498-43B3-948B-1728B52AA6E4}">
-                    <adec:decorative xmlns:adec="http://schemas.microsoft.com/office/drawing/2017/decorative" val="1"/>
+                    <adec:decorative xmlns:adec="http://schemas.microsoft.com/office/drawing/2017/decorative" xmlns="" val="1"/>
                   </a:ext>
                 </a:extLst>
               </p:cNvPr>
@@ -22717,7 +22907,7 @@
                     <a16:creationId xmlns:a16="http://schemas.microsoft.com/office/drawing/2014/main" id="{1E9863E5-0368-4A3C-A977-306FE08AE548}"/>
                   </a:ext>
                   <a:ext uri="{C183D7F6-B498-43B3-948B-1728B52AA6E4}">
-                    <adec:decorative xmlns:adec="http://schemas.microsoft.com/office/drawing/2017/decorative" val="1"/>
+                    <adec:decorative xmlns:adec="http://schemas.microsoft.com/office/drawing/2017/decorative" xmlns="" val="1"/>
                   </a:ext>
                 </a:extLst>
               </p:cNvPr>
@@ -22769,7 +22959,7 @@
                     <a16:creationId xmlns:a16="http://schemas.microsoft.com/office/drawing/2014/main" id="{33CBBF6B-3798-4F18-BDA9-C6D5F97C30C5}"/>
                   </a:ext>
                   <a:ext uri="{C183D7F6-B498-43B3-948B-1728B52AA6E4}">
-                    <adec:decorative xmlns:adec="http://schemas.microsoft.com/office/drawing/2017/decorative" val="1"/>
+                    <adec:decorative xmlns:adec="http://schemas.microsoft.com/office/drawing/2017/decorative" xmlns="" val="1"/>
                   </a:ext>
                 </a:extLst>
               </p:cNvPr>
@@ -22821,7 +23011,7 @@
                     <a16:creationId xmlns:a16="http://schemas.microsoft.com/office/drawing/2014/main" id="{74FFB692-413A-4CE6-A462-0C4306417EB2}"/>
                   </a:ext>
                   <a:ext uri="{C183D7F6-B498-43B3-948B-1728B52AA6E4}">
-                    <adec:decorative xmlns:adec="http://schemas.microsoft.com/office/drawing/2017/decorative" val="1"/>
+                    <adec:decorative xmlns:adec="http://schemas.microsoft.com/office/drawing/2017/decorative" xmlns="" val="1"/>
                   </a:ext>
                 </a:extLst>
               </p:cNvPr>
@@ -22873,7 +23063,7 @@
                     <a16:creationId xmlns:a16="http://schemas.microsoft.com/office/drawing/2014/main" id="{F50E3350-1C5C-4B7F-A7C8-D2FC6B0274DB}"/>
                   </a:ext>
                   <a:ext uri="{C183D7F6-B498-43B3-948B-1728B52AA6E4}">
-                    <adec:decorative xmlns:adec="http://schemas.microsoft.com/office/drawing/2017/decorative" val="1"/>
+                    <adec:decorative xmlns:adec="http://schemas.microsoft.com/office/drawing/2017/decorative" xmlns="" val="1"/>
                   </a:ext>
                 </a:extLst>
               </p:cNvPr>
@@ -22925,7 +23115,7 @@
                     <a16:creationId xmlns:a16="http://schemas.microsoft.com/office/drawing/2014/main" id="{8069DB81-44D7-4348-90E5-5B5F253B354D}"/>
                   </a:ext>
                   <a:ext uri="{C183D7F6-B498-43B3-948B-1728B52AA6E4}">
-                    <adec:decorative xmlns:adec="http://schemas.microsoft.com/office/drawing/2017/decorative" val="1"/>
+                    <adec:decorative xmlns:adec="http://schemas.microsoft.com/office/drawing/2017/decorative" xmlns="" val="1"/>
                   </a:ext>
                 </a:extLst>
               </p:cNvPr>
@@ -22977,7 +23167,7 @@
                     <a16:creationId xmlns:a16="http://schemas.microsoft.com/office/drawing/2014/main" id="{F5F34B78-9ED7-445D-9E2E-641CF2DE56B4}"/>
                   </a:ext>
                   <a:ext uri="{C183D7F6-B498-43B3-948B-1728B52AA6E4}">
-                    <adec:decorative xmlns:adec="http://schemas.microsoft.com/office/drawing/2017/decorative" val="1"/>
+                    <adec:decorative xmlns:adec="http://schemas.microsoft.com/office/drawing/2017/decorative" xmlns="" val="1"/>
                   </a:ext>
                 </a:extLst>
               </p:cNvPr>
@@ -23029,7 +23219,7 @@
                     <a16:creationId xmlns:a16="http://schemas.microsoft.com/office/drawing/2014/main" id="{4EE58818-717F-42AA-ABA3-030DB6D2EB42}"/>
                   </a:ext>
                   <a:ext uri="{C183D7F6-B498-43B3-948B-1728B52AA6E4}">
-                    <adec:decorative xmlns:adec="http://schemas.microsoft.com/office/drawing/2017/decorative" val="1"/>
+                    <adec:decorative xmlns:adec="http://schemas.microsoft.com/office/drawing/2017/decorative" xmlns="" val="1"/>
                   </a:ext>
                 </a:extLst>
               </p:cNvPr>
@@ -23081,7 +23271,7 @@
                     <a16:creationId xmlns:a16="http://schemas.microsoft.com/office/drawing/2014/main" id="{1544C6B7-9877-4EDA-B169-94EE18F164F9}"/>
                   </a:ext>
                   <a:ext uri="{C183D7F6-B498-43B3-948B-1728B52AA6E4}">
-                    <adec:decorative xmlns:adec="http://schemas.microsoft.com/office/drawing/2017/decorative" val="1"/>
+                    <adec:decorative xmlns:adec="http://schemas.microsoft.com/office/drawing/2017/decorative" xmlns="" val="1"/>
                   </a:ext>
                 </a:extLst>
               </p:cNvPr>
@@ -23133,7 +23323,7 @@
                     <a16:creationId xmlns:a16="http://schemas.microsoft.com/office/drawing/2014/main" id="{CEFC35AD-5598-4B97-968F-778AFC835A85}"/>
                   </a:ext>
                   <a:ext uri="{C183D7F6-B498-43B3-948B-1728B52AA6E4}">
-                    <adec:decorative xmlns:adec="http://schemas.microsoft.com/office/drawing/2017/decorative" val="1"/>
+                    <adec:decorative xmlns:adec="http://schemas.microsoft.com/office/drawing/2017/decorative" xmlns="" val="1"/>
                   </a:ext>
                 </a:extLst>
               </p:cNvPr>
@@ -23185,7 +23375,7 @@
                     <a16:creationId xmlns:a16="http://schemas.microsoft.com/office/drawing/2014/main" id="{476DD974-5A70-4E69-9A01-2738FE55FC2E}"/>
                   </a:ext>
                   <a:ext uri="{C183D7F6-B498-43B3-948B-1728B52AA6E4}">
-                    <adec:decorative xmlns:adec="http://schemas.microsoft.com/office/drawing/2017/decorative" val="1"/>
+                    <adec:decorative xmlns:adec="http://schemas.microsoft.com/office/drawing/2017/decorative" xmlns="" val="1"/>
                   </a:ext>
                 </a:extLst>
               </p:cNvPr>
@@ -23237,7 +23427,7 @@
                     <a16:creationId xmlns:a16="http://schemas.microsoft.com/office/drawing/2014/main" id="{106F0A81-E1FF-4FF8-A7CB-5AA0023E6C77}"/>
                   </a:ext>
                   <a:ext uri="{C183D7F6-B498-43B3-948B-1728B52AA6E4}">
-                    <adec:decorative xmlns:adec="http://schemas.microsoft.com/office/drawing/2017/decorative" val="1"/>
+                    <adec:decorative xmlns:adec="http://schemas.microsoft.com/office/drawing/2017/decorative" xmlns="" val="1"/>
                   </a:ext>
                 </a:extLst>
               </p:cNvPr>
@@ -23289,7 +23479,7 @@
                     <a16:creationId xmlns:a16="http://schemas.microsoft.com/office/drawing/2014/main" id="{4FE3AC23-26C0-42DE-83F7-609E1A97A5FD}"/>
                   </a:ext>
                   <a:ext uri="{C183D7F6-B498-43B3-948B-1728B52AA6E4}">
-                    <adec:decorative xmlns:adec="http://schemas.microsoft.com/office/drawing/2017/decorative" val="1"/>
+                    <adec:decorative xmlns:adec="http://schemas.microsoft.com/office/drawing/2017/decorative" xmlns="" val="1"/>
                   </a:ext>
                 </a:extLst>
               </p:cNvPr>
@@ -23341,7 +23531,7 @@
                     <a16:creationId xmlns:a16="http://schemas.microsoft.com/office/drawing/2014/main" id="{9CE73B47-BF44-491C-8C03-1662B0B396A1}"/>
                   </a:ext>
                   <a:ext uri="{C183D7F6-B498-43B3-948B-1728B52AA6E4}">
-                    <adec:decorative xmlns:adec="http://schemas.microsoft.com/office/drawing/2017/decorative" val="1"/>
+                    <adec:decorative xmlns:adec="http://schemas.microsoft.com/office/drawing/2017/decorative" xmlns="" val="1"/>
                   </a:ext>
                 </a:extLst>
               </p:cNvPr>
@@ -23393,7 +23583,7 @@
                     <a16:creationId xmlns:a16="http://schemas.microsoft.com/office/drawing/2014/main" id="{188CD3EB-439A-479C-A55C-E230135E5F00}"/>
                   </a:ext>
                   <a:ext uri="{C183D7F6-B498-43B3-948B-1728B52AA6E4}">
-                    <adec:decorative xmlns:adec="http://schemas.microsoft.com/office/drawing/2017/decorative" val="1"/>
+                    <adec:decorative xmlns:adec="http://schemas.microsoft.com/office/drawing/2017/decorative" xmlns="" val="1"/>
                   </a:ext>
                 </a:extLst>
               </p:cNvPr>
@@ -23445,7 +23635,7 @@
                     <a16:creationId xmlns:a16="http://schemas.microsoft.com/office/drawing/2014/main" id="{8CF8CF5D-E313-4A3C-AB85-65E824272722}"/>
                   </a:ext>
                   <a:ext uri="{C183D7F6-B498-43B3-948B-1728B52AA6E4}">
-                    <adec:decorative xmlns:adec="http://schemas.microsoft.com/office/drawing/2017/decorative" val="1"/>
+                    <adec:decorative xmlns:adec="http://schemas.microsoft.com/office/drawing/2017/decorative" xmlns="" val="1"/>
                   </a:ext>
                 </a:extLst>
               </p:cNvPr>
@@ -23497,7 +23687,7 @@
                     <a16:creationId xmlns:a16="http://schemas.microsoft.com/office/drawing/2014/main" id="{E20EAF0F-DE0F-4BCF-BC77-C0CB893A5064}"/>
                   </a:ext>
                   <a:ext uri="{C183D7F6-B498-43B3-948B-1728B52AA6E4}">
-                    <adec:decorative xmlns:adec="http://schemas.microsoft.com/office/drawing/2017/decorative" val="1"/>
+                    <adec:decorative xmlns:adec="http://schemas.microsoft.com/office/drawing/2017/decorative" xmlns="" val="1"/>
                   </a:ext>
                 </a:extLst>
               </p:cNvPr>
@@ -23549,7 +23739,7 @@
                     <a16:creationId xmlns:a16="http://schemas.microsoft.com/office/drawing/2014/main" id="{A74CDA3D-3B1C-4403-92D7-8B0BF227587E}"/>
                   </a:ext>
                   <a:ext uri="{C183D7F6-B498-43B3-948B-1728B52AA6E4}">
-                    <adec:decorative xmlns:adec="http://schemas.microsoft.com/office/drawing/2017/decorative" val="1"/>
+                    <adec:decorative xmlns:adec="http://schemas.microsoft.com/office/drawing/2017/decorative" xmlns="" val="1"/>
                   </a:ext>
                 </a:extLst>
               </p:cNvPr>
@@ -23601,7 +23791,7 @@
                     <a16:creationId xmlns:a16="http://schemas.microsoft.com/office/drawing/2014/main" id="{48DB9EBA-FA7C-454E-95A2-D9C646B390C5}"/>
                   </a:ext>
                   <a:ext uri="{C183D7F6-B498-43B3-948B-1728B52AA6E4}">
-                    <adec:decorative xmlns:adec="http://schemas.microsoft.com/office/drawing/2017/decorative" val="1"/>
+                    <adec:decorative xmlns:adec="http://schemas.microsoft.com/office/drawing/2017/decorative" xmlns="" val="1"/>
                   </a:ext>
                 </a:extLst>
               </p:cNvPr>
@@ -23653,7 +23843,7 @@
                     <a16:creationId xmlns:a16="http://schemas.microsoft.com/office/drawing/2014/main" id="{943CB40B-8089-4BD3-8E5F-F3EAFC25F513}"/>
                   </a:ext>
                   <a:ext uri="{C183D7F6-B498-43B3-948B-1728B52AA6E4}">
-                    <adec:decorative xmlns:adec="http://schemas.microsoft.com/office/drawing/2017/decorative" val="1"/>
+                    <adec:decorative xmlns:adec="http://schemas.microsoft.com/office/drawing/2017/decorative" xmlns="" val="1"/>
                   </a:ext>
                 </a:extLst>
               </p:cNvPr>
@@ -23705,7 +23895,7 @@
                     <a16:creationId xmlns:a16="http://schemas.microsoft.com/office/drawing/2014/main" id="{78C9E2EB-DBBE-4860-A052-3D6C653656E0}"/>
                   </a:ext>
                   <a:ext uri="{C183D7F6-B498-43B3-948B-1728B52AA6E4}">
-                    <adec:decorative xmlns:adec="http://schemas.microsoft.com/office/drawing/2017/decorative" val="1"/>
+                    <adec:decorative xmlns:adec="http://schemas.microsoft.com/office/drawing/2017/decorative" xmlns="" val="1"/>
                   </a:ext>
                 </a:extLst>
               </p:cNvPr>
@@ -23757,7 +23947,7 @@
                     <a16:creationId xmlns:a16="http://schemas.microsoft.com/office/drawing/2014/main" id="{5B4462FC-F753-4DDF-AF55-56CF1C45AC28}"/>
                   </a:ext>
                   <a:ext uri="{C183D7F6-B498-43B3-948B-1728B52AA6E4}">
-                    <adec:decorative xmlns:adec="http://schemas.microsoft.com/office/drawing/2017/decorative" val="1"/>
+                    <adec:decorative xmlns:adec="http://schemas.microsoft.com/office/drawing/2017/decorative" xmlns="" val="1"/>
                   </a:ext>
                 </a:extLst>
               </p:cNvPr>
@@ -23809,7 +23999,7 @@
                     <a16:creationId xmlns:a16="http://schemas.microsoft.com/office/drawing/2014/main" id="{44187A2E-F386-4CE1-8E82-14E81704A10F}"/>
                   </a:ext>
                   <a:ext uri="{C183D7F6-B498-43B3-948B-1728B52AA6E4}">
-                    <adec:decorative xmlns:adec="http://schemas.microsoft.com/office/drawing/2017/decorative" val="1"/>
+                    <adec:decorative xmlns:adec="http://schemas.microsoft.com/office/drawing/2017/decorative" xmlns="" val="1"/>
                   </a:ext>
                 </a:extLst>
               </p:cNvPr>
@@ -23861,7 +24051,7 @@
                     <a16:creationId xmlns:a16="http://schemas.microsoft.com/office/drawing/2014/main" id="{16584B90-DCE9-4A1F-8027-F622FC7433E2}"/>
                   </a:ext>
                   <a:ext uri="{C183D7F6-B498-43B3-948B-1728B52AA6E4}">
-                    <adec:decorative xmlns:adec="http://schemas.microsoft.com/office/drawing/2017/decorative" val="1"/>
+                    <adec:decorative xmlns:adec="http://schemas.microsoft.com/office/drawing/2017/decorative" xmlns="" val="1"/>
                   </a:ext>
                 </a:extLst>
               </p:cNvPr>
@@ -23913,7 +24103,7 @@
                     <a16:creationId xmlns:a16="http://schemas.microsoft.com/office/drawing/2014/main" id="{8C9978CA-58C3-4A80-B7A7-5959134E2747}"/>
                   </a:ext>
                   <a:ext uri="{C183D7F6-B498-43B3-948B-1728B52AA6E4}">
-                    <adec:decorative xmlns:adec="http://schemas.microsoft.com/office/drawing/2017/decorative" val="1"/>
+                    <adec:decorative xmlns:adec="http://schemas.microsoft.com/office/drawing/2017/decorative" xmlns="" val="1"/>
                   </a:ext>
                 </a:extLst>
               </p:cNvPr>
@@ -23965,7 +24155,7 @@
                     <a16:creationId xmlns:a16="http://schemas.microsoft.com/office/drawing/2014/main" id="{C35892F3-AAAB-43C8-B14E-9C99E21F0783}"/>
                   </a:ext>
                   <a:ext uri="{C183D7F6-B498-43B3-948B-1728B52AA6E4}">
-                    <adec:decorative xmlns:adec="http://schemas.microsoft.com/office/drawing/2017/decorative" val="1"/>
+                    <adec:decorative xmlns:adec="http://schemas.microsoft.com/office/drawing/2017/decorative" xmlns="" val="1"/>
                   </a:ext>
                 </a:extLst>
               </p:cNvPr>
@@ -24017,7 +24207,7 @@
                     <a16:creationId xmlns:a16="http://schemas.microsoft.com/office/drawing/2014/main" id="{2E2DF269-639E-46A8-8AD0-D5FEFC435356}"/>
                   </a:ext>
                   <a:ext uri="{C183D7F6-B498-43B3-948B-1728B52AA6E4}">
-                    <adec:decorative xmlns:adec="http://schemas.microsoft.com/office/drawing/2017/decorative" val="1"/>
+                    <adec:decorative xmlns:adec="http://schemas.microsoft.com/office/drawing/2017/decorative" xmlns="" val="1"/>
                   </a:ext>
                 </a:extLst>
               </p:cNvPr>
@@ -24069,7 +24259,7 @@
                     <a16:creationId xmlns:a16="http://schemas.microsoft.com/office/drawing/2014/main" id="{AFBE15EF-878D-4855-8175-CD7595E8E507}"/>
                   </a:ext>
                   <a:ext uri="{C183D7F6-B498-43B3-948B-1728B52AA6E4}">
-                    <adec:decorative xmlns:adec="http://schemas.microsoft.com/office/drawing/2017/decorative" val="1"/>
+                    <adec:decorative xmlns:adec="http://schemas.microsoft.com/office/drawing/2017/decorative" xmlns="" val="1"/>
                   </a:ext>
                 </a:extLst>
               </p:cNvPr>
@@ -24121,7 +24311,7 @@
                     <a16:creationId xmlns:a16="http://schemas.microsoft.com/office/drawing/2014/main" id="{5A221730-D520-4233-8B68-65B51B1CD6BD}"/>
                   </a:ext>
                   <a:ext uri="{C183D7F6-B498-43B3-948B-1728B52AA6E4}">
-                    <adec:decorative xmlns:adec="http://schemas.microsoft.com/office/drawing/2017/decorative" val="1"/>
+                    <adec:decorative xmlns:adec="http://schemas.microsoft.com/office/drawing/2017/decorative" xmlns="" val="1"/>
                   </a:ext>
                 </a:extLst>
               </p:cNvPr>
@@ -24173,7 +24363,7 @@
                     <a16:creationId xmlns:a16="http://schemas.microsoft.com/office/drawing/2014/main" id="{8AF1ABD0-247F-4C6C-9FE0-E7C78E296718}"/>
                   </a:ext>
                   <a:ext uri="{C183D7F6-B498-43B3-948B-1728B52AA6E4}">
-                    <adec:decorative xmlns:adec="http://schemas.microsoft.com/office/drawing/2017/decorative" val="1"/>
+                    <adec:decorative xmlns:adec="http://schemas.microsoft.com/office/drawing/2017/decorative" xmlns="" val="1"/>
                   </a:ext>
                 </a:extLst>
               </p:cNvPr>
@@ -24225,7 +24415,7 @@
                     <a16:creationId xmlns:a16="http://schemas.microsoft.com/office/drawing/2014/main" id="{65ECA1D9-3147-483B-9BE4-84C03E8A3891}"/>
                   </a:ext>
                   <a:ext uri="{C183D7F6-B498-43B3-948B-1728B52AA6E4}">
-                    <adec:decorative xmlns:adec="http://schemas.microsoft.com/office/drawing/2017/decorative" val="1"/>
+                    <adec:decorative xmlns:adec="http://schemas.microsoft.com/office/drawing/2017/decorative" xmlns="" val="1"/>
                   </a:ext>
                 </a:extLst>
               </p:cNvPr>
@@ -24277,7 +24467,7 @@
                     <a16:creationId xmlns:a16="http://schemas.microsoft.com/office/drawing/2014/main" id="{81EDE254-4D75-413B-A783-6EAE3482BC3D}"/>
                   </a:ext>
                   <a:ext uri="{C183D7F6-B498-43B3-948B-1728B52AA6E4}">
-                    <adec:decorative xmlns:adec="http://schemas.microsoft.com/office/drawing/2017/decorative" val="1"/>
+                    <adec:decorative xmlns:adec="http://schemas.microsoft.com/office/drawing/2017/decorative" xmlns="" val="1"/>
                   </a:ext>
                 </a:extLst>
               </p:cNvPr>
@@ -24329,7 +24519,7 @@
                     <a16:creationId xmlns:a16="http://schemas.microsoft.com/office/drawing/2014/main" id="{732D9008-CC75-44A0-AB2D-040A2819F2A4}"/>
                   </a:ext>
                   <a:ext uri="{C183D7F6-B498-43B3-948B-1728B52AA6E4}">
-                    <adec:decorative xmlns:adec="http://schemas.microsoft.com/office/drawing/2017/decorative" val="1"/>
+                    <adec:decorative xmlns:adec="http://schemas.microsoft.com/office/drawing/2017/decorative" xmlns="" val="1"/>
                   </a:ext>
                 </a:extLst>
               </p:cNvPr>
@@ -24381,7 +24571,7 @@
                     <a16:creationId xmlns:a16="http://schemas.microsoft.com/office/drawing/2014/main" id="{7887061E-9ADA-488E-A9CE-F6D6075CA21E}"/>
                   </a:ext>
                   <a:ext uri="{C183D7F6-B498-43B3-948B-1728B52AA6E4}">
-                    <adec:decorative xmlns:adec="http://schemas.microsoft.com/office/drawing/2017/decorative" val="1"/>
+                    <adec:decorative xmlns:adec="http://schemas.microsoft.com/office/drawing/2017/decorative" xmlns="" val="1"/>
                   </a:ext>
                 </a:extLst>
               </p:cNvPr>
@@ -24433,7 +24623,7 @@
                     <a16:creationId xmlns:a16="http://schemas.microsoft.com/office/drawing/2014/main" id="{5543C8FB-2345-4D4F-9DD5-5B5E2F7529B0}"/>
                   </a:ext>
                   <a:ext uri="{C183D7F6-B498-43B3-948B-1728B52AA6E4}">
-                    <adec:decorative xmlns:adec="http://schemas.microsoft.com/office/drawing/2017/decorative" val="1"/>
+                    <adec:decorative xmlns:adec="http://schemas.microsoft.com/office/drawing/2017/decorative" xmlns="" val="1"/>
                   </a:ext>
                 </a:extLst>
               </p:cNvPr>
@@ -24485,7 +24675,7 @@
                     <a16:creationId xmlns:a16="http://schemas.microsoft.com/office/drawing/2014/main" id="{9928EF7F-C9D2-4FF7-968B-AB0AA827BDB5}"/>
                   </a:ext>
                   <a:ext uri="{C183D7F6-B498-43B3-948B-1728B52AA6E4}">
-                    <adec:decorative xmlns:adec="http://schemas.microsoft.com/office/drawing/2017/decorative" val="1"/>
+                    <adec:decorative xmlns:adec="http://schemas.microsoft.com/office/drawing/2017/decorative" xmlns="" val="1"/>
                   </a:ext>
                 </a:extLst>
               </p:cNvPr>
@@ -24537,7 +24727,7 @@
                     <a16:creationId xmlns:a16="http://schemas.microsoft.com/office/drawing/2014/main" id="{693FDB05-86C5-49D9-A7AA-74F9DBCD39EF}"/>
                   </a:ext>
                   <a:ext uri="{C183D7F6-B498-43B3-948B-1728B52AA6E4}">
-                    <adec:decorative xmlns:adec="http://schemas.microsoft.com/office/drawing/2017/decorative" val="1"/>
+                    <adec:decorative xmlns:adec="http://schemas.microsoft.com/office/drawing/2017/decorative" xmlns="" val="1"/>
                   </a:ext>
                 </a:extLst>
               </p:cNvPr>
@@ -24589,7 +24779,7 @@
                     <a16:creationId xmlns:a16="http://schemas.microsoft.com/office/drawing/2014/main" id="{74DE9B38-5845-4424-8B03-820F0734938A}"/>
                   </a:ext>
                   <a:ext uri="{C183D7F6-B498-43B3-948B-1728B52AA6E4}">
-                    <adec:decorative xmlns:adec="http://schemas.microsoft.com/office/drawing/2017/decorative" val="1"/>
+                    <adec:decorative xmlns:adec="http://schemas.microsoft.com/office/drawing/2017/decorative" xmlns="" val="1"/>
                   </a:ext>
                 </a:extLst>
               </p:cNvPr>
@@ -24641,7 +24831,7 @@
                     <a16:creationId xmlns:a16="http://schemas.microsoft.com/office/drawing/2014/main" id="{0C9FB5EA-E865-4531-9803-0A8E0DAAF531}"/>
                   </a:ext>
                   <a:ext uri="{C183D7F6-B498-43B3-948B-1728B52AA6E4}">
-                    <adec:decorative xmlns:adec="http://schemas.microsoft.com/office/drawing/2017/decorative" val="1"/>
+                    <adec:decorative xmlns:adec="http://schemas.microsoft.com/office/drawing/2017/decorative" xmlns="" val="1"/>
                   </a:ext>
                 </a:extLst>
               </p:cNvPr>
@@ -24693,7 +24883,7 @@
                     <a16:creationId xmlns:a16="http://schemas.microsoft.com/office/drawing/2014/main" id="{1CDB9DF2-7C35-456C-809D-02246246A5B5}"/>
                   </a:ext>
                   <a:ext uri="{C183D7F6-B498-43B3-948B-1728B52AA6E4}">
-                    <adec:decorative xmlns:adec="http://schemas.microsoft.com/office/drawing/2017/decorative" val="1"/>
+                    <adec:decorative xmlns:adec="http://schemas.microsoft.com/office/drawing/2017/decorative" xmlns="" val="1"/>
                   </a:ext>
                 </a:extLst>
               </p:cNvPr>
@@ -24745,7 +24935,7 @@
                     <a16:creationId xmlns:a16="http://schemas.microsoft.com/office/drawing/2014/main" id="{403F6D0A-92AC-4B8D-B4B3-AB199B502F11}"/>
                   </a:ext>
                   <a:ext uri="{C183D7F6-B498-43B3-948B-1728B52AA6E4}">
-                    <adec:decorative xmlns:adec="http://schemas.microsoft.com/office/drawing/2017/decorative" val="1"/>
+                    <adec:decorative xmlns:adec="http://schemas.microsoft.com/office/drawing/2017/decorative" xmlns="" val="1"/>
                   </a:ext>
                 </a:extLst>
               </p:cNvPr>
@@ -24797,7 +24987,7 @@
                     <a16:creationId xmlns:a16="http://schemas.microsoft.com/office/drawing/2014/main" id="{0FB0C44F-8962-4F5C-97D4-2EB1EE5639D3}"/>
                   </a:ext>
                   <a:ext uri="{C183D7F6-B498-43B3-948B-1728B52AA6E4}">
-                    <adec:decorative xmlns:adec="http://schemas.microsoft.com/office/drawing/2017/decorative" val="1"/>
+                    <adec:decorative xmlns:adec="http://schemas.microsoft.com/office/drawing/2017/decorative" xmlns="" val="1"/>
                   </a:ext>
                 </a:extLst>
               </p:cNvPr>
@@ -24849,7 +25039,7 @@
                     <a16:creationId xmlns:a16="http://schemas.microsoft.com/office/drawing/2014/main" id="{C1CFD3EA-DF90-47B1-8D55-8791CBB54483}"/>
                   </a:ext>
                   <a:ext uri="{C183D7F6-B498-43B3-948B-1728B52AA6E4}">
-                    <adec:decorative xmlns:adec="http://schemas.microsoft.com/office/drawing/2017/decorative" val="1"/>
+                    <adec:decorative xmlns:adec="http://schemas.microsoft.com/office/drawing/2017/decorative" xmlns="" val="1"/>
                   </a:ext>
                 </a:extLst>
               </p:cNvPr>
@@ -24901,7 +25091,7 @@
                     <a16:creationId xmlns:a16="http://schemas.microsoft.com/office/drawing/2014/main" id="{093392F0-568E-41F5-9B8C-77725759B67C}"/>
                   </a:ext>
                   <a:ext uri="{C183D7F6-B498-43B3-948B-1728B52AA6E4}">
-                    <adec:decorative xmlns:adec="http://schemas.microsoft.com/office/drawing/2017/decorative" val="1"/>
+                    <adec:decorative xmlns:adec="http://schemas.microsoft.com/office/drawing/2017/decorative" xmlns="" val="1"/>
                   </a:ext>
                 </a:extLst>
               </p:cNvPr>
@@ -24953,7 +25143,7 @@
                     <a16:creationId xmlns:a16="http://schemas.microsoft.com/office/drawing/2014/main" id="{945F0702-F164-4151-87CC-BDC1D7A54AE0}"/>
                   </a:ext>
                   <a:ext uri="{C183D7F6-B498-43B3-948B-1728B52AA6E4}">
-                    <adec:decorative xmlns:adec="http://schemas.microsoft.com/office/drawing/2017/decorative" val="1"/>
+                    <adec:decorative xmlns:adec="http://schemas.microsoft.com/office/drawing/2017/decorative" xmlns="" val="1"/>
                   </a:ext>
                 </a:extLst>
               </p:cNvPr>
@@ -25005,7 +25195,7 @@
                     <a16:creationId xmlns:a16="http://schemas.microsoft.com/office/drawing/2014/main" id="{08743D70-8AFA-4E91-A2EF-794132871F1E}"/>
                   </a:ext>
                   <a:ext uri="{C183D7F6-B498-43B3-948B-1728B52AA6E4}">
-                    <adec:decorative xmlns:adec="http://schemas.microsoft.com/office/drawing/2017/decorative" val="1"/>
+                    <adec:decorative xmlns:adec="http://schemas.microsoft.com/office/drawing/2017/decorative" xmlns="" val="1"/>
                   </a:ext>
                 </a:extLst>
               </p:cNvPr>
@@ -25057,7 +25247,7 @@
                     <a16:creationId xmlns:a16="http://schemas.microsoft.com/office/drawing/2014/main" id="{4713367C-DDF7-4CCA-8CED-50FCD2284232}"/>
                   </a:ext>
                   <a:ext uri="{C183D7F6-B498-43B3-948B-1728B52AA6E4}">
-                    <adec:decorative xmlns:adec="http://schemas.microsoft.com/office/drawing/2017/decorative" val="1"/>
+                    <adec:decorative xmlns:adec="http://schemas.microsoft.com/office/drawing/2017/decorative" xmlns="" val="1"/>
                   </a:ext>
                 </a:extLst>
               </p:cNvPr>
@@ -25109,7 +25299,7 @@
                     <a16:creationId xmlns:a16="http://schemas.microsoft.com/office/drawing/2014/main" id="{C77298F9-6D40-467F-9C09-BC5AE3FE916D}"/>
                   </a:ext>
                   <a:ext uri="{C183D7F6-B498-43B3-948B-1728B52AA6E4}">
-                    <adec:decorative xmlns:adec="http://schemas.microsoft.com/office/drawing/2017/decorative" val="1"/>
+                    <adec:decorative xmlns:adec="http://schemas.microsoft.com/office/drawing/2017/decorative" xmlns="" val="1"/>
                   </a:ext>
                 </a:extLst>
               </p:cNvPr>
@@ -25161,7 +25351,7 @@
                     <a16:creationId xmlns:a16="http://schemas.microsoft.com/office/drawing/2014/main" id="{70EEA3E3-BB78-45D4-BAFF-C518F5F7537A}"/>
                   </a:ext>
                   <a:ext uri="{C183D7F6-B498-43B3-948B-1728B52AA6E4}">
-                    <adec:decorative xmlns:adec="http://schemas.microsoft.com/office/drawing/2017/decorative" val="1"/>
+                    <adec:decorative xmlns:adec="http://schemas.microsoft.com/office/drawing/2017/decorative" xmlns="" val="1"/>
                   </a:ext>
                 </a:extLst>
               </p:cNvPr>
@@ -25213,7 +25403,7 @@
                     <a16:creationId xmlns:a16="http://schemas.microsoft.com/office/drawing/2014/main" id="{21798955-6FF3-423E-BB60-CD0B1D18045D}"/>
                   </a:ext>
                   <a:ext uri="{C183D7F6-B498-43B3-948B-1728B52AA6E4}">
-                    <adec:decorative xmlns:adec="http://schemas.microsoft.com/office/drawing/2017/decorative" val="1"/>
+                    <adec:decorative xmlns:adec="http://schemas.microsoft.com/office/drawing/2017/decorative" xmlns="" val="1"/>
                   </a:ext>
                 </a:extLst>
               </p:cNvPr>
@@ -25265,7 +25455,7 @@
                     <a16:creationId xmlns:a16="http://schemas.microsoft.com/office/drawing/2014/main" id="{678EDA70-8326-4092-B6EE-7AA5E729DEEA}"/>
                   </a:ext>
                   <a:ext uri="{C183D7F6-B498-43B3-948B-1728B52AA6E4}">
-                    <adec:decorative xmlns:adec="http://schemas.microsoft.com/office/drawing/2017/decorative" val="1"/>
+                    <adec:decorative xmlns:adec="http://schemas.microsoft.com/office/drawing/2017/decorative" xmlns="" val="1"/>
                   </a:ext>
                 </a:extLst>
               </p:cNvPr>
@@ -25317,7 +25507,7 @@
                     <a16:creationId xmlns:a16="http://schemas.microsoft.com/office/drawing/2014/main" id="{9B359338-483D-400B-97D0-D78FD767DB45}"/>
                   </a:ext>
                   <a:ext uri="{C183D7F6-B498-43B3-948B-1728B52AA6E4}">
-                    <adec:decorative xmlns:adec="http://schemas.microsoft.com/office/drawing/2017/decorative" val="1"/>
+                    <adec:decorative xmlns:adec="http://schemas.microsoft.com/office/drawing/2017/decorative" xmlns="" val="1"/>
                   </a:ext>
                 </a:extLst>
               </p:cNvPr>
@@ -25369,7 +25559,7 @@
                     <a16:creationId xmlns:a16="http://schemas.microsoft.com/office/drawing/2014/main" id="{FC83602B-B1DD-4B40-8F56-85F3F17B58A6}"/>
                   </a:ext>
                   <a:ext uri="{C183D7F6-B498-43B3-948B-1728B52AA6E4}">
-                    <adec:decorative xmlns:adec="http://schemas.microsoft.com/office/drawing/2017/decorative" val="1"/>
+                    <adec:decorative xmlns:adec="http://schemas.microsoft.com/office/drawing/2017/decorative" xmlns="" val="1"/>
                   </a:ext>
                 </a:extLst>
               </p:cNvPr>
@@ -25421,7 +25611,7 @@
                     <a16:creationId xmlns:a16="http://schemas.microsoft.com/office/drawing/2014/main" id="{303D5316-B177-4774-8FA4-6DB342951B79}"/>
                   </a:ext>
                   <a:ext uri="{C183D7F6-B498-43B3-948B-1728B52AA6E4}">
-                    <adec:decorative xmlns:adec="http://schemas.microsoft.com/office/drawing/2017/decorative" val="1"/>
+                    <adec:decorative xmlns:adec="http://schemas.microsoft.com/office/drawing/2017/decorative" xmlns="" val="1"/>
                   </a:ext>
                 </a:extLst>
               </p:cNvPr>
@@ -25473,7 +25663,7 @@
                     <a16:creationId xmlns:a16="http://schemas.microsoft.com/office/drawing/2014/main" id="{D46A48B8-72F4-4A10-BD28-5034372F6B2B}"/>
                   </a:ext>
                   <a:ext uri="{C183D7F6-B498-43B3-948B-1728B52AA6E4}">
-                    <adec:decorative xmlns:adec="http://schemas.microsoft.com/office/drawing/2017/decorative" val="1"/>
+                    <adec:decorative xmlns:adec="http://schemas.microsoft.com/office/drawing/2017/decorative" xmlns="" val="1"/>
                   </a:ext>
                 </a:extLst>
               </p:cNvPr>
@@ -25525,7 +25715,7 @@
                     <a16:creationId xmlns:a16="http://schemas.microsoft.com/office/drawing/2014/main" id="{2FDC8A8E-ED0A-43B9-A63E-A2ABB78334AD}"/>
                   </a:ext>
                   <a:ext uri="{C183D7F6-B498-43B3-948B-1728B52AA6E4}">
-                    <adec:decorative xmlns:adec="http://schemas.microsoft.com/office/drawing/2017/decorative" val="1"/>
+                    <adec:decorative xmlns:adec="http://schemas.microsoft.com/office/drawing/2017/decorative" xmlns="" val="1"/>
                   </a:ext>
                 </a:extLst>
               </p:cNvPr>
@@ -25577,7 +25767,7 @@
                     <a16:creationId xmlns:a16="http://schemas.microsoft.com/office/drawing/2014/main" id="{10EFC5D7-A723-46CC-A70F-9305E73F815B}"/>
                   </a:ext>
                   <a:ext uri="{C183D7F6-B498-43B3-948B-1728B52AA6E4}">
-                    <adec:decorative xmlns:adec="http://schemas.microsoft.com/office/drawing/2017/decorative" val="1"/>
+                    <adec:decorative xmlns:adec="http://schemas.microsoft.com/office/drawing/2017/decorative" xmlns="" val="1"/>
                   </a:ext>
                 </a:extLst>
               </p:cNvPr>
@@ -25629,7 +25819,7 @@
                     <a16:creationId xmlns:a16="http://schemas.microsoft.com/office/drawing/2014/main" id="{57582486-B463-4836-94D3-374428A77C4B}"/>
                   </a:ext>
                   <a:ext uri="{C183D7F6-B498-43B3-948B-1728B52AA6E4}">
-                    <adec:decorative xmlns:adec="http://schemas.microsoft.com/office/drawing/2017/decorative" val="1"/>
+                    <adec:decorative xmlns:adec="http://schemas.microsoft.com/office/drawing/2017/decorative" xmlns="" val="1"/>
                   </a:ext>
                 </a:extLst>
               </p:cNvPr>
@@ -25681,7 +25871,7 @@
                     <a16:creationId xmlns:a16="http://schemas.microsoft.com/office/drawing/2014/main" id="{05810FAD-85A8-4B10-B8C7-B8F486C128DD}"/>
                   </a:ext>
                   <a:ext uri="{C183D7F6-B498-43B3-948B-1728B52AA6E4}">
-                    <adec:decorative xmlns:adec="http://schemas.microsoft.com/office/drawing/2017/decorative" val="1"/>
+                    <adec:decorative xmlns:adec="http://schemas.microsoft.com/office/drawing/2017/decorative" xmlns="" val="1"/>
                   </a:ext>
                 </a:extLst>
               </p:cNvPr>
@@ -25733,7 +25923,7 @@
                     <a16:creationId xmlns:a16="http://schemas.microsoft.com/office/drawing/2014/main" id="{2C1D8A25-AAC9-4F67-9E36-1F916AD9216B}"/>
                   </a:ext>
                   <a:ext uri="{C183D7F6-B498-43B3-948B-1728B52AA6E4}">
-                    <adec:decorative xmlns:adec="http://schemas.microsoft.com/office/drawing/2017/decorative" val="1"/>
+                    <adec:decorative xmlns:adec="http://schemas.microsoft.com/office/drawing/2017/decorative" xmlns="" val="1"/>
                   </a:ext>
                 </a:extLst>
               </p:cNvPr>
@@ -25785,7 +25975,7 @@
                     <a16:creationId xmlns:a16="http://schemas.microsoft.com/office/drawing/2014/main" id="{39CD1FF3-9A57-4AC0-B6A4-AF40B6F6906B}"/>
                   </a:ext>
                   <a:ext uri="{C183D7F6-B498-43B3-948B-1728B52AA6E4}">
-                    <adec:decorative xmlns:adec="http://schemas.microsoft.com/office/drawing/2017/decorative" val="1"/>
+                    <adec:decorative xmlns:adec="http://schemas.microsoft.com/office/drawing/2017/decorative" xmlns="" val="1"/>
                   </a:ext>
                 </a:extLst>
               </p:cNvPr>
@@ -25837,7 +26027,7 @@
                     <a16:creationId xmlns:a16="http://schemas.microsoft.com/office/drawing/2014/main" id="{2876D95D-E8E9-4C4B-97F4-BFA6B8B1DD2D}"/>
                   </a:ext>
                   <a:ext uri="{C183D7F6-B498-43B3-948B-1728B52AA6E4}">
-                    <adec:decorative xmlns:adec="http://schemas.microsoft.com/office/drawing/2017/decorative" val="1"/>
+                    <adec:decorative xmlns:adec="http://schemas.microsoft.com/office/drawing/2017/decorative" xmlns="" val="1"/>
                   </a:ext>
                 </a:extLst>
               </p:cNvPr>
@@ -25889,7 +26079,7 @@
                     <a16:creationId xmlns:a16="http://schemas.microsoft.com/office/drawing/2014/main" id="{E3E386B8-4AB7-4522-8BFB-098A89FF6314}"/>
                   </a:ext>
                   <a:ext uri="{C183D7F6-B498-43B3-948B-1728B52AA6E4}">
-                    <adec:decorative xmlns:adec="http://schemas.microsoft.com/office/drawing/2017/decorative" val="1"/>
+                    <adec:decorative xmlns:adec="http://schemas.microsoft.com/office/drawing/2017/decorative" xmlns="" val="1"/>
                   </a:ext>
                 </a:extLst>
               </p:cNvPr>
@@ -25941,7 +26131,7 @@
                     <a16:creationId xmlns:a16="http://schemas.microsoft.com/office/drawing/2014/main" id="{08F168C9-990C-4F28-B573-6776F8DABDEF}"/>
                   </a:ext>
                   <a:ext uri="{C183D7F6-B498-43B3-948B-1728B52AA6E4}">
-                    <adec:decorative xmlns:adec="http://schemas.microsoft.com/office/drawing/2017/decorative" val="1"/>
+                    <adec:decorative xmlns:adec="http://schemas.microsoft.com/office/drawing/2017/decorative" xmlns="" val="1"/>
                   </a:ext>
                 </a:extLst>
               </p:cNvPr>
@@ -25993,7 +26183,7 @@
                     <a16:creationId xmlns:a16="http://schemas.microsoft.com/office/drawing/2014/main" id="{33F1B77C-79FE-4D12-9EE5-39DFE99308A2}"/>
                   </a:ext>
                   <a:ext uri="{C183D7F6-B498-43B3-948B-1728B52AA6E4}">
-                    <adec:decorative xmlns:adec="http://schemas.microsoft.com/office/drawing/2017/decorative" val="1"/>
+                    <adec:decorative xmlns:adec="http://schemas.microsoft.com/office/drawing/2017/decorative" xmlns="" val="1"/>
                   </a:ext>
                 </a:extLst>
               </p:cNvPr>
@@ -26047,7 +26237,7 @@
                 <a16:creationId xmlns:a16="http://schemas.microsoft.com/office/drawing/2014/main" id="{D282CB72-2CDB-42BC-A8ED-72831BCCDA2B}"/>
               </a:ext>
               <a:ext uri="{C183D7F6-B498-43B3-948B-1728B52AA6E4}">
-                <adec:decorative xmlns:adec="http://schemas.microsoft.com/office/drawing/2017/decorative" val="1"/>
+                <adec:decorative xmlns:adec="http://schemas.microsoft.com/office/drawing/2017/decorative" xmlns="" val="1"/>
               </a:ext>
             </a:extLst>
           </p:cNvPr>
@@ -26078,7 +26268,7 @@
                   <a16:creationId xmlns:a16="http://schemas.microsoft.com/office/drawing/2014/main" id="{6AE46DE4-215D-40F9-8FEE-251D0E353CAA}"/>
                 </a:ext>
                 <a:ext uri="{C183D7F6-B498-43B3-948B-1728B52AA6E4}">
-                  <adec:decorative xmlns:adec="http://schemas.microsoft.com/office/drawing/2017/decorative" val="1"/>
+                  <adec:decorative xmlns:adec="http://schemas.microsoft.com/office/drawing/2017/decorative" xmlns="" val="1"/>
                 </a:ext>
               </a:extLst>
             </p:cNvPr>
@@ -26268,7 +26458,7 @@
                   <a16:creationId xmlns:a16="http://schemas.microsoft.com/office/drawing/2014/main" id="{B36A511B-6F39-4378-BFE0-85909D1F8C0F}"/>
                 </a:ext>
                 <a:ext uri="{C183D7F6-B498-43B3-948B-1728B52AA6E4}">
-                  <adec:decorative xmlns:adec="http://schemas.microsoft.com/office/drawing/2017/decorative" val="1"/>
+                  <adec:decorative xmlns:adec="http://schemas.microsoft.com/office/drawing/2017/decorative" xmlns="" val="1"/>
                 </a:ext>
               </a:extLst>
             </p:cNvPr>
@@ -26297,7 +26487,7 @@
                     <a16:creationId xmlns:a16="http://schemas.microsoft.com/office/drawing/2014/main" id="{C4363B20-537C-4060-B84C-0597212F6CC9}"/>
                   </a:ext>
                   <a:ext uri="{C183D7F6-B498-43B3-948B-1728B52AA6E4}">
-                    <adec:decorative xmlns:adec="http://schemas.microsoft.com/office/drawing/2017/decorative" val="1"/>
+                    <adec:decorative xmlns:adec="http://schemas.microsoft.com/office/drawing/2017/decorative" xmlns="" val="1"/>
                   </a:ext>
                 </a:extLst>
               </p:cNvPr>
@@ -26349,7 +26539,7 @@
                     <a16:creationId xmlns:a16="http://schemas.microsoft.com/office/drawing/2014/main" id="{3C9CF70A-424F-4E03-B267-FC1757B70653}"/>
                   </a:ext>
                   <a:ext uri="{C183D7F6-B498-43B3-948B-1728B52AA6E4}">
-                    <adec:decorative xmlns:adec="http://schemas.microsoft.com/office/drawing/2017/decorative" val="1"/>
+                    <adec:decorative xmlns:adec="http://schemas.microsoft.com/office/drawing/2017/decorative" xmlns="" val="1"/>
                   </a:ext>
                 </a:extLst>
               </p:cNvPr>
@@ -26401,7 +26591,7 @@
                     <a16:creationId xmlns:a16="http://schemas.microsoft.com/office/drawing/2014/main" id="{499FF88E-7E40-42AE-BF4B-9775C7CE04EC}"/>
                   </a:ext>
                   <a:ext uri="{C183D7F6-B498-43B3-948B-1728B52AA6E4}">
-                    <adec:decorative xmlns:adec="http://schemas.microsoft.com/office/drawing/2017/decorative" val="1"/>
+                    <adec:decorative xmlns:adec="http://schemas.microsoft.com/office/drawing/2017/decorative" xmlns="" val="1"/>
                   </a:ext>
                 </a:extLst>
               </p:cNvPr>
@@ -26453,7 +26643,7 @@
                     <a16:creationId xmlns:a16="http://schemas.microsoft.com/office/drawing/2014/main" id="{B2DE5F9B-DD17-4FB1-A4EE-7133EB2A653B}"/>
                   </a:ext>
                   <a:ext uri="{C183D7F6-B498-43B3-948B-1728B52AA6E4}">
-                    <adec:decorative xmlns:adec="http://schemas.microsoft.com/office/drawing/2017/decorative" val="1"/>
+                    <adec:decorative xmlns:adec="http://schemas.microsoft.com/office/drawing/2017/decorative" xmlns="" val="1"/>
                   </a:ext>
                 </a:extLst>
               </p:cNvPr>
@@ -26505,7 +26695,7 @@
                     <a16:creationId xmlns:a16="http://schemas.microsoft.com/office/drawing/2014/main" id="{A35C0419-8339-4116-A4A9-C200E666928A}"/>
                   </a:ext>
                   <a:ext uri="{C183D7F6-B498-43B3-948B-1728B52AA6E4}">
-                    <adec:decorative xmlns:adec="http://schemas.microsoft.com/office/drawing/2017/decorative" val="1"/>
+                    <adec:decorative xmlns:adec="http://schemas.microsoft.com/office/drawing/2017/decorative" xmlns="" val="1"/>
                   </a:ext>
                 </a:extLst>
               </p:cNvPr>
@@ -26557,7 +26747,7 @@
                     <a16:creationId xmlns:a16="http://schemas.microsoft.com/office/drawing/2014/main" id="{C9493C3D-700E-4D22-882C-689161274504}"/>
                   </a:ext>
                   <a:ext uri="{C183D7F6-B498-43B3-948B-1728B52AA6E4}">
-                    <adec:decorative xmlns:adec="http://schemas.microsoft.com/office/drawing/2017/decorative" val="1"/>
+                    <adec:decorative xmlns:adec="http://schemas.microsoft.com/office/drawing/2017/decorative" xmlns="" val="1"/>
                   </a:ext>
                 </a:extLst>
               </p:cNvPr>
@@ -26609,7 +26799,7 @@
                     <a16:creationId xmlns:a16="http://schemas.microsoft.com/office/drawing/2014/main" id="{89F2605A-D03A-408D-BD09-2977D7569034}"/>
                   </a:ext>
                   <a:ext uri="{C183D7F6-B498-43B3-948B-1728B52AA6E4}">
-                    <adec:decorative xmlns:adec="http://schemas.microsoft.com/office/drawing/2017/decorative" val="1"/>
+                    <adec:decorative xmlns:adec="http://schemas.microsoft.com/office/drawing/2017/decorative" xmlns="" val="1"/>
                   </a:ext>
                 </a:extLst>
               </p:cNvPr>
@@ -26661,7 +26851,7 @@
                     <a16:creationId xmlns:a16="http://schemas.microsoft.com/office/drawing/2014/main" id="{261DF287-58DB-4C3D-9733-FDF74398993D}"/>
                   </a:ext>
                   <a:ext uri="{C183D7F6-B498-43B3-948B-1728B52AA6E4}">
-                    <adec:decorative xmlns:adec="http://schemas.microsoft.com/office/drawing/2017/decorative" val="1"/>
+                    <adec:decorative xmlns:adec="http://schemas.microsoft.com/office/drawing/2017/decorative" xmlns="" val="1"/>
                   </a:ext>
                 </a:extLst>
               </p:cNvPr>
@@ -26713,7 +26903,7 @@
                     <a16:creationId xmlns:a16="http://schemas.microsoft.com/office/drawing/2014/main" id="{7853230B-D26C-4EB2-A2A0-62316B4572B4}"/>
                   </a:ext>
                   <a:ext uri="{C183D7F6-B498-43B3-948B-1728B52AA6E4}">
-                    <adec:decorative xmlns:adec="http://schemas.microsoft.com/office/drawing/2017/decorative" val="1"/>
+                    <adec:decorative xmlns:adec="http://schemas.microsoft.com/office/drawing/2017/decorative" xmlns="" val="1"/>
                   </a:ext>
                 </a:extLst>
               </p:cNvPr>
@@ -26765,7 +26955,7 @@
                     <a16:creationId xmlns:a16="http://schemas.microsoft.com/office/drawing/2014/main" id="{44462623-FE75-4CD8-AF9B-22DE645890AD}"/>
                   </a:ext>
                   <a:ext uri="{C183D7F6-B498-43B3-948B-1728B52AA6E4}">
-                    <adec:decorative xmlns:adec="http://schemas.microsoft.com/office/drawing/2017/decorative" val="1"/>
+                    <adec:decorative xmlns:adec="http://schemas.microsoft.com/office/drawing/2017/decorative" xmlns="" val="1"/>
                   </a:ext>
                 </a:extLst>
               </p:cNvPr>
@@ -26817,7 +27007,7 @@
                     <a16:creationId xmlns:a16="http://schemas.microsoft.com/office/drawing/2014/main" id="{C438A4B8-39EA-46D8-8218-317E1FC8B088}"/>
                   </a:ext>
                   <a:ext uri="{C183D7F6-B498-43B3-948B-1728B52AA6E4}">
-                    <adec:decorative xmlns:adec="http://schemas.microsoft.com/office/drawing/2017/decorative" val="1"/>
+                    <adec:decorative xmlns:adec="http://schemas.microsoft.com/office/drawing/2017/decorative" xmlns="" val="1"/>
                   </a:ext>
                 </a:extLst>
               </p:cNvPr>
@@ -26869,7 +27059,7 @@
                     <a16:creationId xmlns:a16="http://schemas.microsoft.com/office/drawing/2014/main" id="{FA24B522-3D1F-4BA3-A954-6E53DEFAD8E0}"/>
                   </a:ext>
                   <a:ext uri="{C183D7F6-B498-43B3-948B-1728B52AA6E4}">
-                    <adec:decorative xmlns:adec="http://schemas.microsoft.com/office/drawing/2017/decorative" val="1"/>
+                    <adec:decorative xmlns:adec="http://schemas.microsoft.com/office/drawing/2017/decorative" xmlns="" val="1"/>
                   </a:ext>
                 </a:extLst>
               </p:cNvPr>
@@ -26921,7 +27111,7 @@
                     <a16:creationId xmlns:a16="http://schemas.microsoft.com/office/drawing/2014/main" id="{B95C6EDD-AA61-43F6-AC00-AF5F37AA2A7C}"/>
                   </a:ext>
                   <a:ext uri="{C183D7F6-B498-43B3-948B-1728B52AA6E4}">
-                    <adec:decorative xmlns:adec="http://schemas.microsoft.com/office/drawing/2017/decorative" val="1"/>
+                    <adec:decorative xmlns:adec="http://schemas.microsoft.com/office/drawing/2017/decorative" xmlns="" val="1"/>
                   </a:ext>
                 </a:extLst>
               </p:cNvPr>
@@ -26973,7 +27163,7 @@
                     <a16:creationId xmlns:a16="http://schemas.microsoft.com/office/drawing/2014/main" id="{87C4D6C9-79C4-4F6C-88BD-E143E4EE67A5}"/>
                   </a:ext>
                   <a:ext uri="{C183D7F6-B498-43B3-948B-1728B52AA6E4}">
-                    <adec:decorative xmlns:adec="http://schemas.microsoft.com/office/drawing/2017/decorative" val="1"/>
+                    <adec:decorative xmlns:adec="http://schemas.microsoft.com/office/drawing/2017/decorative" xmlns="" val="1"/>
                   </a:ext>
                 </a:extLst>
               </p:cNvPr>
@@ -27025,7 +27215,7 @@
                     <a16:creationId xmlns:a16="http://schemas.microsoft.com/office/drawing/2014/main" id="{7412E279-820F-434F-9739-1EA3FACEE640}"/>
                   </a:ext>
                   <a:ext uri="{C183D7F6-B498-43B3-948B-1728B52AA6E4}">
-                    <adec:decorative xmlns:adec="http://schemas.microsoft.com/office/drawing/2017/decorative" val="1"/>
+                    <adec:decorative xmlns:adec="http://schemas.microsoft.com/office/drawing/2017/decorative" xmlns="" val="1"/>
                   </a:ext>
                 </a:extLst>
               </p:cNvPr>
@@ -27077,7 +27267,7 @@
                     <a16:creationId xmlns:a16="http://schemas.microsoft.com/office/drawing/2014/main" id="{F6D3E205-79C6-4C93-8DDB-A63D7C351270}"/>
                   </a:ext>
                   <a:ext uri="{C183D7F6-B498-43B3-948B-1728B52AA6E4}">
-                    <adec:decorative xmlns:adec="http://schemas.microsoft.com/office/drawing/2017/decorative" val="1"/>
+                    <adec:decorative xmlns:adec="http://schemas.microsoft.com/office/drawing/2017/decorative" xmlns="" val="1"/>
                   </a:ext>
                 </a:extLst>
               </p:cNvPr>
@@ -27129,7 +27319,7 @@
                     <a16:creationId xmlns:a16="http://schemas.microsoft.com/office/drawing/2014/main" id="{11072693-5C4B-4CE5-A5AD-CFF9A859B43F}"/>
                   </a:ext>
                   <a:ext uri="{C183D7F6-B498-43B3-948B-1728B52AA6E4}">
-                    <adec:decorative xmlns:adec="http://schemas.microsoft.com/office/drawing/2017/decorative" val="1"/>
+                    <adec:decorative xmlns:adec="http://schemas.microsoft.com/office/drawing/2017/decorative" xmlns="" val="1"/>
                   </a:ext>
                 </a:extLst>
               </p:cNvPr>
@@ -27181,7 +27371,7 @@
                     <a16:creationId xmlns:a16="http://schemas.microsoft.com/office/drawing/2014/main" id="{A871115B-BFCB-4C8F-AC06-E56654B44657}"/>
                   </a:ext>
                   <a:ext uri="{C183D7F6-B498-43B3-948B-1728B52AA6E4}">
-                    <adec:decorative xmlns:adec="http://schemas.microsoft.com/office/drawing/2017/decorative" val="1"/>
+                    <adec:decorative xmlns:adec="http://schemas.microsoft.com/office/drawing/2017/decorative" xmlns="" val="1"/>
                   </a:ext>
                 </a:extLst>
               </p:cNvPr>
@@ -27233,7 +27423,7 @@
                     <a16:creationId xmlns:a16="http://schemas.microsoft.com/office/drawing/2014/main" id="{F5D1448B-DA87-400E-B9EB-F841E40FCAB6}"/>
                   </a:ext>
                   <a:ext uri="{C183D7F6-B498-43B3-948B-1728B52AA6E4}">
-                    <adec:decorative xmlns:adec="http://schemas.microsoft.com/office/drawing/2017/decorative" val="1"/>
+                    <adec:decorative xmlns:adec="http://schemas.microsoft.com/office/drawing/2017/decorative" xmlns="" val="1"/>
                   </a:ext>
                 </a:extLst>
               </p:cNvPr>
@@ -27285,7 +27475,7 @@
                     <a16:creationId xmlns:a16="http://schemas.microsoft.com/office/drawing/2014/main" id="{3DB02678-AFD8-4298-832C-1FAAC15E7697}"/>
                   </a:ext>
                   <a:ext uri="{C183D7F6-B498-43B3-948B-1728B52AA6E4}">
-                    <adec:decorative xmlns:adec="http://schemas.microsoft.com/office/drawing/2017/decorative" val="1"/>
+                    <adec:decorative xmlns:adec="http://schemas.microsoft.com/office/drawing/2017/decorative" xmlns="" val="1"/>
                   </a:ext>
                 </a:extLst>
               </p:cNvPr>
@@ -27337,7 +27527,7 @@
                     <a16:creationId xmlns:a16="http://schemas.microsoft.com/office/drawing/2014/main" id="{E3448AB8-7DE3-4030-A07E-B6DAD7924E05}"/>
                   </a:ext>
                   <a:ext uri="{C183D7F6-B498-43B3-948B-1728B52AA6E4}">
-                    <adec:decorative xmlns:adec="http://schemas.microsoft.com/office/drawing/2017/decorative" val="1"/>
+                    <adec:decorative xmlns:adec="http://schemas.microsoft.com/office/drawing/2017/decorative" xmlns="" val="1"/>
                   </a:ext>
                 </a:extLst>
               </p:cNvPr>
@@ -27389,7 +27579,7 @@
                     <a16:creationId xmlns:a16="http://schemas.microsoft.com/office/drawing/2014/main" id="{AEA76B4A-2ADA-46F0-BF22-FA5FD6AF67DC}"/>
                   </a:ext>
                   <a:ext uri="{C183D7F6-B498-43B3-948B-1728B52AA6E4}">
-                    <adec:decorative xmlns:adec="http://schemas.microsoft.com/office/drawing/2017/decorative" val="1"/>
+                    <adec:decorative xmlns:adec="http://schemas.microsoft.com/office/drawing/2017/decorative" xmlns="" val="1"/>
                   </a:ext>
                 </a:extLst>
               </p:cNvPr>
@@ -27441,7 +27631,7 @@
                     <a16:creationId xmlns:a16="http://schemas.microsoft.com/office/drawing/2014/main" id="{77604E79-5CE5-4492-B068-BF3E6AA0FA2C}"/>
                   </a:ext>
                   <a:ext uri="{C183D7F6-B498-43B3-948B-1728B52AA6E4}">
-                    <adec:decorative xmlns:adec="http://schemas.microsoft.com/office/drawing/2017/decorative" val="1"/>
+                    <adec:decorative xmlns:adec="http://schemas.microsoft.com/office/drawing/2017/decorative" xmlns="" val="1"/>
                   </a:ext>
                 </a:extLst>
               </p:cNvPr>
@@ -27493,7 +27683,7 @@
                     <a16:creationId xmlns:a16="http://schemas.microsoft.com/office/drawing/2014/main" id="{5BCF3B64-C3BC-4B1D-AD14-A5316CFC0E3A}"/>
                   </a:ext>
                   <a:ext uri="{C183D7F6-B498-43B3-948B-1728B52AA6E4}">
-                    <adec:decorative xmlns:adec="http://schemas.microsoft.com/office/drawing/2017/decorative" val="1"/>
+                    <adec:decorative xmlns:adec="http://schemas.microsoft.com/office/drawing/2017/decorative" xmlns="" val="1"/>
                   </a:ext>
                 </a:extLst>
               </p:cNvPr>
@@ -27545,7 +27735,7 @@
                     <a16:creationId xmlns:a16="http://schemas.microsoft.com/office/drawing/2014/main" id="{0B0529B2-3997-448F-9B09-6164F7711762}"/>
                   </a:ext>
                   <a:ext uri="{C183D7F6-B498-43B3-948B-1728B52AA6E4}">
-                    <adec:decorative xmlns:adec="http://schemas.microsoft.com/office/drawing/2017/decorative" val="1"/>
+                    <adec:decorative xmlns:adec="http://schemas.microsoft.com/office/drawing/2017/decorative" xmlns="" val="1"/>
                   </a:ext>
                 </a:extLst>
               </p:cNvPr>
@@ -27597,7 +27787,7 @@
                     <a16:creationId xmlns:a16="http://schemas.microsoft.com/office/drawing/2014/main" id="{69CB6E0C-BBB7-4D3C-947D-C6AB56622DEB}"/>
                   </a:ext>
                   <a:ext uri="{C183D7F6-B498-43B3-948B-1728B52AA6E4}">
-                    <adec:decorative xmlns:adec="http://schemas.microsoft.com/office/drawing/2017/decorative" val="1"/>
+                    <adec:decorative xmlns:adec="http://schemas.microsoft.com/office/drawing/2017/decorative" xmlns="" val="1"/>
                   </a:ext>
                 </a:extLst>
               </p:cNvPr>
@@ -27649,7 +27839,7 @@
                     <a16:creationId xmlns:a16="http://schemas.microsoft.com/office/drawing/2014/main" id="{251DC9A1-E549-47AA-8058-B43C08DDA1B8}"/>
                   </a:ext>
                   <a:ext uri="{C183D7F6-B498-43B3-948B-1728B52AA6E4}">
-                    <adec:decorative xmlns:adec="http://schemas.microsoft.com/office/drawing/2017/decorative" val="1"/>
+                    <adec:decorative xmlns:adec="http://schemas.microsoft.com/office/drawing/2017/decorative" xmlns="" val="1"/>
                   </a:ext>
                 </a:extLst>
               </p:cNvPr>
@@ -27701,7 +27891,7 @@
                     <a16:creationId xmlns:a16="http://schemas.microsoft.com/office/drawing/2014/main" id="{BD5DC895-4B0E-43F0-AEF8-63CF985EB5E9}"/>
                   </a:ext>
                   <a:ext uri="{C183D7F6-B498-43B3-948B-1728B52AA6E4}">
-                    <adec:decorative xmlns:adec="http://schemas.microsoft.com/office/drawing/2017/decorative" val="1"/>
+                    <adec:decorative xmlns:adec="http://schemas.microsoft.com/office/drawing/2017/decorative" xmlns="" val="1"/>
                   </a:ext>
                 </a:extLst>
               </p:cNvPr>
@@ -27753,7 +27943,7 @@
                     <a16:creationId xmlns:a16="http://schemas.microsoft.com/office/drawing/2014/main" id="{E128213C-AFBB-461D-AF47-FB6E94259F2B}"/>
                   </a:ext>
                   <a:ext uri="{C183D7F6-B498-43B3-948B-1728B52AA6E4}">
-                    <adec:decorative xmlns:adec="http://schemas.microsoft.com/office/drawing/2017/decorative" val="1"/>
+                    <adec:decorative xmlns:adec="http://schemas.microsoft.com/office/drawing/2017/decorative" xmlns="" val="1"/>
                   </a:ext>
                 </a:extLst>
               </p:cNvPr>
@@ -27805,7 +27995,7 @@
                     <a16:creationId xmlns:a16="http://schemas.microsoft.com/office/drawing/2014/main" id="{DF1CE852-FB44-4D3E-93E9-A2DB024CAD68}"/>
                   </a:ext>
                   <a:ext uri="{C183D7F6-B498-43B3-948B-1728B52AA6E4}">
-                    <adec:decorative xmlns:adec="http://schemas.microsoft.com/office/drawing/2017/decorative" val="1"/>
+                    <adec:decorative xmlns:adec="http://schemas.microsoft.com/office/drawing/2017/decorative" xmlns="" val="1"/>
                   </a:ext>
                 </a:extLst>
               </p:cNvPr>
@@ -27857,7 +28047,7 @@
                     <a16:creationId xmlns:a16="http://schemas.microsoft.com/office/drawing/2014/main" id="{DC08A973-DDD5-4B20-A9D9-35D0F40BE229}"/>
                   </a:ext>
                   <a:ext uri="{C183D7F6-B498-43B3-948B-1728B52AA6E4}">
-                    <adec:decorative xmlns:adec="http://schemas.microsoft.com/office/drawing/2017/decorative" val="1"/>
+                    <adec:decorative xmlns:adec="http://schemas.microsoft.com/office/drawing/2017/decorative" xmlns="" val="1"/>
                   </a:ext>
                 </a:extLst>
               </p:cNvPr>
@@ -27909,7 +28099,7 @@
                     <a16:creationId xmlns:a16="http://schemas.microsoft.com/office/drawing/2014/main" id="{DEAA7EBB-2741-4198-9B4A-E33C7485A9D1}"/>
                   </a:ext>
                   <a:ext uri="{C183D7F6-B498-43B3-948B-1728B52AA6E4}">
-                    <adec:decorative xmlns:adec="http://schemas.microsoft.com/office/drawing/2017/decorative" val="1"/>
+                    <adec:decorative xmlns:adec="http://schemas.microsoft.com/office/drawing/2017/decorative" xmlns="" val="1"/>
                   </a:ext>
                 </a:extLst>
               </p:cNvPr>
@@ -27961,7 +28151,7 @@
                     <a16:creationId xmlns:a16="http://schemas.microsoft.com/office/drawing/2014/main" id="{DF04A650-3F5A-40D7-8B49-386FA8EB21AB}"/>
                   </a:ext>
                   <a:ext uri="{C183D7F6-B498-43B3-948B-1728B52AA6E4}">
-                    <adec:decorative xmlns:adec="http://schemas.microsoft.com/office/drawing/2017/decorative" val="1"/>
+                    <adec:decorative xmlns:adec="http://schemas.microsoft.com/office/drawing/2017/decorative" xmlns="" val="1"/>
                   </a:ext>
                 </a:extLst>
               </p:cNvPr>
@@ -28013,7 +28203,7 @@
                     <a16:creationId xmlns:a16="http://schemas.microsoft.com/office/drawing/2014/main" id="{6B73B1BC-20E0-4D78-8E73-BE8E84D7C3DF}"/>
                   </a:ext>
                   <a:ext uri="{C183D7F6-B498-43B3-948B-1728B52AA6E4}">
-                    <adec:decorative xmlns:adec="http://schemas.microsoft.com/office/drawing/2017/decorative" val="1"/>
+                    <adec:decorative xmlns:adec="http://schemas.microsoft.com/office/drawing/2017/decorative" xmlns="" val="1"/>
                   </a:ext>
                 </a:extLst>
               </p:cNvPr>
@@ -28065,7 +28255,7 @@
                     <a16:creationId xmlns:a16="http://schemas.microsoft.com/office/drawing/2014/main" id="{456CDDE9-95A3-46F5-9CBE-38B93DAC421E}"/>
                   </a:ext>
                   <a:ext uri="{C183D7F6-B498-43B3-948B-1728B52AA6E4}">
-                    <adec:decorative xmlns:adec="http://schemas.microsoft.com/office/drawing/2017/decorative" val="1"/>
+                    <adec:decorative xmlns:adec="http://schemas.microsoft.com/office/drawing/2017/decorative" xmlns="" val="1"/>
                   </a:ext>
                 </a:extLst>
               </p:cNvPr>
@@ -28117,7 +28307,7 @@
                     <a16:creationId xmlns:a16="http://schemas.microsoft.com/office/drawing/2014/main" id="{9E20E263-DEE1-4EF6-A99A-5CF2572C0B06}"/>
                   </a:ext>
                   <a:ext uri="{C183D7F6-B498-43B3-948B-1728B52AA6E4}">
-                    <adec:decorative xmlns:adec="http://schemas.microsoft.com/office/drawing/2017/decorative" val="1"/>
+                    <adec:decorative xmlns:adec="http://schemas.microsoft.com/office/drawing/2017/decorative" xmlns="" val="1"/>
                   </a:ext>
                 </a:extLst>
               </p:cNvPr>
@@ -28169,7 +28359,7 @@
                     <a16:creationId xmlns:a16="http://schemas.microsoft.com/office/drawing/2014/main" id="{936E6B4B-6E9E-495C-B812-607D15F97172}"/>
                   </a:ext>
                   <a:ext uri="{C183D7F6-B498-43B3-948B-1728B52AA6E4}">
-                    <adec:decorative xmlns:adec="http://schemas.microsoft.com/office/drawing/2017/decorative" val="1"/>
+                    <adec:decorative xmlns:adec="http://schemas.microsoft.com/office/drawing/2017/decorative" xmlns="" val="1"/>
                   </a:ext>
                 </a:extLst>
               </p:cNvPr>
@@ -28221,7 +28411,7 @@
                     <a16:creationId xmlns:a16="http://schemas.microsoft.com/office/drawing/2014/main" id="{1BEA991A-5BBD-4A99-BFED-2F06A8C1E750}"/>
                   </a:ext>
                   <a:ext uri="{C183D7F6-B498-43B3-948B-1728B52AA6E4}">
-                    <adec:decorative xmlns:adec="http://schemas.microsoft.com/office/drawing/2017/decorative" val="1"/>
+                    <adec:decorative xmlns:adec="http://schemas.microsoft.com/office/drawing/2017/decorative" xmlns="" val="1"/>
                   </a:ext>
                 </a:extLst>
               </p:cNvPr>
@@ -28273,7 +28463,7 @@
                     <a16:creationId xmlns:a16="http://schemas.microsoft.com/office/drawing/2014/main" id="{70234511-FFD7-4073-8E37-EDDF78658D94}"/>
                   </a:ext>
                   <a:ext uri="{C183D7F6-B498-43B3-948B-1728B52AA6E4}">
-                    <adec:decorative xmlns:adec="http://schemas.microsoft.com/office/drawing/2017/decorative" val="1"/>
+                    <adec:decorative xmlns:adec="http://schemas.microsoft.com/office/drawing/2017/decorative" xmlns="" val="1"/>
                   </a:ext>
                 </a:extLst>
               </p:cNvPr>
@@ -28325,7 +28515,7 @@
                     <a16:creationId xmlns:a16="http://schemas.microsoft.com/office/drawing/2014/main" id="{2AB0903C-C4BA-4EE0-9C37-4035884439E5}"/>
                   </a:ext>
                   <a:ext uri="{C183D7F6-B498-43B3-948B-1728B52AA6E4}">
-                    <adec:decorative xmlns:adec="http://schemas.microsoft.com/office/drawing/2017/decorative" val="1"/>
+                    <adec:decorative xmlns:adec="http://schemas.microsoft.com/office/drawing/2017/decorative" xmlns="" val="1"/>
                   </a:ext>
                 </a:extLst>
               </p:cNvPr>
@@ -28377,7 +28567,7 @@
                     <a16:creationId xmlns:a16="http://schemas.microsoft.com/office/drawing/2014/main" id="{8FE78380-3995-4976-8CBC-E0D9D17E726D}"/>
                   </a:ext>
                   <a:ext uri="{C183D7F6-B498-43B3-948B-1728B52AA6E4}">
-                    <adec:decorative xmlns:adec="http://schemas.microsoft.com/office/drawing/2017/decorative" val="1"/>
+                    <adec:decorative xmlns:adec="http://schemas.microsoft.com/office/drawing/2017/decorative" xmlns="" val="1"/>
                   </a:ext>
                 </a:extLst>
               </p:cNvPr>
@@ -28429,7 +28619,7 @@
                     <a16:creationId xmlns:a16="http://schemas.microsoft.com/office/drawing/2014/main" id="{AC79C12A-3B41-422A-9080-DC278B9283AB}"/>
                   </a:ext>
                   <a:ext uri="{C183D7F6-B498-43B3-948B-1728B52AA6E4}">
-                    <adec:decorative xmlns:adec="http://schemas.microsoft.com/office/drawing/2017/decorative" val="1"/>
+                    <adec:decorative xmlns:adec="http://schemas.microsoft.com/office/drawing/2017/decorative" xmlns="" val="1"/>
                   </a:ext>
                 </a:extLst>
               </p:cNvPr>
@@ -28481,7 +28671,7 @@
                     <a16:creationId xmlns:a16="http://schemas.microsoft.com/office/drawing/2014/main" id="{79EAC6D6-1793-43CF-AD89-2C34BEBCA027}"/>
                   </a:ext>
                   <a:ext uri="{C183D7F6-B498-43B3-948B-1728B52AA6E4}">
-                    <adec:decorative xmlns:adec="http://schemas.microsoft.com/office/drawing/2017/decorative" val="1"/>
+                    <adec:decorative xmlns:adec="http://schemas.microsoft.com/office/drawing/2017/decorative" xmlns="" val="1"/>
                   </a:ext>
                 </a:extLst>
               </p:cNvPr>
@@ -28533,7 +28723,7 @@
                     <a16:creationId xmlns:a16="http://schemas.microsoft.com/office/drawing/2014/main" id="{9E5122D9-168D-42C8-A7B1-D15347817CFF}"/>
                   </a:ext>
                   <a:ext uri="{C183D7F6-B498-43B3-948B-1728B52AA6E4}">
-                    <adec:decorative xmlns:adec="http://schemas.microsoft.com/office/drawing/2017/decorative" val="1"/>
+                    <adec:decorative xmlns:adec="http://schemas.microsoft.com/office/drawing/2017/decorative" xmlns="" val="1"/>
                   </a:ext>
                 </a:extLst>
               </p:cNvPr>
@@ -28585,7 +28775,7 @@
                     <a16:creationId xmlns:a16="http://schemas.microsoft.com/office/drawing/2014/main" id="{6D15531C-A1FE-40E8-A595-516EECD14F93}"/>
                   </a:ext>
                   <a:ext uri="{C183D7F6-B498-43B3-948B-1728B52AA6E4}">
-                    <adec:decorative xmlns:adec="http://schemas.microsoft.com/office/drawing/2017/decorative" val="1"/>
+                    <adec:decorative xmlns:adec="http://schemas.microsoft.com/office/drawing/2017/decorative" xmlns="" val="1"/>
                   </a:ext>
                 </a:extLst>
               </p:cNvPr>
@@ -28637,7 +28827,7 @@
                     <a16:creationId xmlns:a16="http://schemas.microsoft.com/office/drawing/2014/main" id="{C269AE19-E6E0-41F7-AD0E-84C55FC8FEA6}"/>
                   </a:ext>
                   <a:ext uri="{C183D7F6-B498-43B3-948B-1728B52AA6E4}">
-                    <adec:decorative xmlns:adec="http://schemas.microsoft.com/office/drawing/2017/decorative" val="1"/>
+                    <adec:decorative xmlns:adec="http://schemas.microsoft.com/office/drawing/2017/decorative" xmlns="" val="1"/>
                   </a:ext>
                 </a:extLst>
               </p:cNvPr>
@@ -28689,7 +28879,7 @@
                     <a16:creationId xmlns:a16="http://schemas.microsoft.com/office/drawing/2014/main" id="{2B3DFCCD-2308-4A84-9CCE-78DE111657AB}"/>
                   </a:ext>
                   <a:ext uri="{C183D7F6-B498-43B3-948B-1728B52AA6E4}">
-                    <adec:decorative xmlns:adec="http://schemas.microsoft.com/office/drawing/2017/decorative" val="1"/>
+                    <adec:decorative xmlns:adec="http://schemas.microsoft.com/office/drawing/2017/decorative" xmlns="" val="1"/>
                   </a:ext>
                 </a:extLst>
               </p:cNvPr>
@@ -28741,7 +28931,7 @@
                     <a16:creationId xmlns:a16="http://schemas.microsoft.com/office/drawing/2014/main" id="{4BF66770-F407-4C79-84B7-23B2F78A26BD}"/>
                   </a:ext>
                   <a:ext uri="{C183D7F6-B498-43B3-948B-1728B52AA6E4}">
-                    <adec:decorative xmlns:adec="http://schemas.microsoft.com/office/drawing/2017/decorative" val="1"/>
+                    <adec:decorative xmlns:adec="http://schemas.microsoft.com/office/drawing/2017/decorative" xmlns="" val="1"/>
                   </a:ext>
                 </a:extLst>
               </p:cNvPr>
@@ -28793,7 +28983,7 @@
                     <a16:creationId xmlns:a16="http://schemas.microsoft.com/office/drawing/2014/main" id="{46BBE3F7-4F6E-4EDC-A055-C55FCF97D33F}"/>
                   </a:ext>
                   <a:ext uri="{C183D7F6-B498-43B3-948B-1728B52AA6E4}">
-                    <adec:decorative xmlns:adec="http://schemas.microsoft.com/office/drawing/2017/decorative" val="1"/>
+                    <adec:decorative xmlns:adec="http://schemas.microsoft.com/office/drawing/2017/decorative" xmlns="" val="1"/>
                   </a:ext>
                 </a:extLst>
               </p:cNvPr>
@@ -28845,7 +29035,7 @@
                     <a16:creationId xmlns:a16="http://schemas.microsoft.com/office/drawing/2014/main" id="{68CA2FA0-8608-4F60-886F-58C8955B3971}"/>
                   </a:ext>
                   <a:ext uri="{C183D7F6-B498-43B3-948B-1728B52AA6E4}">
-                    <adec:decorative xmlns:adec="http://schemas.microsoft.com/office/drawing/2017/decorative" val="1"/>
+                    <adec:decorative xmlns:adec="http://schemas.microsoft.com/office/drawing/2017/decorative" xmlns="" val="1"/>
                   </a:ext>
                 </a:extLst>
               </p:cNvPr>
@@ -28897,7 +29087,7 @@
                     <a16:creationId xmlns:a16="http://schemas.microsoft.com/office/drawing/2014/main" id="{657C750F-CD4B-436E-8E41-8452ECA90893}"/>
                   </a:ext>
                   <a:ext uri="{C183D7F6-B498-43B3-948B-1728B52AA6E4}">
-                    <adec:decorative xmlns:adec="http://schemas.microsoft.com/office/drawing/2017/decorative" val="1"/>
+                    <adec:decorative xmlns:adec="http://schemas.microsoft.com/office/drawing/2017/decorative" xmlns="" val="1"/>
                   </a:ext>
                 </a:extLst>
               </p:cNvPr>
@@ -28949,7 +29139,7 @@
                     <a16:creationId xmlns:a16="http://schemas.microsoft.com/office/drawing/2014/main" id="{7C503172-0406-49D1-A974-0464F77DEA09}"/>
                   </a:ext>
                   <a:ext uri="{C183D7F6-B498-43B3-948B-1728B52AA6E4}">
-                    <adec:decorative xmlns:adec="http://schemas.microsoft.com/office/drawing/2017/decorative" val="1"/>
+                    <adec:decorative xmlns:adec="http://schemas.microsoft.com/office/drawing/2017/decorative" xmlns="" val="1"/>
                   </a:ext>
                 </a:extLst>
               </p:cNvPr>
@@ -29001,7 +29191,7 @@
                     <a16:creationId xmlns:a16="http://schemas.microsoft.com/office/drawing/2014/main" id="{E97B3CD0-1E51-4EC2-8ED4-9B9BAD622FF8}"/>
                   </a:ext>
                   <a:ext uri="{C183D7F6-B498-43B3-948B-1728B52AA6E4}">
-                    <adec:decorative xmlns:adec="http://schemas.microsoft.com/office/drawing/2017/decorative" val="1"/>
+                    <adec:decorative xmlns:adec="http://schemas.microsoft.com/office/drawing/2017/decorative" xmlns="" val="1"/>
                   </a:ext>
                 </a:extLst>
               </p:cNvPr>
@@ -29053,7 +29243,7 @@
                     <a16:creationId xmlns:a16="http://schemas.microsoft.com/office/drawing/2014/main" id="{A6FAE85F-159C-4B60-8A08-A3ACDBD2D7DE}"/>
                   </a:ext>
                   <a:ext uri="{C183D7F6-B498-43B3-948B-1728B52AA6E4}">
-                    <adec:decorative xmlns:adec="http://schemas.microsoft.com/office/drawing/2017/decorative" val="1"/>
+                    <adec:decorative xmlns:adec="http://schemas.microsoft.com/office/drawing/2017/decorative" xmlns="" val="1"/>
                   </a:ext>
                 </a:extLst>
               </p:cNvPr>
@@ -29105,7 +29295,7 @@
                     <a16:creationId xmlns:a16="http://schemas.microsoft.com/office/drawing/2014/main" id="{FB3349D3-C2DA-45BE-9717-A776BC6B7E5F}"/>
                   </a:ext>
                   <a:ext uri="{C183D7F6-B498-43B3-948B-1728B52AA6E4}">
-                    <adec:decorative xmlns:adec="http://schemas.microsoft.com/office/drawing/2017/decorative" val="1"/>
+                    <adec:decorative xmlns:adec="http://schemas.microsoft.com/office/drawing/2017/decorative" xmlns="" val="1"/>
                   </a:ext>
                 </a:extLst>
               </p:cNvPr>
@@ -29157,7 +29347,7 @@
                     <a16:creationId xmlns:a16="http://schemas.microsoft.com/office/drawing/2014/main" id="{781870DA-2192-46EB-B76E-EB1AAFA6D2C4}"/>
                   </a:ext>
                   <a:ext uri="{C183D7F6-B498-43B3-948B-1728B52AA6E4}">
-                    <adec:decorative xmlns:adec="http://schemas.microsoft.com/office/drawing/2017/decorative" val="1"/>
+                    <adec:decorative xmlns:adec="http://schemas.microsoft.com/office/drawing/2017/decorative" xmlns="" val="1"/>
                   </a:ext>
                 </a:extLst>
               </p:cNvPr>
@@ -29209,7 +29399,7 @@
                     <a16:creationId xmlns:a16="http://schemas.microsoft.com/office/drawing/2014/main" id="{F83A305A-F7F0-46D2-B0E6-E906A123BB36}"/>
                   </a:ext>
                   <a:ext uri="{C183D7F6-B498-43B3-948B-1728B52AA6E4}">
-                    <adec:decorative xmlns:adec="http://schemas.microsoft.com/office/drawing/2017/decorative" val="1"/>
+                    <adec:decorative xmlns:adec="http://schemas.microsoft.com/office/drawing/2017/decorative" xmlns="" val="1"/>
                   </a:ext>
                 </a:extLst>
               </p:cNvPr>
@@ -29261,7 +29451,7 @@
                     <a16:creationId xmlns:a16="http://schemas.microsoft.com/office/drawing/2014/main" id="{3F4BB300-3986-4043-B060-27240D0CDC7B}"/>
                   </a:ext>
                   <a:ext uri="{C183D7F6-B498-43B3-948B-1728B52AA6E4}">
-                    <adec:decorative xmlns:adec="http://schemas.microsoft.com/office/drawing/2017/decorative" val="1"/>
+                    <adec:decorative xmlns:adec="http://schemas.microsoft.com/office/drawing/2017/decorative" xmlns="" val="1"/>
                   </a:ext>
                 </a:extLst>
               </p:cNvPr>
@@ -29313,7 +29503,7 @@
                     <a16:creationId xmlns:a16="http://schemas.microsoft.com/office/drawing/2014/main" id="{95745E93-345E-432F-AD52-FCD5FF59F054}"/>
                   </a:ext>
                   <a:ext uri="{C183D7F6-B498-43B3-948B-1728B52AA6E4}">
-                    <adec:decorative xmlns:adec="http://schemas.microsoft.com/office/drawing/2017/decorative" val="1"/>
+                    <adec:decorative xmlns:adec="http://schemas.microsoft.com/office/drawing/2017/decorative" xmlns="" val="1"/>
                   </a:ext>
                 </a:extLst>
               </p:cNvPr>
@@ -29365,7 +29555,7 @@
                     <a16:creationId xmlns:a16="http://schemas.microsoft.com/office/drawing/2014/main" id="{7E2891DD-5BA2-4B74-9434-FD271E58D04F}"/>
                   </a:ext>
                   <a:ext uri="{C183D7F6-B498-43B3-948B-1728B52AA6E4}">
-                    <adec:decorative xmlns:adec="http://schemas.microsoft.com/office/drawing/2017/decorative" val="1"/>
+                    <adec:decorative xmlns:adec="http://schemas.microsoft.com/office/drawing/2017/decorative" xmlns="" val="1"/>
                   </a:ext>
                 </a:extLst>
               </p:cNvPr>
@@ -29417,7 +29607,7 @@
                     <a16:creationId xmlns:a16="http://schemas.microsoft.com/office/drawing/2014/main" id="{7373AA69-CBF2-43B3-A665-D2C77305E20E}"/>
                   </a:ext>
                   <a:ext uri="{C183D7F6-B498-43B3-948B-1728B52AA6E4}">
-                    <adec:decorative xmlns:adec="http://schemas.microsoft.com/office/drawing/2017/decorative" val="1"/>
+                    <adec:decorative xmlns:adec="http://schemas.microsoft.com/office/drawing/2017/decorative" xmlns="" val="1"/>
                   </a:ext>
                 </a:extLst>
               </p:cNvPr>
@@ -29469,7 +29659,7 @@
                     <a16:creationId xmlns:a16="http://schemas.microsoft.com/office/drawing/2014/main" id="{96107AD0-2EFD-479C-8FA1-61DF7326C6AE}"/>
                   </a:ext>
                   <a:ext uri="{C183D7F6-B498-43B3-948B-1728B52AA6E4}">
-                    <adec:decorative xmlns:adec="http://schemas.microsoft.com/office/drawing/2017/decorative" val="1"/>
+                    <adec:decorative xmlns:adec="http://schemas.microsoft.com/office/drawing/2017/decorative" xmlns="" val="1"/>
                   </a:ext>
                 </a:extLst>
               </p:cNvPr>
@@ -29521,7 +29711,7 @@
                     <a16:creationId xmlns:a16="http://schemas.microsoft.com/office/drawing/2014/main" id="{4A9B72EB-A254-4582-BE69-9300E40BADF9}"/>
                   </a:ext>
                   <a:ext uri="{C183D7F6-B498-43B3-948B-1728B52AA6E4}">
-                    <adec:decorative xmlns:adec="http://schemas.microsoft.com/office/drawing/2017/decorative" val="1"/>
+                    <adec:decorative xmlns:adec="http://schemas.microsoft.com/office/drawing/2017/decorative" xmlns="" val="1"/>
                   </a:ext>
                 </a:extLst>
               </p:cNvPr>
@@ -29573,7 +29763,7 @@
                     <a16:creationId xmlns:a16="http://schemas.microsoft.com/office/drawing/2014/main" id="{5506B7E6-DABF-4E81-941B-FE26029FE8DB}"/>
                   </a:ext>
                   <a:ext uri="{C183D7F6-B498-43B3-948B-1728B52AA6E4}">
-                    <adec:decorative xmlns:adec="http://schemas.microsoft.com/office/drawing/2017/decorative" val="1"/>
+                    <adec:decorative xmlns:adec="http://schemas.microsoft.com/office/drawing/2017/decorative" xmlns="" val="1"/>
                   </a:ext>
                 </a:extLst>
               </p:cNvPr>
@@ -29625,7 +29815,7 @@
                     <a16:creationId xmlns:a16="http://schemas.microsoft.com/office/drawing/2014/main" id="{103DA953-47EE-4530-A284-E47FB9AF1645}"/>
                   </a:ext>
                   <a:ext uri="{C183D7F6-B498-43B3-948B-1728B52AA6E4}">
-                    <adec:decorative xmlns:adec="http://schemas.microsoft.com/office/drawing/2017/decorative" val="1"/>
+                    <adec:decorative xmlns:adec="http://schemas.microsoft.com/office/drawing/2017/decorative" xmlns="" val="1"/>
                   </a:ext>
                 </a:extLst>
               </p:cNvPr>
@@ -29677,7 +29867,7 @@
                     <a16:creationId xmlns:a16="http://schemas.microsoft.com/office/drawing/2014/main" id="{DE9762B8-668D-4A3C-B600-57EA2C7440EC}"/>
                   </a:ext>
                   <a:ext uri="{C183D7F6-B498-43B3-948B-1728B52AA6E4}">
-                    <adec:decorative xmlns:adec="http://schemas.microsoft.com/office/drawing/2017/decorative" val="1"/>
+                    <adec:decorative xmlns:adec="http://schemas.microsoft.com/office/drawing/2017/decorative" xmlns="" val="1"/>
                   </a:ext>
                 </a:extLst>
               </p:cNvPr>
@@ -29729,7 +29919,7 @@
                     <a16:creationId xmlns:a16="http://schemas.microsoft.com/office/drawing/2014/main" id="{43D041AC-6FF5-4DE6-9342-E5364FE6804D}"/>
                   </a:ext>
                   <a:ext uri="{C183D7F6-B498-43B3-948B-1728B52AA6E4}">
-                    <adec:decorative xmlns:adec="http://schemas.microsoft.com/office/drawing/2017/decorative" val="1"/>
+                    <adec:decorative xmlns:adec="http://schemas.microsoft.com/office/drawing/2017/decorative" xmlns="" val="1"/>
                   </a:ext>
                 </a:extLst>
               </p:cNvPr>
@@ -29781,7 +29971,7 @@
                     <a16:creationId xmlns:a16="http://schemas.microsoft.com/office/drawing/2014/main" id="{1FFF888A-DED6-4D8F-9D88-E039A4B87520}"/>
                   </a:ext>
                   <a:ext uri="{C183D7F6-B498-43B3-948B-1728B52AA6E4}">
-                    <adec:decorative xmlns:adec="http://schemas.microsoft.com/office/drawing/2017/decorative" val="1"/>
+                    <adec:decorative xmlns:adec="http://schemas.microsoft.com/office/drawing/2017/decorative" xmlns="" val="1"/>
                   </a:ext>
                 </a:extLst>
               </p:cNvPr>
@@ -29833,7 +30023,7 @@
                     <a16:creationId xmlns:a16="http://schemas.microsoft.com/office/drawing/2014/main" id="{A3B474AA-3B97-4813-89DE-216F7E72A490}"/>
                   </a:ext>
                   <a:ext uri="{C183D7F6-B498-43B3-948B-1728B52AA6E4}">
-                    <adec:decorative xmlns:adec="http://schemas.microsoft.com/office/drawing/2017/decorative" val="1"/>
+                    <adec:decorative xmlns:adec="http://schemas.microsoft.com/office/drawing/2017/decorative" xmlns="" val="1"/>
                   </a:ext>
                 </a:extLst>
               </p:cNvPr>
@@ -29885,7 +30075,7 @@
                     <a16:creationId xmlns:a16="http://schemas.microsoft.com/office/drawing/2014/main" id="{C1988317-8AAE-4C96-8E2D-545E216AF7EB}"/>
                   </a:ext>
                   <a:ext uri="{C183D7F6-B498-43B3-948B-1728B52AA6E4}">
-                    <adec:decorative xmlns:adec="http://schemas.microsoft.com/office/drawing/2017/decorative" val="1"/>
+                    <adec:decorative xmlns:adec="http://schemas.microsoft.com/office/drawing/2017/decorative" xmlns="" val="1"/>
                   </a:ext>
                 </a:extLst>
               </p:cNvPr>
@@ -29937,7 +30127,7 @@
                     <a16:creationId xmlns:a16="http://schemas.microsoft.com/office/drawing/2014/main" id="{141ACB58-E543-45BC-8106-729CAF7048A3}"/>
                   </a:ext>
                   <a:ext uri="{C183D7F6-B498-43B3-948B-1728B52AA6E4}">
-                    <adec:decorative xmlns:adec="http://schemas.microsoft.com/office/drawing/2017/decorative" val="1"/>
+                    <adec:decorative xmlns:adec="http://schemas.microsoft.com/office/drawing/2017/decorative" xmlns="" val="1"/>
                   </a:ext>
                 </a:extLst>
               </p:cNvPr>
@@ -29989,7 +30179,7 @@
                     <a16:creationId xmlns:a16="http://schemas.microsoft.com/office/drawing/2014/main" id="{FE33889B-CE49-4EBC-822C-BDCF171C994C}"/>
                   </a:ext>
                   <a:ext uri="{C183D7F6-B498-43B3-948B-1728B52AA6E4}">
-                    <adec:decorative xmlns:adec="http://schemas.microsoft.com/office/drawing/2017/decorative" val="1"/>
+                    <adec:decorative xmlns:adec="http://schemas.microsoft.com/office/drawing/2017/decorative" xmlns="" val="1"/>
                   </a:ext>
                 </a:extLst>
               </p:cNvPr>
@@ -30041,7 +30231,7 @@
                     <a16:creationId xmlns:a16="http://schemas.microsoft.com/office/drawing/2014/main" id="{AA6C5E1C-8526-432D-8CF0-6FAECD651CB7}"/>
                   </a:ext>
                   <a:ext uri="{C183D7F6-B498-43B3-948B-1728B52AA6E4}">
-                    <adec:decorative xmlns:adec="http://schemas.microsoft.com/office/drawing/2017/decorative" val="1"/>
+                    <adec:decorative xmlns:adec="http://schemas.microsoft.com/office/drawing/2017/decorative" xmlns="" val="1"/>
                   </a:ext>
                 </a:extLst>
               </p:cNvPr>
@@ -30093,7 +30283,7 @@
                     <a16:creationId xmlns:a16="http://schemas.microsoft.com/office/drawing/2014/main" id="{8C272B23-69A2-4EE2-9C62-DDEBD1DB2BBC}"/>
                   </a:ext>
                   <a:ext uri="{C183D7F6-B498-43B3-948B-1728B52AA6E4}">
-                    <adec:decorative xmlns:adec="http://schemas.microsoft.com/office/drawing/2017/decorative" val="1"/>
+                    <adec:decorative xmlns:adec="http://schemas.microsoft.com/office/drawing/2017/decorative" xmlns="" val="1"/>
                   </a:ext>
                 </a:extLst>
               </p:cNvPr>
@@ -30145,7 +30335,7 @@
                     <a16:creationId xmlns:a16="http://schemas.microsoft.com/office/drawing/2014/main" id="{98410610-AE50-4599-AB0D-6A20E889A4BE}"/>
                   </a:ext>
                   <a:ext uri="{C183D7F6-B498-43B3-948B-1728B52AA6E4}">
-                    <adec:decorative xmlns:adec="http://schemas.microsoft.com/office/drawing/2017/decorative" val="1"/>
+                    <adec:decorative xmlns:adec="http://schemas.microsoft.com/office/drawing/2017/decorative" xmlns="" val="1"/>
                   </a:ext>
                 </a:extLst>
               </p:cNvPr>
@@ -30197,7 +30387,7 @@
                     <a16:creationId xmlns:a16="http://schemas.microsoft.com/office/drawing/2014/main" id="{8CC4DA32-48D0-4DD7-A41B-1C5EB0257011}"/>
                   </a:ext>
                   <a:ext uri="{C183D7F6-B498-43B3-948B-1728B52AA6E4}">
-                    <adec:decorative xmlns:adec="http://schemas.microsoft.com/office/drawing/2017/decorative" val="1"/>
+                    <adec:decorative xmlns:adec="http://schemas.microsoft.com/office/drawing/2017/decorative" xmlns="" val="1"/>
                   </a:ext>
                 </a:extLst>
               </p:cNvPr>
@@ -30249,7 +30439,7 @@
                     <a16:creationId xmlns:a16="http://schemas.microsoft.com/office/drawing/2014/main" id="{5E49FDE3-835E-40E6-B182-DA35A1F451D9}"/>
                   </a:ext>
                   <a:ext uri="{C183D7F6-B498-43B3-948B-1728B52AA6E4}">
-                    <adec:decorative xmlns:adec="http://schemas.microsoft.com/office/drawing/2017/decorative" val="1"/>
+                    <adec:decorative xmlns:adec="http://schemas.microsoft.com/office/drawing/2017/decorative" xmlns="" val="1"/>
                   </a:ext>
                 </a:extLst>
               </p:cNvPr>
@@ -30301,7 +30491,7 @@
                     <a16:creationId xmlns:a16="http://schemas.microsoft.com/office/drawing/2014/main" id="{BE4C2F0B-066A-4085-847C-EE3969244F76}"/>
                   </a:ext>
                   <a:ext uri="{C183D7F6-B498-43B3-948B-1728B52AA6E4}">
-                    <adec:decorative xmlns:adec="http://schemas.microsoft.com/office/drawing/2017/decorative" val="1"/>
+                    <adec:decorative xmlns:adec="http://schemas.microsoft.com/office/drawing/2017/decorative" xmlns="" val="1"/>
                   </a:ext>
                 </a:extLst>
               </p:cNvPr>
@@ -30540,7 +30730,7 @@
                 <a:hlinkClick r:id="rId3">
                   <a:extLst>
                     <a:ext uri="{A12FA001-AC4F-418D-AE19-62706E023703}">
-                      <ahyp:hlinkClr xmlns:ahyp="http://schemas.microsoft.com/office/drawing/2018/hyperlinkcolor" val="tx"/>
+                      <ahyp:hlinkClr xmlns:ahyp="http://schemas.microsoft.com/office/drawing/2018/hyperlinkcolor" xmlns="" val="tx"/>
                     </a:ext>
                   </a:extLst>
                 </a:hlinkClick>
